--- a/iN6-Methyl/Presentation/iN6-Methyl.pptx
+++ b/iN6-Methyl/Presentation/iN6-Methyl.pptx
@@ -277,7 +277,7 @@
           <a:p>
             <a:fld id="{9E2C24A5-2C51-477E-A7CE-1798110EA9E6}" type="datetimeFigureOut">
               <a:rPr lang="zh-TW" altLang="en-US" smtClean="0"/>
-              <a:t>2022/4/6</a:t>
+              <a:t>2022/4/11</a:t>
             </a:fld>
             <a:endParaRPr lang="zh-TW" altLang="en-US"/>
           </a:p>
@@ -475,7 +475,7 @@
           <a:p>
             <a:fld id="{9E2C24A5-2C51-477E-A7CE-1798110EA9E6}" type="datetimeFigureOut">
               <a:rPr lang="zh-TW" altLang="en-US" smtClean="0"/>
-              <a:t>2022/4/6</a:t>
+              <a:t>2022/4/11</a:t>
             </a:fld>
             <a:endParaRPr lang="zh-TW" altLang="en-US"/>
           </a:p>
@@ -683,7 +683,7 @@
           <a:p>
             <a:fld id="{9E2C24A5-2C51-477E-A7CE-1798110EA9E6}" type="datetimeFigureOut">
               <a:rPr lang="zh-TW" altLang="en-US" smtClean="0"/>
-              <a:t>2022/4/6</a:t>
+              <a:t>2022/4/11</a:t>
             </a:fld>
             <a:endParaRPr lang="zh-TW" altLang="en-US"/>
           </a:p>
@@ -881,7 +881,7 @@
           <a:p>
             <a:fld id="{9E2C24A5-2C51-477E-A7CE-1798110EA9E6}" type="datetimeFigureOut">
               <a:rPr lang="zh-TW" altLang="en-US" smtClean="0"/>
-              <a:t>2022/4/6</a:t>
+              <a:t>2022/4/11</a:t>
             </a:fld>
             <a:endParaRPr lang="zh-TW" altLang="en-US"/>
           </a:p>
@@ -1156,7 +1156,7 @@
           <a:p>
             <a:fld id="{9E2C24A5-2C51-477E-A7CE-1798110EA9E6}" type="datetimeFigureOut">
               <a:rPr lang="zh-TW" altLang="en-US" smtClean="0"/>
-              <a:t>2022/4/6</a:t>
+              <a:t>2022/4/11</a:t>
             </a:fld>
             <a:endParaRPr lang="zh-TW" altLang="en-US"/>
           </a:p>
@@ -1421,7 +1421,7 @@
           <a:p>
             <a:fld id="{9E2C24A5-2C51-477E-A7CE-1798110EA9E6}" type="datetimeFigureOut">
               <a:rPr lang="zh-TW" altLang="en-US" smtClean="0"/>
-              <a:t>2022/4/6</a:t>
+              <a:t>2022/4/11</a:t>
             </a:fld>
             <a:endParaRPr lang="zh-TW" altLang="en-US"/>
           </a:p>
@@ -1833,7 +1833,7 @@
           <a:p>
             <a:fld id="{9E2C24A5-2C51-477E-A7CE-1798110EA9E6}" type="datetimeFigureOut">
               <a:rPr lang="zh-TW" altLang="en-US" smtClean="0"/>
-              <a:t>2022/4/6</a:t>
+              <a:t>2022/4/11</a:t>
             </a:fld>
             <a:endParaRPr lang="zh-TW" altLang="en-US"/>
           </a:p>
@@ -1974,7 +1974,7 @@
           <a:p>
             <a:fld id="{9E2C24A5-2C51-477E-A7CE-1798110EA9E6}" type="datetimeFigureOut">
               <a:rPr lang="zh-TW" altLang="en-US" smtClean="0"/>
-              <a:t>2022/4/6</a:t>
+              <a:t>2022/4/11</a:t>
             </a:fld>
             <a:endParaRPr lang="zh-TW" altLang="en-US"/>
           </a:p>
@@ -2087,7 +2087,7 @@
           <a:p>
             <a:fld id="{9E2C24A5-2C51-477E-A7CE-1798110EA9E6}" type="datetimeFigureOut">
               <a:rPr lang="zh-TW" altLang="en-US" smtClean="0"/>
-              <a:t>2022/4/6</a:t>
+              <a:t>2022/4/11</a:t>
             </a:fld>
             <a:endParaRPr lang="zh-TW" altLang="en-US"/>
           </a:p>
@@ -2398,7 +2398,7 @@
           <a:p>
             <a:fld id="{9E2C24A5-2C51-477E-A7CE-1798110EA9E6}" type="datetimeFigureOut">
               <a:rPr lang="zh-TW" altLang="en-US" smtClean="0"/>
-              <a:t>2022/4/6</a:t>
+              <a:t>2022/4/11</a:t>
             </a:fld>
             <a:endParaRPr lang="zh-TW" altLang="en-US"/>
           </a:p>
@@ -2686,7 +2686,7 @@
           <a:p>
             <a:fld id="{9E2C24A5-2C51-477E-A7CE-1798110EA9E6}" type="datetimeFigureOut">
               <a:rPr lang="zh-TW" altLang="en-US" smtClean="0"/>
-              <a:t>2022/4/6</a:t>
+              <a:t>2022/4/11</a:t>
             </a:fld>
             <a:endParaRPr lang="zh-TW" altLang="en-US"/>
           </a:p>
@@ -2927,7 +2927,7 @@
           <a:p>
             <a:fld id="{9E2C24A5-2C51-477E-A7CE-1798110EA9E6}" type="datetimeFigureOut">
               <a:rPr lang="zh-TW" altLang="en-US" smtClean="0"/>
-              <a:t>2022/4/6</a:t>
+              <a:t>2022/4/11</a:t>
             </a:fld>
             <a:endParaRPr lang="zh-TW" altLang="en-US"/>
           </a:p>
@@ -3494,7 +3494,7 @@
                 <a:effectLst/>
                 <a:latin typeface="NexusSerif"/>
               </a:rPr>
-              <a:t>The existing approaches for m6A sites identification require domain-knowledge to hand-craft the input features of the classification models. In this work, we aim to build a computational model that can learn features representation automatically based on the genomic data. This technique helps in obtaining more optimal features by reducing the noise in the data and, consequently, improving the performance of the final computational model.</a:t>
+              <a:t>The existing approaches for m6A sites identification require domain-knowledge to hand-craft the input features of the classification models. In this work, we aim to build a computational model that can learn features representation automatically based on the genomic data. This technique helps in obtaining more optimal features by reducing the noise in the data, consequently, improving the performance of the final computational model.</a:t>
             </a:r>
           </a:p>
           <a:p>
@@ -3502,16 +3502,74 @@
               <a:buNone/>
             </a:pPr>
             <a:r>
-              <a:rPr lang="zh-TW" altLang="en-US" sz="1800" b="0" i="0" dirty="0">
-                <a:solidFill>
-                  <a:srgbClr val="2E2E2E"/>
-                </a:solidFill>
-                <a:effectLst/>
+              <a:rPr lang="zh-TW" altLang="en-US" sz="1800" dirty="0">
+                <a:solidFill>
+                  <a:srgbClr val="2E2E2E"/>
+                </a:solidFill>
                 <a:latin typeface="NexusSerif"/>
               </a:rPr>
               <a:t>    </a:t>
             </a:r>
             <a:r>
+              <a:rPr lang="en-US" altLang="zh-TW" sz="1800" dirty="0">
+                <a:solidFill>
+                  <a:srgbClr val="2E2E2E"/>
+                </a:solidFill>
+                <a:latin typeface="NexusSerif"/>
+              </a:rPr>
+              <a:t>Genetic data is considered as a language, that is represented in DNA and </a:t>
+            </a:r>
+            <a:r>
+              <a:rPr lang="en-US" altLang="zh-TW" sz="1800" dirty="0">
+                <a:solidFill>
+                  <a:srgbClr val="2E2E2E"/>
+                </a:solidFill>
+                <a:latin typeface="NexusSerif"/>
+                <a:hlinkClick r:id="rId2" tooltip="Learn more about RNA sequences from ScienceDirect's AI-generated Topic Pages">
+                  <a:extLst>
+                    <a:ext uri="{A12FA001-AC4F-418D-AE19-62706E023703}">
+                      <ahyp:hlinkClr xmlns:ahyp="http://schemas.microsoft.com/office/drawing/2018/hyperlinkcolor" val="tx"/>
+                    </a:ext>
+                  </a:extLst>
+                </a:hlinkClick>
+              </a:rPr>
+              <a:t>RNA sequences</a:t>
+            </a:r>
+            <a:r>
+              <a:rPr lang="en-US" altLang="zh-TW" sz="1800" dirty="0">
+                <a:solidFill>
+                  <a:srgbClr val="2E2E2E"/>
+                </a:solidFill>
+                <a:latin typeface="NexusSerif"/>
+              </a:rPr>
+              <a:t>, by which the information passes within and between the cells. It is based on a continues chain of </a:t>
+            </a:r>
+            <a:r>
+              <a:rPr lang="en-US" altLang="zh-TW" sz="1800" dirty="0">
+                <a:solidFill>
+                  <a:srgbClr val="2E2E2E"/>
+                </a:solidFill>
+                <a:latin typeface="NexusSerif"/>
+                <a:hlinkClick r:id="rId3" tooltip="Learn more about nucleotides from ScienceDirect's AI-generated Topic Pages">
+                  <a:extLst>
+                    <a:ext uri="{A12FA001-AC4F-418D-AE19-62706E023703}">
+                      <ahyp:hlinkClr xmlns:ahyp="http://schemas.microsoft.com/office/drawing/2018/hyperlinkcolor" val="tx"/>
+                    </a:ext>
+                  </a:extLst>
+                </a:hlinkClick>
+              </a:rPr>
+              <a:t>nucleotides</a:t>
+            </a:r>
+            <a:r>
+              <a:rPr lang="en-US" altLang="zh-TW" sz="1800" dirty="0">
+                <a:solidFill>
+                  <a:srgbClr val="2E2E2E"/>
+                </a:solidFill>
+                <a:latin typeface="NexusSerif"/>
+              </a:rPr>
+              <a:t> (A, C, G, and T). In addition, NLP techniques have been used successfully in various biological problems such as alternative </a:t>
+            </a:r>
+            <a:r>
               <a:rPr lang="en-US" altLang="zh-TW" sz="1800" b="0" i="0" dirty="0">
                 <a:solidFill>
                   <a:srgbClr val="2E2E2E"/>
@@ -3519,49 +3577,7 @@
                 <a:effectLst/>
                 <a:latin typeface="NexusSerif"/>
               </a:rPr>
-              <a:t>Genetic data is considered as a language, that is represented in DNA and </a:t>
-            </a:r>
-            <a:r>
-              <a:rPr lang="en-US" altLang="zh-TW" sz="1800" b="0" i="0" dirty="0">
-                <a:solidFill>
-                  <a:srgbClr val="2E2E2E"/>
-                </a:solidFill>
-                <a:effectLst/>
-                <a:latin typeface="NexusSerif"/>
-                <a:hlinkClick r:id="rId2" tooltip="Learn more about RNA sequences from ScienceDirect's AI-generated Topic Pages"/>
-              </a:rPr>
-              <a:t>RNA sequences</a:t>
-            </a:r>
-            <a:r>
-              <a:rPr lang="en-US" altLang="zh-TW" sz="1800" b="0" i="0" dirty="0">
-                <a:solidFill>
-                  <a:srgbClr val="2E2E2E"/>
-                </a:solidFill>
-                <a:effectLst/>
-                <a:latin typeface="NexusSerif"/>
-              </a:rPr>
-              <a:t>, by which the information passes within and between the cells. It is based on a continues chain of </a:t>
-            </a:r>
-            <a:r>
-              <a:rPr lang="en-US" altLang="zh-TW" sz="1800" b="0" i="0" dirty="0">
-                <a:solidFill>
-                  <a:srgbClr val="2E2E2E"/>
-                </a:solidFill>
-                <a:effectLst/>
-                <a:latin typeface="NexusSerif"/>
-                <a:hlinkClick r:id="rId3" tooltip="Learn more about nucleotides from ScienceDirect's AI-generated Topic Pages"/>
-              </a:rPr>
-              <a:t>nucleotides</a:t>
-            </a:r>
-            <a:r>
-              <a:rPr lang="en-US" altLang="zh-TW" sz="1800" b="0" i="0" dirty="0">
-                <a:solidFill>
-                  <a:srgbClr val="2E2E2E"/>
-                </a:solidFill>
-                <a:effectLst/>
-                <a:latin typeface="NexusSerif"/>
-              </a:rPr>
-              <a:t> (A, C, G, and T). In addition, NLP techniques have been used successfully in various biological problems such as alternative splicing site prediction.</a:t>
+              <a:t>splicing site prediction.</a:t>
             </a:r>
             <a:endParaRPr lang="en-US" altLang="zh-TW" sz="1800" dirty="0">
               <a:solidFill>
@@ -3632,91 +3648,7 @@
                 <a:effectLst/>
                 <a:latin typeface="NexusSerif"/>
               </a:rPr>
-              <a:t> such as 4-mer,5-mer, 6-mer, etc. This selection confirms the previous findings of [</a:t>
-            </a:r>
-            <a:r>
-              <a:rPr lang="en-US" altLang="zh-TW" sz="1800" b="0" i="0" u="none" strike="noStrike" dirty="0">
-                <a:solidFill>
-                  <a:srgbClr val="0C7DBB"/>
-                </a:solidFill>
-                <a:effectLst/>
-                <a:latin typeface="NexusSerif"/>
-                <a:hlinkClick r:id="rId4"/>
-              </a:rPr>
-              <a:t>75</a:t>
-            </a:r>
-            <a:r>
-              <a:rPr lang="en-US" altLang="zh-TW" sz="1800" b="0" i="0" dirty="0">
-                <a:solidFill>
-                  <a:srgbClr val="2E2E2E"/>
-                </a:solidFill>
-                <a:effectLst/>
-                <a:latin typeface="NexusSerif"/>
-              </a:rPr>
-              <a:t>,</a:t>
-            </a:r>
-            <a:r>
-              <a:rPr lang="en-US" altLang="zh-TW" sz="1800" b="0" i="0" u="none" strike="noStrike" dirty="0">
-                <a:solidFill>
-                  <a:srgbClr val="0C7DBB"/>
-                </a:solidFill>
-                <a:effectLst/>
-                <a:latin typeface="NexusSerif"/>
-                <a:hlinkClick r:id="rId5"/>
-              </a:rPr>
-              <a:t>103</a:t>
-            </a:r>
-            <a:r>
-              <a:rPr lang="en-US" altLang="zh-TW" sz="1800" b="0" i="0" dirty="0">
-                <a:solidFill>
-                  <a:srgbClr val="2E2E2E"/>
-                </a:solidFill>
-                <a:effectLst/>
-                <a:latin typeface="NexusSerif"/>
-              </a:rPr>
-              <a:t>] in which setting k=3 was the best choice. In addition, 3-mer has been widely used in DNA/RNA sequence formulation [</a:t>
-            </a:r>
-            <a:r>
-              <a:rPr lang="en-US" altLang="zh-TW" sz="1800" b="0" i="0" u="none" strike="noStrike" dirty="0">
-                <a:solidFill>
-                  <a:srgbClr val="0C7DBB"/>
-                </a:solidFill>
-                <a:effectLst/>
-                <a:latin typeface="NexusSerif"/>
-                <a:hlinkClick r:id="rId6"/>
-              </a:rPr>
-              <a:t>104</a:t>
-            </a:r>
-            <a:r>
-              <a:rPr lang="en-US" altLang="zh-TW" sz="1800" b="0" i="0" dirty="0">
-                <a:solidFill>
-                  <a:srgbClr val="2E2E2E"/>
-                </a:solidFill>
-                <a:effectLst/>
-                <a:latin typeface="NexusSerif"/>
-              </a:rPr>
-              <a:t>,</a:t>
-            </a:r>
-            <a:r>
-              <a:rPr lang="en-US" altLang="zh-TW" sz="1800" b="0" i="0" u="none" strike="noStrike" dirty="0">
-                <a:solidFill>
-                  <a:srgbClr val="0C7DBB"/>
-                </a:solidFill>
-                <a:effectLst/>
-                <a:latin typeface="NexusSerif"/>
-                <a:hlinkClick r:id="rId7"/>
-              </a:rPr>
-              <a:t>105</a:t>
-            </a:r>
-            <a:r>
-              <a:rPr lang="en-US" altLang="zh-TW" sz="1800" b="0" i="0" dirty="0">
-                <a:solidFill>
-                  <a:srgbClr val="2E2E2E"/>
-                </a:solidFill>
-                <a:effectLst/>
-                <a:latin typeface="NexusSerif"/>
-              </a:rPr>
-              <a:t>]. Thus, The constructed corpus has four different nucleotides (A, C, G, and T) and consequently forms 64 unique words. For instance, the biological sequence {ACAGAATG} results in the following words {ACA, CAG, AGA, GAA, AAT, and ATG}. The generated corpus for each sequence is used for training the word2vec model.</a:t>
+              <a:t> such as 4-mer,5-mer, 6-mer, etc. This selection confirms the previous findings in which setting k=3 was the best choice. In addition, 3-mer has been widely used in DNA/RNA sequence formulation. Thus, The constructed corpus has four different nucleotides (A, C, G, and T) and consequently forms 64 unique words. For instance, the biological sequence {ACAGAATG} results in the following words {ACA, CAG, AGA, GAA, AAT, and ATG}. The generated corpus for each sequence is used for training the word2vec model.</a:t>
             </a:r>
           </a:p>
           <a:p>
@@ -3974,6 +3906,20 @@
                 <a:latin typeface="NexusSerif"/>
               </a:rPr>
               <a:t>100. </a:t>
+            </a:r>
+          </a:p>
+          <a:p>
+            <a:pPr marL="0" indent="0">
+              <a:buNone/>
+            </a:pPr>
+            <a:r>
+              <a:rPr lang="en-US" altLang="zh-TW" sz="1800" dirty="0">
+                <a:solidFill>
+                  <a:srgbClr val="2E2E2E"/>
+                </a:solidFill>
+                <a:latin typeface="NexusSerif"/>
+              </a:rPr>
+              <a:t>    </a:t>
             </a:r>
             <a:r>
               <a:rPr lang="en-US" altLang="zh-TW" sz="1800" b="0" i="0" dirty="0" err="1">
@@ -4209,7 +4155,7 @@
         <p:spPr>
           <a:xfrm>
             <a:off x="838200" y="970383"/>
-            <a:ext cx="10515600" cy="5477069"/>
+            <a:ext cx="10515600" cy="5458409"/>
           </a:xfrm>
         </p:spPr>
         <p:txBody>
@@ -4264,7 +4210,31 @@
                 <a:effectLst/>
                 <a:latin typeface="NexusSerif"/>
               </a:rPr>
-              <a:t>It consists of two dilated convolution layers where the number of the filters is 32 and the size of the filter is 5 for both of them. The dilation rate is set to  d=1 and d=2 for the first and the second convolution layers, respectively. Dilated convolution produces exponentially larger receptive field with less number of layers with comparison to conventional convolution layers. Each layer is followed by rectified linear unit (</a:t>
+              <a:t>It consists of two dilated convolution layers where the number of the filters is 32 and the size of the filter is 5 for both of them. The dilation rate is set to  d=1 and d=2 for the first and the second convolution layers, respectively. </a:t>
+            </a:r>
+          </a:p>
+          <a:p>
+            <a:pPr marL="0" indent="0">
+              <a:buNone/>
+            </a:pPr>
+            <a:r>
+              <a:rPr lang="en-US" altLang="zh-TW" sz="1800" dirty="0">
+                <a:solidFill>
+                  <a:srgbClr val="2E2E2E"/>
+                </a:solidFill>
+                <a:latin typeface="NexusSerif"/>
+              </a:rPr>
+              <a:t>    </a:t>
+            </a:r>
+            <a:r>
+              <a:rPr lang="en-US" altLang="zh-TW" sz="1800" b="0" i="0" dirty="0">
+                <a:solidFill>
+                  <a:srgbClr val="2E2E2E"/>
+                </a:solidFill>
+                <a:effectLst/>
+                <a:latin typeface="NexusSerif"/>
+              </a:rPr>
+              <a:t>Dilated convolution produces exponentially larger receptive field with less number of layers with comparison to conventional convolution layers. Each layer is followed by rectified linear unit (</a:t>
             </a:r>
             <a:r>
               <a:rPr lang="en-US" altLang="zh-TW" sz="1800" b="0" i="0" dirty="0" err="1">
@@ -5606,7 +5576,7 @@
         </p:spPr>
         <p:txBody>
           <a:bodyPr>
-            <a:normAutofit fontScale="92500" lnSpcReduction="10000"/>
+            <a:normAutofit/>
           </a:bodyPr>
           <a:lstStyle/>
           <a:p>
@@ -5648,73 +5618,15 @@
             </a:r>
             <a:r>
               <a:rPr lang="en-US" altLang="zh-TW" sz="2000" dirty="0"/>
-              <a:t>More physicochemical properties have been added with a scalable transformation algorithm for a better feature extraction. It was suggested by Refs. </a:t>
-            </a:r>
-            <a:r>
-              <a:rPr lang="zh-TW" altLang="en-US" sz="1400" b="0" i="0" dirty="0">
-                <a:solidFill>
-                  <a:srgbClr val="2E2E2E"/>
-                </a:solidFill>
-                <a:effectLst/>
-                <a:latin typeface="NexusSerif"/>
-              </a:rPr>
-              <a:t> </a:t>
-            </a:r>
-            <a:r>
-              <a:rPr lang="en-US" altLang="zh-TW" sz="1400" b="0" i="0" dirty="0">
-                <a:solidFill>
-                  <a:srgbClr val="2E2E2E"/>
-                </a:solidFill>
-                <a:effectLst/>
-                <a:latin typeface="NexusSerif"/>
-              </a:rPr>
-              <a:t>[</a:t>
-            </a:r>
-            <a:r>
-              <a:rPr lang="en-US" altLang="zh-TW" sz="1400" b="0" i="0" u="none" strike="noStrike" dirty="0">
-                <a:solidFill>
-                  <a:srgbClr val="0C7DBB"/>
-                </a:solidFill>
-                <a:effectLst/>
-                <a:latin typeface="NexusSerif"/>
-                <a:hlinkClick r:id="rId2"/>
-              </a:rPr>
-              <a:t>52</a:t>
-            </a:r>
-            <a:r>
-              <a:rPr lang="en-US" altLang="zh-TW" sz="1400" b="0" i="0" dirty="0">
-                <a:solidFill>
-                  <a:srgbClr val="2E2E2E"/>
-                </a:solidFill>
-                <a:effectLst/>
-                <a:latin typeface="NexusSerif"/>
-              </a:rPr>
-              <a:t>,</a:t>
-            </a:r>
-            <a:r>
-              <a:rPr lang="en-US" altLang="zh-TW" sz="1400" b="0" i="0" u="none" strike="noStrike" dirty="0">
-                <a:solidFill>
-                  <a:srgbClr val="0C7DBB"/>
-                </a:solidFill>
-                <a:effectLst/>
-                <a:latin typeface="NexusSerif"/>
-                <a:hlinkClick r:id="rId3"/>
-              </a:rPr>
-              <a:t>53</a:t>
-            </a:r>
-            <a:r>
-              <a:rPr lang="en-US" altLang="zh-TW" sz="1400" b="0" i="0" dirty="0">
-                <a:solidFill>
-                  <a:srgbClr val="2E2E2E"/>
-                </a:solidFill>
-                <a:effectLst/>
-                <a:latin typeface="NexusSerif"/>
-              </a:rPr>
-              <a:t>]  </a:t>
+              <a:t>Jia et al. Improved the performance by incorporating three types of feature descriptors such as dinucleotide composition, bi-profile Bayes, and KNN scores. On the other hand, Xiang et al. merged k-</a:t>
+            </a:r>
+            <a:r>
+              <a:rPr lang="en-US" altLang="zh-TW" sz="2000" dirty="0" err="1"/>
+              <a:t>mer</a:t>
             </a:r>
             <a:r>
               <a:rPr lang="en-US" altLang="zh-TW" sz="2000" dirty="0"/>
-              <a:t>that using different types of feature descriptors could improve the performance of m6A site identification models. </a:t>
+              <a:t> frequency and binary encoding scheme to improve the performance. Recently, a powerful tool, “SRAMP”, was proposed . In this work various feature extraction techniques have been utilized such as k-nearest neighbor encoding, secondary structure pattern, positional binary encoding of nucleotide sequence, and binary representation of nucleotide sequence. Then random forest model was trained based on the extracted features and the performance outperformed the other methods. </a:t>
             </a:r>
           </a:p>
           <a:p>
@@ -5727,15 +5639,15 @@
             </a:r>
             <a:r>
               <a:rPr lang="en-US" altLang="zh-TW" sz="2000" dirty="0"/>
-              <a:t>Jia et al. [52] improved the performance by incorporating three types of feature descriptors such as dinucleotide composition, bi-profile Bayes, and KNN scores. On the other hand, Xiang et al. merged k-</a:t>
+              <a:t>Xiang et al. Proposed “</a:t>
             </a:r>
             <a:r>
               <a:rPr lang="en-US" altLang="zh-TW" sz="2000" dirty="0" err="1"/>
-              <a:t>mer</a:t>
+              <a:t>RNAMethyPre</a:t>
             </a:r>
             <a:r>
               <a:rPr lang="en-US" altLang="zh-TW" sz="2000" dirty="0"/>
-              <a:t> frequency and binary encoding scheme to improve the performance. Recently, a powerful tool, “SRAMP”, was proposed by Ref. [54]. In this work various feature extraction techniques have been utilized such as k-nearest neighbor encoding, secondary structure pattern, positional binary encoding of nucleotide sequence, and binary representation of nucleotide sequence. Then random forest model was trained based on the extracted features and the performance outperformed the other methods. </a:t>
+              <a:t>” predictor that was based on position-specific and compositional information for m6A sites on both mouse and human. Most of the previously mentioned predictors are species-specific. </a:t>
             </a:r>
           </a:p>
           <a:p>
@@ -5748,27 +5660,6 @@
             </a:r>
             <a:r>
               <a:rPr lang="en-US" altLang="zh-TW" sz="2000" dirty="0"/>
-              <a:t>Xiang et al. [53] proposed “</a:t>
-            </a:r>
-            <a:r>
-              <a:rPr lang="en-US" altLang="zh-TW" sz="2000" dirty="0" err="1"/>
-              <a:t>RNAMethyPre</a:t>
-            </a:r>
-            <a:r>
-              <a:rPr lang="en-US" altLang="zh-TW" sz="2000" dirty="0"/>
-              <a:t>” predictor that was based on position-specific and compositional information for m6A sites on both mouse and human. Most of the previously mentioned predictors are species-specific. </a:t>
-            </a:r>
-          </a:p>
-          <a:p>
-            <a:pPr marL="0" indent="0">
-              <a:buNone/>
-            </a:pPr>
-            <a:r>
-              <a:rPr lang="zh-TW" altLang="en-US" sz="2000" dirty="0"/>
-              <a:t>    </a:t>
-            </a:r>
-            <a:r>
-              <a:rPr lang="en-US" altLang="zh-TW" sz="2000" dirty="0"/>
               <a:t>However, </a:t>
             </a:r>
             <a:r>
@@ -5777,7 +5668,15 @@
             </a:r>
             <a:r>
               <a:rPr lang="en-US" altLang="zh-TW" sz="2000" dirty="0"/>
-              <a:t> et al. [55] proposed a multiple species predictor for m6A sites. They used Local position-specific dinucleotide frequency and dinucleotide binary encoding as features extraction and enhanced them using sequential forward search and F-score algorithm. Then, </a:t>
+              <a:t> et </a:t>
+            </a:r>
+            <a:r>
+              <a:rPr lang="en-US" altLang="zh-TW" sz="2000" dirty="0" err="1"/>
+              <a:t>al.Proposed</a:t>
+            </a:r>
+            <a:r>
+              <a:rPr lang="en-US" altLang="zh-TW" sz="2000" dirty="0"/>
+              <a:t> a multiple species predictor for m6A sites. They used Local position-specific dinucleotide frequency and dinucleotide binary encoding as features extraction and enhanced them using sequential forward search and F-score algorithm. Then, </a:t>
             </a:r>
             <a:r>
               <a:rPr lang="en-US" altLang="zh-TW" sz="2000" dirty="0" err="1"/>
@@ -6765,6 +6664,36 @@
           </a:p>
         </p:txBody>
       </p:sp>
+      <p:pic>
+        <p:nvPicPr>
+          <p:cNvPr id="5" name="圖片 4">
+            <a:extLst>
+              <a:ext uri="{FF2B5EF4-FFF2-40B4-BE49-F238E27FC236}">
+                <a16:creationId xmlns:a16="http://schemas.microsoft.com/office/drawing/2014/main" id="{1D9A515E-B32D-4C81-A644-8561149BB6EE}"/>
+              </a:ext>
+            </a:extLst>
+          </p:cNvPr>
+          <p:cNvPicPr>
+            <a:picLocks noChangeAspect="1"/>
+          </p:cNvPicPr>
+          <p:nvPr/>
+        </p:nvPicPr>
+        <p:blipFill>
+          <a:blip r:embed="rId2"/>
+          <a:stretch>
+            <a:fillRect/>
+          </a:stretch>
+        </p:blipFill>
+        <p:spPr>
+          <a:xfrm>
+            <a:off x="3440960" y="3847967"/>
+            <a:ext cx="5496692" cy="1905266"/>
+          </a:xfrm>
+          <a:prstGeom prst="rect">
+            <a:avLst/>
+          </a:prstGeom>
+        </p:spPr>
+      </p:pic>
     </p:spTree>
     <p:extLst>
       <p:ext uri="{BB962C8B-B14F-4D97-AF65-F5344CB8AC3E}">
@@ -6930,7 +6859,7 @@
                 <a:effectLst/>
                 <a:latin typeface="NexusSerif"/>
               </a:rPr>
-              <a:t>The second step is a deep learning computational model that predicts the m6A sites based on the generated features of the first step. This process is illustrated in Fig. 1 and is described in details in the following sections.</a:t>
+              <a:t>The second step is a deep learning computational model that predicts the m6A sites based on the generated features of the first step. This process is illustrated in Fig. 1 and is described in detail in the following sections.</a:t>
             </a:r>
             <a:endParaRPr lang="zh-TW" altLang="en-US" sz="1600" dirty="0"/>
           </a:p>

--- a/iN6-Methyl/Presentation/iN6-Methyl.pptx
+++ b/iN6-Methyl/Presentation/iN6-Methyl.pptx
@@ -18,12 +18,14 @@
     <p:sldId id="266" r:id="rId12"/>
     <p:sldId id="267" r:id="rId13"/>
     <p:sldId id="268" r:id="rId14"/>
-    <p:sldId id="269" r:id="rId15"/>
-    <p:sldId id="270" r:id="rId16"/>
-    <p:sldId id="271" r:id="rId17"/>
-    <p:sldId id="272" r:id="rId18"/>
-    <p:sldId id="273" r:id="rId19"/>
-    <p:sldId id="274" r:id="rId20"/>
+    <p:sldId id="276" r:id="rId15"/>
+    <p:sldId id="275" r:id="rId16"/>
+    <p:sldId id="269" r:id="rId17"/>
+    <p:sldId id="270" r:id="rId18"/>
+    <p:sldId id="271" r:id="rId19"/>
+    <p:sldId id="272" r:id="rId20"/>
+    <p:sldId id="273" r:id="rId21"/>
+    <p:sldId id="274" r:id="rId22"/>
   </p:sldIdLst>
   <p:sldSz cx="12192000" cy="6858000"/>
   <p:notesSz cx="6858000" cy="9144000"/>
@@ -277,7 +279,7 @@
           <a:p>
             <a:fld id="{9E2C24A5-2C51-477E-A7CE-1798110EA9E6}" type="datetimeFigureOut">
               <a:rPr lang="zh-TW" altLang="en-US" smtClean="0"/>
-              <a:t>2022/4/11</a:t>
+              <a:t>2022/4/12</a:t>
             </a:fld>
             <a:endParaRPr lang="zh-TW" altLang="en-US"/>
           </a:p>
@@ -475,7 +477,7 @@
           <a:p>
             <a:fld id="{9E2C24A5-2C51-477E-A7CE-1798110EA9E6}" type="datetimeFigureOut">
               <a:rPr lang="zh-TW" altLang="en-US" smtClean="0"/>
-              <a:t>2022/4/11</a:t>
+              <a:t>2022/4/12</a:t>
             </a:fld>
             <a:endParaRPr lang="zh-TW" altLang="en-US"/>
           </a:p>
@@ -683,7 +685,7 @@
           <a:p>
             <a:fld id="{9E2C24A5-2C51-477E-A7CE-1798110EA9E6}" type="datetimeFigureOut">
               <a:rPr lang="zh-TW" altLang="en-US" smtClean="0"/>
-              <a:t>2022/4/11</a:t>
+              <a:t>2022/4/12</a:t>
             </a:fld>
             <a:endParaRPr lang="zh-TW" altLang="en-US"/>
           </a:p>
@@ -881,7 +883,7 @@
           <a:p>
             <a:fld id="{9E2C24A5-2C51-477E-A7CE-1798110EA9E6}" type="datetimeFigureOut">
               <a:rPr lang="zh-TW" altLang="en-US" smtClean="0"/>
-              <a:t>2022/4/11</a:t>
+              <a:t>2022/4/12</a:t>
             </a:fld>
             <a:endParaRPr lang="zh-TW" altLang="en-US"/>
           </a:p>
@@ -1156,7 +1158,7 @@
           <a:p>
             <a:fld id="{9E2C24A5-2C51-477E-A7CE-1798110EA9E6}" type="datetimeFigureOut">
               <a:rPr lang="zh-TW" altLang="en-US" smtClean="0"/>
-              <a:t>2022/4/11</a:t>
+              <a:t>2022/4/12</a:t>
             </a:fld>
             <a:endParaRPr lang="zh-TW" altLang="en-US"/>
           </a:p>
@@ -1421,7 +1423,7 @@
           <a:p>
             <a:fld id="{9E2C24A5-2C51-477E-A7CE-1798110EA9E6}" type="datetimeFigureOut">
               <a:rPr lang="zh-TW" altLang="en-US" smtClean="0"/>
-              <a:t>2022/4/11</a:t>
+              <a:t>2022/4/12</a:t>
             </a:fld>
             <a:endParaRPr lang="zh-TW" altLang="en-US"/>
           </a:p>
@@ -1833,7 +1835,7 @@
           <a:p>
             <a:fld id="{9E2C24A5-2C51-477E-A7CE-1798110EA9E6}" type="datetimeFigureOut">
               <a:rPr lang="zh-TW" altLang="en-US" smtClean="0"/>
-              <a:t>2022/4/11</a:t>
+              <a:t>2022/4/12</a:t>
             </a:fld>
             <a:endParaRPr lang="zh-TW" altLang="en-US"/>
           </a:p>
@@ -1974,7 +1976,7 @@
           <a:p>
             <a:fld id="{9E2C24A5-2C51-477E-A7CE-1798110EA9E6}" type="datetimeFigureOut">
               <a:rPr lang="zh-TW" altLang="en-US" smtClean="0"/>
-              <a:t>2022/4/11</a:t>
+              <a:t>2022/4/12</a:t>
             </a:fld>
             <a:endParaRPr lang="zh-TW" altLang="en-US"/>
           </a:p>
@@ -2087,7 +2089,7 @@
           <a:p>
             <a:fld id="{9E2C24A5-2C51-477E-A7CE-1798110EA9E6}" type="datetimeFigureOut">
               <a:rPr lang="zh-TW" altLang="en-US" smtClean="0"/>
-              <a:t>2022/4/11</a:t>
+              <a:t>2022/4/12</a:t>
             </a:fld>
             <a:endParaRPr lang="zh-TW" altLang="en-US"/>
           </a:p>
@@ -2398,7 +2400,7 @@
           <a:p>
             <a:fld id="{9E2C24A5-2C51-477E-A7CE-1798110EA9E6}" type="datetimeFigureOut">
               <a:rPr lang="zh-TW" altLang="en-US" smtClean="0"/>
-              <a:t>2022/4/11</a:t>
+              <a:t>2022/4/12</a:t>
             </a:fld>
             <a:endParaRPr lang="zh-TW" altLang="en-US"/>
           </a:p>
@@ -2686,7 +2688,7 @@
           <a:p>
             <a:fld id="{9E2C24A5-2C51-477E-A7CE-1798110EA9E6}" type="datetimeFigureOut">
               <a:rPr lang="zh-TW" altLang="en-US" smtClean="0"/>
-              <a:t>2022/4/11</a:t>
+              <a:t>2022/4/12</a:t>
             </a:fld>
             <a:endParaRPr lang="zh-TW" altLang="en-US"/>
           </a:p>
@@ -2927,7 +2929,7 @@
           <a:p>
             <a:fld id="{9E2C24A5-2C51-477E-A7CE-1798110EA9E6}" type="datetimeFigureOut">
               <a:rPr lang="zh-TW" altLang="en-US" smtClean="0"/>
-              <a:t>2022/4/11</a:t>
+              <a:t>2022/4/12</a:t>
             </a:fld>
             <a:endParaRPr lang="zh-TW" altLang="en-US"/>
           </a:p>
@@ -3368,14 +3370,10 @@
           <a:lstStyle/>
           <a:p>
             <a:r>
-              <a:rPr lang="en-US" altLang="zh-TW" sz="2000" dirty="0"/>
-              <a:t>iN6-Methyl (5-step): Identifying RNA N6-methyladenosine sites using deep learning mode via Chou's 5-step rules and Chou's general </a:t>
-            </a:r>
-            <a:r>
-              <a:rPr lang="en-US" altLang="zh-TW" sz="2000" dirty="0" err="1"/>
-              <a:t>PseKNC</a:t>
-            </a:r>
-            <a:endParaRPr lang="zh-TW" altLang="en-US" sz="2000" dirty="0"/>
+              <a:rPr lang="en-US" altLang="zh-TW" sz="2400" dirty="0"/>
+              <a:t>iN6-Methyl </a:t>
+            </a:r>
+            <a:endParaRPr lang="zh-TW" altLang="en-US" sz="2400" dirty="0"/>
           </a:p>
         </p:txBody>
       </p:sp>
@@ -3939,7 +3937,7 @@
                 <a:effectLst/>
                 <a:latin typeface="NexusSerif"/>
               </a:rPr>
-              <a:t> et al. showed that mammalian m6A have a DRACH consensus motif (D = U, G or A; R = G or A; H = U, C or A) which can denoted in an overlap 3-mer as {AAA, AGA, GGA, UGA,UAA, AAC, GAC, ACA, ACC, ACU, GAA}. These 3-mers are shown in the 2d-space in Fig. 2 from the learnt representation using word2vec. Fig. 2 is obtained by using t-distributed stochastic neighbor embedding (t-SNE) .</a:t>
+              <a:t> et al. Showed that mammalian m6A have a DRACH consensus motif (D = U, G or A; R = G or A; H = U, C or A) which can denoted in an overlap 3-mer as {AAA, AGA, GGA, UGA,UAA, AAC, GAC, ACA, ACC, ACU, GAA}. These 3-mers are shown in the 2d-space in Fig. 2 from the learnt representation using word2vec. Fig. 2 is obtained by using t-distributed stochastic neighbor embedding (t-SNE) .</a:t>
             </a:r>
             <a:endParaRPr lang="zh-TW" altLang="en-US" sz="2000" dirty="0"/>
           </a:p>
@@ -4154,13 +4152,13 @@
         </p:nvSpPr>
         <p:spPr>
           <a:xfrm>
-            <a:off x="838200" y="970383"/>
-            <a:ext cx="10515600" cy="5458409"/>
+            <a:off x="552450" y="941808"/>
+            <a:ext cx="7010400" cy="5458409"/>
           </a:xfrm>
         </p:spPr>
         <p:txBody>
           <a:bodyPr>
-            <a:normAutofit/>
+            <a:normAutofit lnSpcReduction="10000"/>
           </a:bodyPr>
           <a:lstStyle/>
           <a:p>
@@ -4280,6 +4278,36 @@
           </a:p>
         </p:txBody>
       </p:sp>
+      <p:pic>
+        <p:nvPicPr>
+          <p:cNvPr id="5" name="圖片 4">
+            <a:extLst>
+              <a:ext uri="{FF2B5EF4-FFF2-40B4-BE49-F238E27FC236}">
+                <a16:creationId xmlns:a16="http://schemas.microsoft.com/office/drawing/2014/main" id="{6E5F47E5-692C-4098-ADDA-0C01086811F4}"/>
+              </a:ext>
+            </a:extLst>
+          </p:cNvPr>
+          <p:cNvPicPr>
+            <a:picLocks noChangeAspect="1"/>
+          </p:cNvPicPr>
+          <p:nvPr/>
+        </p:nvPicPr>
+        <p:blipFill>
+          <a:blip r:embed="rId2"/>
+          <a:stretch>
+            <a:fillRect/>
+          </a:stretch>
+        </p:blipFill>
+        <p:spPr>
+          <a:xfrm>
+            <a:off x="7562850" y="810079"/>
+            <a:ext cx="4420217" cy="5106113"/>
+          </a:xfrm>
+          <a:prstGeom prst="rect">
+            <a:avLst/>
+          </a:prstGeom>
+        </p:spPr>
+      </p:pic>
     </p:spTree>
     <p:extLst>
       <p:ext uri="{BB962C8B-B14F-4D97-AF65-F5344CB8AC3E}">
@@ -4294,6 +4322,1402 @@
 </file>
 
 <file path=ppt/slides/slide14.xml><?xml version="1.0" encoding="utf-8"?>
+<p:sld xmlns:a="http://schemas.openxmlformats.org/drawingml/2006/main" xmlns:r="http://schemas.openxmlformats.org/officeDocument/2006/relationships" xmlns:p="http://schemas.openxmlformats.org/presentationml/2006/main">
+  <p:cSld>
+    <p:spTree>
+      <p:nvGrpSpPr>
+        <p:cNvPr id="1" name=""/>
+        <p:cNvGrpSpPr/>
+        <p:nvPr/>
+      </p:nvGrpSpPr>
+      <p:grpSpPr>
+        <a:xfrm>
+          <a:off x="0" y="0"/>
+          <a:ext cx="0" cy="0"/>
+          <a:chOff x="0" y="0"/>
+          <a:chExt cx="0" cy="0"/>
+        </a:xfrm>
+      </p:grpSpPr>
+      <p:sp>
+        <p:nvSpPr>
+          <p:cNvPr id="2" name="標題 1">
+            <a:extLst>
+              <a:ext uri="{FF2B5EF4-FFF2-40B4-BE49-F238E27FC236}">
+                <a16:creationId xmlns:a16="http://schemas.microsoft.com/office/drawing/2014/main" id="{B327BF8D-6467-4EBF-B44B-80346A9EEF59}"/>
+              </a:ext>
+            </a:extLst>
+          </p:cNvPr>
+          <p:cNvSpPr>
+            <a:spLocks noGrp="1"/>
+          </p:cNvSpPr>
+          <p:nvPr>
+            <p:ph type="title"/>
+          </p:nvPr>
+        </p:nvSpPr>
+        <p:spPr>
+          <a:xfrm>
+            <a:off x="838200" y="93307"/>
+            <a:ext cx="10515600" cy="942391"/>
+          </a:xfrm>
+        </p:spPr>
+        <p:txBody>
+          <a:bodyPr>
+            <a:normAutofit/>
+          </a:bodyPr>
+          <a:lstStyle/>
+          <a:p>
+            <a:r>
+              <a:rPr lang="en-US" altLang="zh-TW" sz="3200" dirty="0"/>
+              <a:t>Deep learning model:</a:t>
+            </a:r>
+            <a:endParaRPr lang="zh-TW" altLang="en-US" sz="3200" dirty="0"/>
+          </a:p>
+        </p:txBody>
+      </p:sp>
+      <p:graphicFrame>
+        <p:nvGraphicFramePr>
+          <p:cNvPr id="8" name="表格 8">
+            <a:extLst>
+              <a:ext uri="{FF2B5EF4-FFF2-40B4-BE49-F238E27FC236}">
+                <a16:creationId xmlns:a16="http://schemas.microsoft.com/office/drawing/2014/main" id="{20959A5A-9982-4C8A-9C0D-5B3F5C4C2CE6}"/>
+              </a:ext>
+            </a:extLst>
+          </p:cNvPr>
+          <p:cNvGraphicFramePr>
+            <a:graphicFrameLocks noGrp="1"/>
+          </p:cNvGraphicFramePr>
+          <p:nvPr>
+            <p:extLst>
+              <p:ext uri="{D42A27DB-BD31-4B8C-83A1-F6EECF244321}">
+                <p14:modId xmlns:p14="http://schemas.microsoft.com/office/powerpoint/2010/main" val="13991330"/>
+              </p:ext>
+            </p:extLst>
+          </p:nvPr>
+        </p:nvGraphicFramePr>
+        <p:xfrm>
+          <a:off x="0" y="1214188"/>
+          <a:ext cx="8161176" cy="4710751"/>
+        </p:xfrm>
+        <a:graphic>
+          <a:graphicData uri="http://schemas.openxmlformats.org/drawingml/2006/table">
+            <a:tbl>
+              <a:tblPr firstRow="1" bandRow="1">
+                <a:tableStyleId>{5C22544A-7EE6-4342-B048-85BDC9FD1C3A}</a:tableStyleId>
+              </a:tblPr>
+              <a:tblGrid>
+                <a:gridCol w="1520717">
+                  <a:extLst>
+                    <a:ext uri="{9D8B030D-6E8A-4147-A177-3AD203B41FA5}">
+                      <a16:colId xmlns:a16="http://schemas.microsoft.com/office/drawing/2014/main" val="2168154750"/>
+                    </a:ext>
+                  </a:extLst>
+                </a:gridCol>
+                <a:gridCol w="1513475">
+                  <a:extLst>
+                    <a:ext uri="{9D8B030D-6E8A-4147-A177-3AD203B41FA5}">
+                      <a16:colId xmlns:a16="http://schemas.microsoft.com/office/drawing/2014/main" val="985010354"/>
+                    </a:ext>
+                  </a:extLst>
+                </a:gridCol>
+                <a:gridCol w="1862514">
+                  <a:extLst>
+                    <a:ext uri="{9D8B030D-6E8A-4147-A177-3AD203B41FA5}">
+                      <a16:colId xmlns:a16="http://schemas.microsoft.com/office/drawing/2014/main" val="3139839787"/>
+                    </a:ext>
+                  </a:extLst>
+                </a:gridCol>
+                <a:gridCol w="1632235">
+                  <a:extLst>
+                    <a:ext uri="{9D8B030D-6E8A-4147-A177-3AD203B41FA5}">
+                      <a16:colId xmlns:a16="http://schemas.microsoft.com/office/drawing/2014/main" val="1535782996"/>
+                    </a:ext>
+                  </a:extLst>
+                </a:gridCol>
+                <a:gridCol w="1632235">
+                  <a:extLst>
+                    <a:ext uri="{9D8B030D-6E8A-4147-A177-3AD203B41FA5}">
+                      <a16:colId xmlns:a16="http://schemas.microsoft.com/office/drawing/2014/main" val="767919209"/>
+                    </a:ext>
+                  </a:extLst>
+                </a:gridCol>
+              </a:tblGrid>
+              <a:tr h="424054">
+                <a:tc>
+                  <a:txBody>
+                    <a:bodyPr/>
+                    <a:lstStyle/>
+                    <a:p>
+                      <a:r>
+                        <a:rPr lang="en-US" altLang="zh-TW" dirty="0"/>
+                        <a:t>Layer</a:t>
+                      </a:r>
+                      <a:endParaRPr lang="zh-TW" altLang="en-US" dirty="0"/>
+                    </a:p>
+                  </a:txBody>
+                  <a:tcPr/>
+                </a:tc>
+                <a:tc gridSpan="4">
+                  <a:txBody>
+                    <a:bodyPr/>
+                    <a:lstStyle/>
+                    <a:p>
+                      <a:r>
+                        <a:rPr lang="en-US" altLang="zh-TW" dirty="0"/>
+                        <a:t>Parameter</a:t>
+                      </a:r>
+                      <a:endParaRPr lang="zh-TW" altLang="en-US" dirty="0"/>
+                    </a:p>
+                  </a:txBody>
+                  <a:tcPr/>
+                </a:tc>
+                <a:tc hMerge="1">
+                  <a:txBody>
+                    <a:bodyPr/>
+                    <a:lstStyle/>
+                    <a:p>
+                      <a:endParaRPr lang="zh-TW" altLang="en-US" dirty="0"/>
+                    </a:p>
+                  </a:txBody>
+                  <a:tcPr/>
+                </a:tc>
+                <a:tc hMerge="1">
+                  <a:txBody>
+                    <a:bodyPr/>
+                    <a:lstStyle/>
+                    <a:p>
+                      <a:endParaRPr lang="zh-TW" altLang="en-US" dirty="0"/>
+                    </a:p>
+                  </a:txBody>
+                  <a:tcPr/>
+                </a:tc>
+                <a:tc hMerge="1">
+                  <a:txBody>
+                    <a:bodyPr/>
+                    <a:lstStyle/>
+                    <a:p>
+                      <a:endParaRPr lang="zh-TW" altLang="en-US" dirty="0"/>
+                    </a:p>
+                  </a:txBody>
+                  <a:tcPr/>
+                </a:tc>
+                <a:extLst>
+                  <a:ext uri="{0D108BD9-81ED-4DB2-BD59-A6C34878D82A}">
+                    <a16:rowId xmlns:a16="http://schemas.microsoft.com/office/drawing/2014/main" val="1536723712"/>
+                  </a:ext>
+                </a:extLst>
+              </a:tr>
+              <a:tr h="580791">
+                <a:tc>
+                  <a:txBody>
+                    <a:bodyPr/>
+                    <a:lstStyle/>
+                    <a:p>
+                      <a:r>
+                        <a:rPr lang="en-US" altLang="zh-TW" sz="1600" dirty="0"/>
+                        <a:t>Conv1d</a:t>
+                      </a:r>
+                      <a:endParaRPr lang="zh-TW" altLang="en-US" sz="1600" dirty="0"/>
+                    </a:p>
+                  </a:txBody>
+                  <a:tcPr/>
+                </a:tc>
+                <a:tc>
+                  <a:txBody>
+                    <a:bodyPr/>
+                    <a:lstStyle/>
+                    <a:p>
+                      <a:r>
+                        <a:rPr lang="en-US" altLang="zh-TW" sz="1600" dirty="0" err="1"/>
+                        <a:t>Filter_num</a:t>
+                      </a:r>
+                      <a:r>
+                        <a:rPr lang="en-US" altLang="zh-TW" sz="1600" dirty="0"/>
+                        <a:t>=32</a:t>
+                      </a:r>
+                      <a:endParaRPr lang="zh-TW" altLang="en-US" sz="1600" dirty="0"/>
+                    </a:p>
+                  </a:txBody>
+                  <a:tcPr/>
+                </a:tc>
+                <a:tc>
+                  <a:txBody>
+                    <a:bodyPr/>
+                    <a:lstStyle/>
+                    <a:p>
+                      <a:r>
+                        <a:rPr lang="en-US" altLang="zh-TW" sz="1600" dirty="0" err="1"/>
+                        <a:t>Kernel_size</a:t>
+                      </a:r>
+                      <a:r>
+                        <a:rPr lang="en-US" altLang="zh-TW" sz="1600" dirty="0"/>
+                        <a:t>=5</a:t>
+                      </a:r>
+                      <a:endParaRPr lang="zh-TW" altLang="en-US" sz="1600" dirty="0"/>
+                    </a:p>
+                  </a:txBody>
+                  <a:tcPr/>
+                </a:tc>
+                <a:tc>
+                  <a:txBody>
+                    <a:bodyPr/>
+                    <a:lstStyle/>
+                    <a:p>
+                      <a:r>
+                        <a:rPr lang="en-US" altLang="zh-TW" sz="1600" dirty="0"/>
+                        <a:t>Activation=</a:t>
+                      </a:r>
+                      <a:r>
+                        <a:rPr lang="en-US" altLang="zh-TW" sz="1600" dirty="0" err="1"/>
+                        <a:t>relu</a:t>
+                      </a:r>
+                      <a:endParaRPr lang="zh-TW" altLang="en-US" sz="1600" dirty="0"/>
+                    </a:p>
+                  </a:txBody>
+                  <a:tcPr/>
+                </a:tc>
+                <a:tc>
+                  <a:txBody>
+                    <a:bodyPr/>
+                    <a:lstStyle/>
+                    <a:p>
+                      <a:r>
+                        <a:rPr lang="en-US" altLang="zh-TW" sz="1600" dirty="0" err="1"/>
+                        <a:t>Dilation_rate</a:t>
+                      </a:r>
+                      <a:r>
+                        <a:rPr lang="en-US" altLang="zh-TW" sz="1600" dirty="0"/>
+                        <a:t>=1</a:t>
+                      </a:r>
+                      <a:endParaRPr lang="zh-TW" altLang="en-US" sz="1600" dirty="0"/>
+                    </a:p>
+                  </a:txBody>
+                  <a:tcPr/>
+                </a:tc>
+                <a:extLst>
+                  <a:ext uri="{0D108BD9-81ED-4DB2-BD59-A6C34878D82A}">
+                    <a16:rowId xmlns:a16="http://schemas.microsoft.com/office/drawing/2014/main" val="1918596840"/>
+                  </a:ext>
+                </a:extLst>
+              </a:tr>
+              <a:tr h="424054">
+                <a:tc>
+                  <a:txBody>
+                    <a:bodyPr/>
+                    <a:lstStyle/>
+                    <a:p>
+                      <a:pPr marL="0" marR="0" lvl="0" indent="0" algn="l" defTabSz="914400" rtl="0" eaLnBrk="1" fontAlgn="auto" latinLnBrk="0" hangingPunct="1">
+                        <a:lnSpc>
+                          <a:spcPct val="100000"/>
+                        </a:lnSpc>
+                        <a:spcBef>
+                          <a:spcPts val="0"/>
+                        </a:spcBef>
+                        <a:spcAft>
+                          <a:spcPts val="0"/>
+                        </a:spcAft>
+                        <a:buClrTx/>
+                        <a:buSzTx/>
+                        <a:buFontTx/>
+                        <a:buNone/>
+                        <a:tabLst/>
+                        <a:defRPr/>
+                      </a:pPr>
+                      <a:r>
+                        <a:rPr lang="en-US" altLang="zh-TW" sz="1600" b="0" kern="1200" dirty="0" err="1">
+                          <a:solidFill>
+                            <a:schemeClr val="dk1"/>
+                          </a:solidFill>
+                          <a:effectLst/>
+                          <a:latin typeface="+mn-lt"/>
+                          <a:ea typeface="+mn-ea"/>
+                          <a:cs typeface="+mn-cs"/>
+                        </a:rPr>
+                        <a:t>AlphaDropout</a:t>
+                      </a:r>
+                      <a:endParaRPr lang="en-US" altLang="zh-TW" sz="1600" b="0" kern="1200" dirty="0">
+                        <a:solidFill>
+                          <a:schemeClr val="dk1"/>
+                        </a:solidFill>
+                        <a:effectLst/>
+                        <a:latin typeface="+mn-lt"/>
+                        <a:ea typeface="+mn-ea"/>
+                        <a:cs typeface="+mn-cs"/>
+                      </a:endParaRPr>
+                    </a:p>
+                  </a:txBody>
+                  <a:tcPr/>
+                </a:tc>
+                <a:tc gridSpan="4">
+                  <a:txBody>
+                    <a:bodyPr/>
+                    <a:lstStyle/>
+                    <a:p>
+                      <a:pPr marL="0" marR="0" lvl="0" indent="0" algn="l" defTabSz="914400" rtl="0" eaLnBrk="1" fontAlgn="auto" latinLnBrk="0" hangingPunct="1">
+                        <a:lnSpc>
+                          <a:spcPct val="100000"/>
+                        </a:lnSpc>
+                        <a:spcBef>
+                          <a:spcPts val="0"/>
+                        </a:spcBef>
+                        <a:spcAft>
+                          <a:spcPts val="0"/>
+                        </a:spcAft>
+                        <a:buClrTx/>
+                        <a:buSzTx/>
+                        <a:buFontTx/>
+                        <a:buNone/>
+                        <a:tabLst/>
+                        <a:defRPr/>
+                      </a:pPr>
+                      <a:r>
+                        <a:rPr lang="en-US" altLang="zh-TW" sz="1600" b="0" kern="1200" dirty="0" err="1">
+                          <a:solidFill>
+                            <a:schemeClr val="dk1"/>
+                          </a:solidFill>
+                          <a:effectLst/>
+                          <a:latin typeface="+mn-lt"/>
+                          <a:ea typeface="+mn-ea"/>
+                          <a:cs typeface="+mn-cs"/>
+                        </a:rPr>
+                        <a:t>dropout_rate</a:t>
+                      </a:r>
+                      <a:r>
+                        <a:rPr lang="en-US" altLang="zh-TW" sz="1600" b="0" kern="1200" dirty="0">
+                          <a:solidFill>
+                            <a:schemeClr val="dk1"/>
+                          </a:solidFill>
+                          <a:effectLst/>
+                          <a:latin typeface="+mn-lt"/>
+                          <a:ea typeface="+mn-ea"/>
+                          <a:cs typeface="+mn-cs"/>
+                        </a:rPr>
+                        <a:t>=0.2</a:t>
+                      </a:r>
+                    </a:p>
+                  </a:txBody>
+                  <a:tcPr/>
+                </a:tc>
+                <a:tc hMerge="1">
+                  <a:txBody>
+                    <a:bodyPr/>
+                    <a:lstStyle/>
+                    <a:p>
+                      <a:endParaRPr lang="zh-TW" altLang="en-US" dirty="0"/>
+                    </a:p>
+                  </a:txBody>
+                  <a:tcPr/>
+                </a:tc>
+                <a:tc hMerge="1">
+                  <a:txBody>
+                    <a:bodyPr/>
+                    <a:lstStyle/>
+                    <a:p>
+                      <a:endParaRPr lang="zh-TW" altLang="en-US" dirty="0"/>
+                    </a:p>
+                  </a:txBody>
+                  <a:tcPr/>
+                </a:tc>
+                <a:tc hMerge="1">
+                  <a:txBody>
+                    <a:bodyPr/>
+                    <a:lstStyle/>
+                    <a:p>
+                      <a:endParaRPr lang="zh-TW" altLang="en-US" dirty="0"/>
+                    </a:p>
+                  </a:txBody>
+                  <a:tcPr/>
+                </a:tc>
+                <a:extLst>
+                  <a:ext uri="{0D108BD9-81ED-4DB2-BD59-A6C34878D82A}">
+                    <a16:rowId xmlns:a16="http://schemas.microsoft.com/office/drawing/2014/main" val="1441957202"/>
+                  </a:ext>
+                </a:extLst>
+              </a:tr>
+              <a:tr h="580791">
+                <a:tc>
+                  <a:txBody>
+                    <a:bodyPr/>
+                    <a:lstStyle/>
+                    <a:p>
+                      <a:r>
+                        <a:rPr lang="en-US" altLang="zh-TW" sz="1600" dirty="0"/>
+                        <a:t>Conv1d</a:t>
+                      </a:r>
+                      <a:endParaRPr lang="zh-TW" altLang="en-US" sz="1600" dirty="0"/>
+                    </a:p>
+                  </a:txBody>
+                  <a:tcPr/>
+                </a:tc>
+                <a:tc>
+                  <a:txBody>
+                    <a:bodyPr/>
+                    <a:lstStyle/>
+                    <a:p>
+                      <a:r>
+                        <a:rPr lang="en-US" altLang="zh-TW" sz="1600" dirty="0" err="1"/>
+                        <a:t>Filter_num</a:t>
+                      </a:r>
+                      <a:r>
+                        <a:rPr lang="en-US" altLang="zh-TW" sz="1600" dirty="0"/>
+                        <a:t>=32</a:t>
+                      </a:r>
+                      <a:endParaRPr lang="zh-TW" altLang="en-US" sz="1600" dirty="0"/>
+                    </a:p>
+                  </a:txBody>
+                  <a:tcPr/>
+                </a:tc>
+                <a:tc>
+                  <a:txBody>
+                    <a:bodyPr/>
+                    <a:lstStyle/>
+                    <a:p>
+                      <a:r>
+                        <a:rPr lang="en-US" altLang="zh-TW" sz="1600" dirty="0" err="1"/>
+                        <a:t>Kernel_size</a:t>
+                      </a:r>
+                      <a:r>
+                        <a:rPr lang="en-US" altLang="zh-TW" sz="1600" dirty="0"/>
+                        <a:t>=5</a:t>
+                      </a:r>
+                      <a:endParaRPr lang="zh-TW" altLang="en-US" sz="1600" dirty="0"/>
+                    </a:p>
+                  </a:txBody>
+                  <a:tcPr/>
+                </a:tc>
+                <a:tc>
+                  <a:txBody>
+                    <a:bodyPr/>
+                    <a:lstStyle/>
+                    <a:p>
+                      <a:r>
+                        <a:rPr lang="en-US" altLang="zh-TW" sz="1600" dirty="0"/>
+                        <a:t>Activation=</a:t>
+                      </a:r>
+                      <a:r>
+                        <a:rPr lang="en-US" altLang="zh-TW" sz="1600" dirty="0" err="1"/>
+                        <a:t>relu</a:t>
+                      </a:r>
+                      <a:endParaRPr lang="zh-TW" altLang="en-US" sz="1600" dirty="0"/>
+                    </a:p>
+                  </a:txBody>
+                  <a:tcPr/>
+                </a:tc>
+                <a:tc>
+                  <a:txBody>
+                    <a:bodyPr/>
+                    <a:lstStyle/>
+                    <a:p>
+                      <a:r>
+                        <a:rPr lang="en-US" altLang="zh-TW" sz="1600" dirty="0" err="1"/>
+                        <a:t>Dilation_rate</a:t>
+                      </a:r>
+                      <a:r>
+                        <a:rPr lang="en-US" altLang="zh-TW" sz="1600" dirty="0"/>
+                        <a:t>=2</a:t>
+                      </a:r>
+                      <a:endParaRPr lang="zh-TW" altLang="en-US" sz="1600" dirty="0"/>
+                    </a:p>
+                  </a:txBody>
+                  <a:tcPr/>
+                </a:tc>
+                <a:extLst>
+                  <a:ext uri="{0D108BD9-81ED-4DB2-BD59-A6C34878D82A}">
+                    <a16:rowId xmlns:a16="http://schemas.microsoft.com/office/drawing/2014/main" val="2968845886"/>
+                  </a:ext>
+                </a:extLst>
+              </a:tr>
+              <a:tr h="424054">
+                <a:tc>
+                  <a:txBody>
+                    <a:bodyPr/>
+                    <a:lstStyle/>
+                    <a:p>
+                      <a:pPr marL="0" marR="0" lvl="0" indent="0" algn="l" defTabSz="914400" rtl="0" eaLnBrk="1" fontAlgn="auto" latinLnBrk="0" hangingPunct="1">
+                        <a:lnSpc>
+                          <a:spcPct val="100000"/>
+                        </a:lnSpc>
+                        <a:spcBef>
+                          <a:spcPts val="0"/>
+                        </a:spcBef>
+                        <a:spcAft>
+                          <a:spcPts val="0"/>
+                        </a:spcAft>
+                        <a:buClrTx/>
+                        <a:buSzTx/>
+                        <a:buFontTx/>
+                        <a:buNone/>
+                        <a:tabLst/>
+                        <a:defRPr/>
+                      </a:pPr>
+                      <a:r>
+                        <a:rPr lang="en-US" altLang="zh-TW" sz="1600" b="0" kern="1200" dirty="0" err="1">
+                          <a:solidFill>
+                            <a:schemeClr val="dk1"/>
+                          </a:solidFill>
+                          <a:effectLst/>
+                          <a:latin typeface="+mn-lt"/>
+                          <a:ea typeface="+mn-ea"/>
+                          <a:cs typeface="+mn-cs"/>
+                        </a:rPr>
+                        <a:t>AlphaDropout</a:t>
+                      </a:r>
+                      <a:endParaRPr lang="en-US" altLang="zh-TW" sz="1600" b="0" kern="1200" dirty="0">
+                        <a:solidFill>
+                          <a:schemeClr val="dk1"/>
+                        </a:solidFill>
+                        <a:effectLst/>
+                        <a:latin typeface="+mn-lt"/>
+                        <a:ea typeface="+mn-ea"/>
+                        <a:cs typeface="+mn-cs"/>
+                      </a:endParaRPr>
+                    </a:p>
+                  </a:txBody>
+                  <a:tcPr/>
+                </a:tc>
+                <a:tc gridSpan="4">
+                  <a:txBody>
+                    <a:bodyPr/>
+                    <a:lstStyle/>
+                    <a:p>
+                      <a:pPr marL="0" marR="0" lvl="0" indent="0" algn="l" defTabSz="914400" rtl="0" eaLnBrk="1" fontAlgn="auto" latinLnBrk="0" hangingPunct="1">
+                        <a:lnSpc>
+                          <a:spcPct val="100000"/>
+                        </a:lnSpc>
+                        <a:spcBef>
+                          <a:spcPts val="0"/>
+                        </a:spcBef>
+                        <a:spcAft>
+                          <a:spcPts val="0"/>
+                        </a:spcAft>
+                        <a:buClrTx/>
+                        <a:buSzTx/>
+                        <a:buFontTx/>
+                        <a:buNone/>
+                        <a:tabLst/>
+                        <a:defRPr/>
+                      </a:pPr>
+                      <a:r>
+                        <a:rPr lang="en-US" altLang="zh-TW" sz="1600" b="0" kern="1200" dirty="0" err="1">
+                          <a:solidFill>
+                            <a:schemeClr val="dk1"/>
+                          </a:solidFill>
+                          <a:effectLst/>
+                          <a:latin typeface="+mn-lt"/>
+                          <a:ea typeface="+mn-ea"/>
+                          <a:cs typeface="+mn-cs"/>
+                        </a:rPr>
+                        <a:t>dropout_rate</a:t>
+                      </a:r>
+                      <a:r>
+                        <a:rPr lang="en-US" altLang="zh-TW" sz="1600" b="0" kern="1200" dirty="0">
+                          <a:solidFill>
+                            <a:schemeClr val="dk1"/>
+                          </a:solidFill>
+                          <a:effectLst/>
+                          <a:latin typeface="+mn-lt"/>
+                          <a:ea typeface="+mn-ea"/>
+                          <a:cs typeface="+mn-cs"/>
+                        </a:rPr>
+                        <a:t>=0.2</a:t>
+                      </a:r>
+                    </a:p>
+                  </a:txBody>
+                  <a:tcPr/>
+                </a:tc>
+                <a:tc hMerge="1">
+                  <a:txBody>
+                    <a:bodyPr/>
+                    <a:lstStyle/>
+                    <a:p>
+                      <a:endParaRPr lang="zh-TW" altLang="en-US"/>
+                    </a:p>
+                  </a:txBody>
+                  <a:tcPr/>
+                </a:tc>
+                <a:tc hMerge="1">
+                  <a:txBody>
+                    <a:bodyPr/>
+                    <a:lstStyle/>
+                    <a:p>
+                      <a:endParaRPr lang="zh-TW" altLang="en-US"/>
+                    </a:p>
+                  </a:txBody>
+                  <a:tcPr/>
+                </a:tc>
+                <a:tc hMerge="1">
+                  <a:txBody>
+                    <a:bodyPr/>
+                    <a:lstStyle/>
+                    <a:p>
+                      <a:endParaRPr lang="zh-TW" altLang="en-US" dirty="0"/>
+                    </a:p>
+                  </a:txBody>
+                  <a:tcPr/>
+                </a:tc>
+                <a:extLst>
+                  <a:ext uri="{0D108BD9-81ED-4DB2-BD59-A6C34878D82A}">
+                    <a16:rowId xmlns:a16="http://schemas.microsoft.com/office/drawing/2014/main" val="1178762902"/>
+                  </a:ext>
+                </a:extLst>
+              </a:tr>
+              <a:tr h="580791">
+                <a:tc>
+                  <a:txBody>
+                    <a:bodyPr/>
+                    <a:lstStyle/>
+                    <a:p>
+                      <a:pPr marL="0" marR="0" lvl="0" indent="0" algn="l" defTabSz="914400" rtl="0" eaLnBrk="1" fontAlgn="auto" latinLnBrk="0" hangingPunct="1">
+                        <a:lnSpc>
+                          <a:spcPct val="100000"/>
+                        </a:lnSpc>
+                        <a:spcBef>
+                          <a:spcPts val="0"/>
+                        </a:spcBef>
+                        <a:spcAft>
+                          <a:spcPts val="0"/>
+                        </a:spcAft>
+                        <a:buClrTx/>
+                        <a:buSzTx/>
+                        <a:buFontTx/>
+                        <a:buNone/>
+                        <a:tabLst/>
+                        <a:defRPr/>
+                      </a:pPr>
+                      <a:r>
+                        <a:rPr lang="en-US" altLang="zh-TW" sz="1600" b="0" kern="1200" dirty="0">
+                          <a:solidFill>
+                            <a:schemeClr val="dk1"/>
+                          </a:solidFill>
+                          <a:effectLst/>
+                          <a:latin typeface="+mn-lt"/>
+                          <a:ea typeface="+mn-ea"/>
+                          <a:cs typeface="+mn-cs"/>
+                        </a:rPr>
+                        <a:t>AveragePooling1D</a:t>
+                      </a:r>
+                    </a:p>
+                  </a:txBody>
+                  <a:tcPr/>
+                </a:tc>
+                <a:tc gridSpan="4">
+                  <a:txBody>
+                    <a:bodyPr/>
+                    <a:lstStyle/>
+                    <a:p>
+                      <a:r>
+                        <a:rPr lang="en-US" altLang="zh-TW" sz="1600" dirty="0" err="1"/>
+                        <a:t>Pool_size</a:t>
+                      </a:r>
+                      <a:r>
+                        <a:rPr lang="en-US" altLang="zh-TW" sz="1600" dirty="0"/>
+                        <a:t>=4</a:t>
+                      </a:r>
+                      <a:endParaRPr lang="zh-TW" altLang="en-US" sz="1600" dirty="0"/>
+                    </a:p>
+                  </a:txBody>
+                  <a:tcPr/>
+                </a:tc>
+                <a:tc hMerge="1">
+                  <a:txBody>
+                    <a:bodyPr/>
+                    <a:lstStyle/>
+                    <a:p>
+                      <a:endParaRPr lang="zh-TW" altLang="en-US"/>
+                    </a:p>
+                  </a:txBody>
+                  <a:tcPr/>
+                </a:tc>
+                <a:tc hMerge="1">
+                  <a:txBody>
+                    <a:bodyPr/>
+                    <a:lstStyle/>
+                    <a:p>
+                      <a:endParaRPr lang="zh-TW" altLang="en-US"/>
+                    </a:p>
+                  </a:txBody>
+                  <a:tcPr/>
+                </a:tc>
+                <a:tc hMerge="1">
+                  <a:txBody>
+                    <a:bodyPr/>
+                    <a:lstStyle/>
+                    <a:p>
+                      <a:endParaRPr lang="zh-TW" altLang="en-US" dirty="0"/>
+                    </a:p>
+                  </a:txBody>
+                  <a:tcPr/>
+                </a:tc>
+                <a:extLst>
+                  <a:ext uri="{0D108BD9-81ED-4DB2-BD59-A6C34878D82A}">
+                    <a16:rowId xmlns:a16="http://schemas.microsoft.com/office/drawing/2014/main" val="1885680885"/>
+                  </a:ext>
+                </a:extLst>
+              </a:tr>
+              <a:tr h="424054">
+                <a:tc gridSpan="5">
+                  <a:txBody>
+                    <a:bodyPr/>
+                    <a:lstStyle/>
+                    <a:p>
+                      <a:pPr marL="0" marR="0" lvl="0" indent="0" algn="l" defTabSz="914400" rtl="0" eaLnBrk="1" fontAlgn="auto" latinLnBrk="0" hangingPunct="1">
+                        <a:lnSpc>
+                          <a:spcPct val="100000"/>
+                        </a:lnSpc>
+                        <a:spcBef>
+                          <a:spcPts val="0"/>
+                        </a:spcBef>
+                        <a:spcAft>
+                          <a:spcPts val="0"/>
+                        </a:spcAft>
+                        <a:buClrTx/>
+                        <a:buSzTx/>
+                        <a:buFontTx/>
+                        <a:buNone/>
+                        <a:tabLst/>
+                        <a:defRPr/>
+                      </a:pPr>
+                      <a:r>
+                        <a:rPr lang="en-US" altLang="zh-TW" sz="1600" b="0" kern="1200" dirty="0">
+                          <a:solidFill>
+                            <a:schemeClr val="dk1"/>
+                          </a:solidFill>
+                          <a:effectLst/>
+                          <a:latin typeface="+mn-lt"/>
+                          <a:ea typeface="+mn-ea"/>
+                          <a:cs typeface="+mn-cs"/>
+                        </a:rPr>
+                        <a:t>Flatten</a:t>
+                      </a:r>
+                    </a:p>
+                  </a:txBody>
+                  <a:tcPr/>
+                </a:tc>
+                <a:tc hMerge="1">
+                  <a:txBody>
+                    <a:bodyPr/>
+                    <a:lstStyle/>
+                    <a:p>
+                      <a:endParaRPr lang="zh-TW" altLang="en-US" dirty="0"/>
+                    </a:p>
+                  </a:txBody>
+                  <a:tcPr/>
+                </a:tc>
+                <a:tc hMerge="1">
+                  <a:txBody>
+                    <a:bodyPr/>
+                    <a:lstStyle/>
+                    <a:p>
+                      <a:endParaRPr lang="zh-TW" altLang="en-US"/>
+                    </a:p>
+                  </a:txBody>
+                  <a:tcPr/>
+                </a:tc>
+                <a:tc hMerge="1">
+                  <a:txBody>
+                    <a:bodyPr/>
+                    <a:lstStyle/>
+                    <a:p>
+                      <a:endParaRPr lang="zh-TW" altLang="en-US" dirty="0"/>
+                    </a:p>
+                  </a:txBody>
+                  <a:tcPr/>
+                </a:tc>
+                <a:tc hMerge="1">
+                  <a:txBody>
+                    <a:bodyPr/>
+                    <a:lstStyle/>
+                    <a:p>
+                      <a:endParaRPr lang="zh-TW" altLang="en-US" dirty="0"/>
+                    </a:p>
+                  </a:txBody>
+                  <a:tcPr/>
+                </a:tc>
+                <a:extLst>
+                  <a:ext uri="{0D108BD9-81ED-4DB2-BD59-A6C34878D82A}">
+                    <a16:rowId xmlns:a16="http://schemas.microsoft.com/office/drawing/2014/main" val="143062961"/>
+                  </a:ext>
+                </a:extLst>
+              </a:tr>
+              <a:tr h="424054">
+                <a:tc>
+                  <a:txBody>
+                    <a:bodyPr/>
+                    <a:lstStyle/>
+                    <a:p>
+                      <a:pPr marL="0" marR="0" lvl="0" indent="0" algn="l" defTabSz="914400" rtl="0" eaLnBrk="1" fontAlgn="auto" latinLnBrk="0" hangingPunct="1">
+                        <a:lnSpc>
+                          <a:spcPct val="100000"/>
+                        </a:lnSpc>
+                        <a:spcBef>
+                          <a:spcPts val="0"/>
+                        </a:spcBef>
+                        <a:spcAft>
+                          <a:spcPts val="0"/>
+                        </a:spcAft>
+                        <a:buClrTx/>
+                        <a:buSzTx/>
+                        <a:buFontTx/>
+                        <a:buNone/>
+                        <a:tabLst/>
+                        <a:defRPr/>
+                      </a:pPr>
+                      <a:r>
+                        <a:rPr lang="en-US" altLang="zh-TW" sz="1600" b="0" kern="1200" dirty="0">
+                          <a:solidFill>
+                            <a:schemeClr val="dk1"/>
+                          </a:solidFill>
+                          <a:effectLst/>
+                          <a:latin typeface="+mn-lt"/>
+                          <a:ea typeface="+mn-ea"/>
+                          <a:cs typeface="+mn-cs"/>
+                        </a:rPr>
+                        <a:t>Dense</a:t>
+                      </a:r>
+                    </a:p>
+                  </a:txBody>
+                  <a:tcPr/>
+                </a:tc>
+                <a:tc gridSpan="2">
+                  <a:txBody>
+                    <a:bodyPr/>
+                    <a:lstStyle/>
+                    <a:p>
+                      <a:pPr marL="0" marR="0" lvl="0" indent="0" algn="l" defTabSz="914400" rtl="0" eaLnBrk="1" fontAlgn="auto" latinLnBrk="0" hangingPunct="1">
+                        <a:lnSpc>
+                          <a:spcPct val="100000"/>
+                        </a:lnSpc>
+                        <a:spcBef>
+                          <a:spcPts val="0"/>
+                        </a:spcBef>
+                        <a:spcAft>
+                          <a:spcPts val="0"/>
+                        </a:spcAft>
+                        <a:buClrTx/>
+                        <a:buSzTx/>
+                        <a:buFontTx/>
+                        <a:buNone/>
+                        <a:tabLst/>
+                        <a:defRPr/>
+                      </a:pPr>
+                      <a:r>
+                        <a:rPr lang="en-US" altLang="zh-TW" sz="1600" b="0" kern="1200" dirty="0">
+                          <a:solidFill>
+                            <a:schemeClr val="dk1"/>
+                          </a:solidFill>
+                          <a:effectLst/>
+                          <a:latin typeface="+mn-lt"/>
+                          <a:ea typeface="+mn-ea"/>
+                          <a:cs typeface="+mn-cs"/>
+                        </a:rPr>
+                        <a:t>neurons = 128</a:t>
+                      </a:r>
+                    </a:p>
+                  </a:txBody>
+                  <a:tcPr/>
+                </a:tc>
+                <a:tc hMerge="1">
+                  <a:txBody>
+                    <a:bodyPr/>
+                    <a:lstStyle/>
+                    <a:p>
+                      <a:endParaRPr lang="zh-TW" altLang="en-US" dirty="0"/>
+                    </a:p>
+                  </a:txBody>
+                  <a:tcPr/>
+                </a:tc>
+                <a:tc gridSpan="2">
+                  <a:txBody>
+                    <a:bodyPr/>
+                    <a:lstStyle/>
+                    <a:p>
+                      <a:pPr marL="0" marR="0" lvl="0" indent="0" algn="l" defTabSz="914400" rtl="0" eaLnBrk="1" fontAlgn="auto" latinLnBrk="0" hangingPunct="1">
+                        <a:lnSpc>
+                          <a:spcPct val="100000"/>
+                        </a:lnSpc>
+                        <a:spcBef>
+                          <a:spcPts val="0"/>
+                        </a:spcBef>
+                        <a:spcAft>
+                          <a:spcPts val="0"/>
+                        </a:spcAft>
+                        <a:buClrTx/>
+                        <a:buSzTx/>
+                        <a:buFontTx/>
+                        <a:buNone/>
+                        <a:tabLst/>
+                        <a:defRPr/>
+                      </a:pPr>
+                      <a:r>
+                        <a:rPr lang="en-US" altLang="zh-TW" sz="1600" dirty="0"/>
+                        <a:t>Activation=</a:t>
+                      </a:r>
+                      <a:r>
+                        <a:rPr lang="en-US" altLang="zh-TW" sz="1600" dirty="0" err="1"/>
+                        <a:t>relu</a:t>
+                      </a:r>
+                      <a:endParaRPr lang="zh-TW" altLang="en-US" sz="1600" dirty="0"/>
+                    </a:p>
+                  </a:txBody>
+                  <a:tcPr/>
+                </a:tc>
+                <a:tc hMerge="1">
+                  <a:txBody>
+                    <a:bodyPr/>
+                    <a:lstStyle/>
+                    <a:p>
+                      <a:endParaRPr lang="zh-TW" altLang="en-US" dirty="0"/>
+                    </a:p>
+                  </a:txBody>
+                  <a:tcPr/>
+                </a:tc>
+                <a:extLst>
+                  <a:ext uri="{0D108BD9-81ED-4DB2-BD59-A6C34878D82A}">
+                    <a16:rowId xmlns:a16="http://schemas.microsoft.com/office/drawing/2014/main" val="804230170"/>
+                  </a:ext>
+                </a:extLst>
+              </a:tr>
+              <a:tr h="424054">
+                <a:tc>
+                  <a:txBody>
+                    <a:bodyPr/>
+                    <a:lstStyle/>
+                    <a:p>
+                      <a:pPr marL="0" marR="0" lvl="0" indent="0" algn="l" defTabSz="914400" rtl="0" eaLnBrk="1" fontAlgn="auto" latinLnBrk="0" hangingPunct="1">
+                        <a:lnSpc>
+                          <a:spcPct val="100000"/>
+                        </a:lnSpc>
+                        <a:spcBef>
+                          <a:spcPts val="0"/>
+                        </a:spcBef>
+                        <a:spcAft>
+                          <a:spcPts val="0"/>
+                        </a:spcAft>
+                        <a:buClrTx/>
+                        <a:buSzTx/>
+                        <a:buFontTx/>
+                        <a:buNone/>
+                        <a:tabLst/>
+                        <a:defRPr/>
+                      </a:pPr>
+                      <a:r>
+                        <a:rPr lang="en-US" altLang="zh-TW" sz="1600" b="0" kern="1200" dirty="0" err="1">
+                          <a:solidFill>
+                            <a:schemeClr val="dk1"/>
+                          </a:solidFill>
+                          <a:effectLst/>
+                          <a:latin typeface="+mn-lt"/>
+                          <a:ea typeface="+mn-ea"/>
+                          <a:cs typeface="+mn-cs"/>
+                        </a:rPr>
+                        <a:t>AlphaDropout</a:t>
+                      </a:r>
+                      <a:endParaRPr lang="en-US" altLang="zh-TW" sz="1600" b="0" kern="1200" dirty="0">
+                        <a:solidFill>
+                          <a:schemeClr val="dk1"/>
+                        </a:solidFill>
+                        <a:effectLst/>
+                        <a:latin typeface="+mn-lt"/>
+                        <a:ea typeface="+mn-ea"/>
+                        <a:cs typeface="+mn-cs"/>
+                      </a:endParaRPr>
+                    </a:p>
+                  </a:txBody>
+                  <a:tcPr/>
+                </a:tc>
+                <a:tc gridSpan="4">
+                  <a:txBody>
+                    <a:bodyPr/>
+                    <a:lstStyle/>
+                    <a:p>
+                      <a:pPr marL="0" marR="0" lvl="0" indent="0" algn="l" defTabSz="914400" rtl="0" eaLnBrk="1" fontAlgn="auto" latinLnBrk="0" hangingPunct="1">
+                        <a:lnSpc>
+                          <a:spcPct val="100000"/>
+                        </a:lnSpc>
+                        <a:spcBef>
+                          <a:spcPts val="0"/>
+                        </a:spcBef>
+                        <a:spcAft>
+                          <a:spcPts val="0"/>
+                        </a:spcAft>
+                        <a:buClrTx/>
+                        <a:buSzTx/>
+                        <a:buFontTx/>
+                        <a:buNone/>
+                        <a:tabLst/>
+                        <a:defRPr/>
+                      </a:pPr>
+                      <a:r>
+                        <a:rPr lang="en-US" altLang="zh-TW" sz="1600" b="0" kern="1200" dirty="0" err="1">
+                          <a:solidFill>
+                            <a:schemeClr val="dk1"/>
+                          </a:solidFill>
+                          <a:effectLst/>
+                          <a:latin typeface="+mn-lt"/>
+                          <a:ea typeface="+mn-ea"/>
+                          <a:cs typeface="+mn-cs"/>
+                        </a:rPr>
+                        <a:t>dropout_rate</a:t>
+                      </a:r>
+                      <a:r>
+                        <a:rPr lang="en-US" altLang="zh-TW" sz="1600" b="0" kern="1200" dirty="0">
+                          <a:solidFill>
+                            <a:schemeClr val="dk1"/>
+                          </a:solidFill>
+                          <a:effectLst/>
+                          <a:latin typeface="+mn-lt"/>
+                          <a:ea typeface="+mn-ea"/>
+                          <a:cs typeface="+mn-cs"/>
+                        </a:rPr>
+                        <a:t>=0.2</a:t>
+                      </a:r>
+                    </a:p>
+                  </a:txBody>
+                  <a:tcPr/>
+                </a:tc>
+                <a:tc hMerge="1">
+                  <a:txBody>
+                    <a:bodyPr/>
+                    <a:lstStyle/>
+                    <a:p>
+                      <a:endParaRPr lang="zh-TW" altLang="en-US"/>
+                    </a:p>
+                  </a:txBody>
+                  <a:tcPr/>
+                </a:tc>
+                <a:tc hMerge="1">
+                  <a:txBody>
+                    <a:bodyPr/>
+                    <a:lstStyle/>
+                    <a:p>
+                      <a:endParaRPr lang="zh-TW" altLang="en-US"/>
+                    </a:p>
+                  </a:txBody>
+                  <a:tcPr/>
+                </a:tc>
+                <a:tc hMerge="1">
+                  <a:txBody>
+                    <a:bodyPr/>
+                    <a:lstStyle/>
+                    <a:p>
+                      <a:endParaRPr lang="zh-TW" altLang="en-US" dirty="0"/>
+                    </a:p>
+                  </a:txBody>
+                  <a:tcPr/>
+                </a:tc>
+                <a:extLst>
+                  <a:ext uri="{0D108BD9-81ED-4DB2-BD59-A6C34878D82A}">
+                    <a16:rowId xmlns:a16="http://schemas.microsoft.com/office/drawing/2014/main" val="2527007714"/>
+                  </a:ext>
+                </a:extLst>
+              </a:tr>
+              <a:tr h="424054">
+                <a:tc>
+                  <a:txBody>
+                    <a:bodyPr/>
+                    <a:lstStyle/>
+                    <a:p>
+                      <a:pPr marL="0" marR="0" lvl="0" indent="0" algn="l" defTabSz="914400" rtl="0" eaLnBrk="1" fontAlgn="auto" latinLnBrk="0" hangingPunct="1">
+                        <a:lnSpc>
+                          <a:spcPct val="100000"/>
+                        </a:lnSpc>
+                        <a:spcBef>
+                          <a:spcPts val="0"/>
+                        </a:spcBef>
+                        <a:spcAft>
+                          <a:spcPts val="0"/>
+                        </a:spcAft>
+                        <a:buClrTx/>
+                        <a:buSzTx/>
+                        <a:buFontTx/>
+                        <a:buNone/>
+                        <a:tabLst/>
+                        <a:defRPr/>
+                      </a:pPr>
+                      <a:r>
+                        <a:rPr lang="en-US" altLang="zh-TW" sz="1600" b="0" kern="1200" dirty="0">
+                          <a:solidFill>
+                            <a:schemeClr val="dk1"/>
+                          </a:solidFill>
+                          <a:effectLst/>
+                          <a:latin typeface="+mn-lt"/>
+                          <a:ea typeface="+mn-ea"/>
+                          <a:cs typeface="+mn-cs"/>
+                        </a:rPr>
+                        <a:t>Dense</a:t>
+                      </a:r>
+                    </a:p>
+                  </a:txBody>
+                  <a:tcPr/>
+                </a:tc>
+                <a:tc gridSpan="2">
+                  <a:txBody>
+                    <a:bodyPr/>
+                    <a:lstStyle/>
+                    <a:p>
+                      <a:pPr marL="0" marR="0" lvl="0" indent="0" algn="l" defTabSz="914400" rtl="0" eaLnBrk="1" fontAlgn="auto" latinLnBrk="0" hangingPunct="1">
+                        <a:lnSpc>
+                          <a:spcPct val="100000"/>
+                        </a:lnSpc>
+                        <a:spcBef>
+                          <a:spcPts val="0"/>
+                        </a:spcBef>
+                        <a:spcAft>
+                          <a:spcPts val="0"/>
+                        </a:spcAft>
+                        <a:buClrTx/>
+                        <a:buSzTx/>
+                        <a:buFontTx/>
+                        <a:buNone/>
+                        <a:tabLst/>
+                        <a:defRPr/>
+                      </a:pPr>
+                      <a:r>
+                        <a:rPr lang="en-US" altLang="zh-TW" sz="1600" b="0" kern="1200" dirty="0">
+                          <a:solidFill>
+                            <a:schemeClr val="dk1"/>
+                          </a:solidFill>
+                          <a:effectLst/>
+                          <a:latin typeface="+mn-lt"/>
+                          <a:ea typeface="+mn-ea"/>
+                          <a:cs typeface="+mn-cs"/>
+                        </a:rPr>
+                        <a:t>neurons = 1</a:t>
+                      </a:r>
+                    </a:p>
+                  </a:txBody>
+                  <a:tcPr/>
+                </a:tc>
+                <a:tc hMerge="1">
+                  <a:txBody>
+                    <a:bodyPr/>
+                    <a:lstStyle/>
+                    <a:p>
+                      <a:endParaRPr lang="zh-TW" altLang="en-US" dirty="0"/>
+                    </a:p>
+                  </a:txBody>
+                  <a:tcPr/>
+                </a:tc>
+                <a:tc gridSpan="2">
+                  <a:txBody>
+                    <a:bodyPr/>
+                    <a:lstStyle/>
+                    <a:p>
+                      <a:pPr marL="0" marR="0" lvl="0" indent="0" algn="l" defTabSz="914400" rtl="0" eaLnBrk="1" fontAlgn="auto" latinLnBrk="0" hangingPunct="1">
+                        <a:lnSpc>
+                          <a:spcPct val="100000"/>
+                        </a:lnSpc>
+                        <a:spcBef>
+                          <a:spcPts val="0"/>
+                        </a:spcBef>
+                        <a:spcAft>
+                          <a:spcPts val="0"/>
+                        </a:spcAft>
+                        <a:buClrTx/>
+                        <a:buSzTx/>
+                        <a:buFontTx/>
+                        <a:buNone/>
+                        <a:tabLst/>
+                        <a:defRPr/>
+                      </a:pPr>
+                      <a:r>
+                        <a:rPr lang="en-US" altLang="zh-TW" sz="1600" dirty="0"/>
+                        <a:t>Activation=Sigmoid</a:t>
+                      </a:r>
+                      <a:endParaRPr lang="zh-TW" altLang="en-US" sz="1600" dirty="0"/>
+                    </a:p>
+                  </a:txBody>
+                  <a:tcPr/>
+                </a:tc>
+                <a:tc hMerge="1">
+                  <a:txBody>
+                    <a:bodyPr/>
+                    <a:lstStyle/>
+                    <a:p>
+                      <a:endParaRPr lang="zh-TW" altLang="en-US" dirty="0"/>
+                    </a:p>
+                  </a:txBody>
+                  <a:tcPr/>
+                </a:tc>
+                <a:extLst>
+                  <a:ext uri="{0D108BD9-81ED-4DB2-BD59-A6C34878D82A}">
+                    <a16:rowId xmlns:a16="http://schemas.microsoft.com/office/drawing/2014/main" val="1583738132"/>
+                  </a:ext>
+                </a:extLst>
+              </a:tr>
+            </a:tbl>
+          </a:graphicData>
+        </a:graphic>
+      </p:graphicFrame>
+      <p:pic>
+        <p:nvPicPr>
+          <p:cNvPr id="9" name="圖片 8">
+            <a:extLst>
+              <a:ext uri="{FF2B5EF4-FFF2-40B4-BE49-F238E27FC236}">
+                <a16:creationId xmlns:a16="http://schemas.microsoft.com/office/drawing/2014/main" id="{8C28960B-DE12-4500-98CA-1002D4358139}"/>
+              </a:ext>
+            </a:extLst>
+          </p:cNvPr>
+          <p:cNvPicPr>
+            <a:picLocks noChangeAspect="1"/>
+          </p:cNvPicPr>
+          <p:nvPr/>
+        </p:nvPicPr>
+        <p:blipFill>
+          <a:blip r:embed="rId2"/>
+          <a:stretch>
+            <a:fillRect/>
+          </a:stretch>
+        </p:blipFill>
+        <p:spPr>
+          <a:xfrm>
+            <a:off x="8114034" y="1331990"/>
+            <a:ext cx="4077965" cy="4710752"/>
+          </a:xfrm>
+          <a:prstGeom prst="rect">
+            <a:avLst/>
+          </a:prstGeom>
+        </p:spPr>
+      </p:pic>
+    </p:spTree>
+    <p:extLst>
+      <p:ext uri="{BB962C8B-B14F-4D97-AF65-F5344CB8AC3E}">
+        <p14:creationId xmlns:p14="http://schemas.microsoft.com/office/powerpoint/2010/main" val="143067799"/>
+      </p:ext>
+    </p:extLst>
+  </p:cSld>
+  <p:clrMapOvr>
+    <a:masterClrMapping/>
+  </p:clrMapOvr>
+</p:sld>
+</file>
+
+<file path=ppt/slides/slide15.xml><?xml version="1.0" encoding="utf-8"?>
+<p:sld xmlns:a="http://schemas.openxmlformats.org/drawingml/2006/main" xmlns:r="http://schemas.openxmlformats.org/officeDocument/2006/relationships" xmlns:p="http://schemas.openxmlformats.org/presentationml/2006/main">
+  <p:cSld>
+    <p:spTree>
+      <p:nvGrpSpPr>
+        <p:cNvPr id="1" name=""/>
+        <p:cNvGrpSpPr/>
+        <p:nvPr/>
+      </p:nvGrpSpPr>
+      <p:grpSpPr>
+        <a:xfrm>
+          <a:off x="0" y="0"/>
+          <a:ext cx="0" cy="0"/>
+          <a:chOff x="0" y="0"/>
+          <a:chExt cx="0" cy="0"/>
+        </a:xfrm>
+      </p:grpSpPr>
+      <p:sp>
+        <p:nvSpPr>
+          <p:cNvPr id="2" name="標題 1">
+            <a:extLst>
+              <a:ext uri="{FF2B5EF4-FFF2-40B4-BE49-F238E27FC236}">
+                <a16:creationId xmlns:a16="http://schemas.microsoft.com/office/drawing/2014/main" id="{B327BF8D-6467-4EBF-B44B-80346A9EEF59}"/>
+              </a:ext>
+            </a:extLst>
+          </p:cNvPr>
+          <p:cNvSpPr>
+            <a:spLocks noGrp="1"/>
+          </p:cNvSpPr>
+          <p:nvPr>
+            <p:ph type="title"/>
+          </p:nvPr>
+        </p:nvSpPr>
+        <p:spPr>
+          <a:xfrm>
+            <a:off x="838200" y="93307"/>
+            <a:ext cx="10515600" cy="942391"/>
+          </a:xfrm>
+        </p:spPr>
+        <p:txBody>
+          <a:bodyPr>
+            <a:normAutofit/>
+          </a:bodyPr>
+          <a:lstStyle/>
+          <a:p>
+            <a:r>
+              <a:rPr lang="en-US" altLang="zh-TW" sz="3200" dirty="0"/>
+              <a:t>Deep learning model:</a:t>
+            </a:r>
+            <a:endParaRPr lang="zh-TW" altLang="en-US" sz="3200" dirty="0"/>
+          </a:p>
+        </p:txBody>
+      </p:sp>
+      <p:pic>
+        <p:nvPicPr>
+          <p:cNvPr id="7" name="圖片 6">
+            <a:extLst>
+              <a:ext uri="{FF2B5EF4-FFF2-40B4-BE49-F238E27FC236}">
+                <a16:creationId xmlns:a16="http://schemas.microsoft.com/office/drawing/2014/main" id="{E07D5544-7682-405F-9982-2F2667C7612A}"/>
+              </a:ext>
+            </a:extLst>
+          </p:cNvPr>
+          <p:cNvPicPr>
+            <a:picLocks noChangeAspect="1"/>
+          </p:cNvPicPr>
+          <p:nvPr/>
+        </p:nvPicPr>
+        <p:blipFill>
+          <a:blip r:embed="rId2"/>
+          <a:stretch>
+            <a:fillRect/>
+          </a:stretch>
+        </p:blipFill>
+        <p:spPr>
+          <a:xfrm>
+            <a:off x="534249" y="1101012"/>
+            <a:ext cx="6289523" cy="4868254"/>
+          </a:xfrm>
+          <a:prstGeom prst="rect">
+            <a:avLst/>
+          </a:prstGeom>
+        </p:spPr>
+      </p:pic>
+      <p:pic>
+        <p:nvPicPr>
+          <p:cNvPr id="9" name="圖片 8">
+            <a:extLst>
+              <a:ext uri="{FF2B5EF4-FFF2-40B4-BE49-F238E27FC236}">
+                <a16:creationId xmlns:a16="http://schemas.microsoft.com/office/drawing/2014/main" id="{5842A72F-57C7-44C6-9427-522186158C60}"/>
+              </a:ext>
+            </a:extLst>
+          </p:cNvPr>
+          <p:cNvPicPr>
+            <a:picLocks noChangeAspect="1"/>
+          </p:cNvPicPr>
+          <p:nvPr/>
+        </p:nvPicPr>
+        <p:blipFill>
+          <a:blip r:embed="rId3"/>
+          <a:stretch>
+            <a:fillRect/>
+          </a:stretch>
+        </p:blipFill>
+        <p:spPr>
+          <a:xfrm>
+            <a:off x="6933583" y="1035698"/>
+            <a:ext cx="4420217" cy="5106113"/>
+          </a:xfrm>
+          <a:prstGeom prst="rect">
+            <a:avLst/>
+          </a:prstGeom>
+        </p:spPr>
+      </p:pic>
+    </p:spTree>
+    <p:extLst>
+      <p:ext uri="{BB962C8B-B14F-4D97-AF65-F5344CB8AC3E}">
+        <p14:creationId xmlns:p14="http://schemas.microsoft.com/office/powerpoint/2010/main" val="627763930"/>
+      </p:ext>
+    </p:extLst>
+  </p:cSld>
+  <p:clrMapOvr>
+    <a:masterClrMapping/>
+  </p:clrMapOvr>
+</p:sld>
+</file>
+
+<file path=ppt/slides/slide16.xml><?xml version="1.0" encoding="utf-8"?>
 <p:sld xmlns:a="http://schemas.openxmlformats.org/drawingml/2006/main" xmlns:r="http://schemas.openxmlformats.org/officeDocument/2006/relationships" xmlns:p="http://schemas.openxmlformats.org/presentationml/2006/main">
   <p:cSld>
     <p:spTree>
@@ -4440,7 +5864,7 @@
 </p:sld>
 </file>
 
-<file path=ppt/slides/slide15.xml><?xml version="1.0" encoding="utf-8"?>
+<file path=ppt/slides/slide17.xml><?xml version="1.0" encoding="utf-8"?>
 <p:sld xmlns:a="http://schemas.openxmlformats.org/drawingml/2006/main" xmlns:r="http://schemas.openxmlformats.org/officeDocument/2006/relationships" xmlns:p="http://schemas.openxmlformats.org/presentationml/2006/main">
   <p:cSld>
     <p:spTree>
@@ -4600,7 +6024,7 @@
 </p:sld>
 </file>
 
-<file path=ppt/slides/slide16.xml><?xml version="1.0" encoding="utf-8"?>
+<file path=ppt/slides/slide18.xml><?xml version="1.0" encoding="utf-8"?>
 <p:sld xmlns:a="http://schemas.openxmlformats.org/drawingml/2006/main" xmlns:r="http://schemas.openxmlformats.org/officeDocument/2006/relationships" xmlns:p="http://schemas.openxmlformats.org/presentationml/2006/main">
   <p:cSld>
     <p:spTree>
@@ -4847,7 +6271,7 @@
 </p:sld>
 </file>
 
-<file path=ppt/slides/slide17.xml><?xml version="1.0" encoding="utf-8"?>
+<file path=ppt/slides/slide19.xml><?xml version="1.0" encoding="utf-8"?>
 <p:sld xmlns:a="http://schemas.openxmlformats.org/drawingml/2006/main" xmlns:r="http://schemas.openxmlformats.org/officeDocument/2006/relationships" xmlns:p="http://schemas.openxmlformats.org/presentationml/2006/main">
   <p:cSld>
     <p:spTree>
@@ -4986,7 +6410,67 @@
 </p:sld>
 </file>
 
-<file path=ppt/slides/slide18.xml><?xml version="1.0" encoding="utf-8"?>
+<file path=ppt/slides/slide2.xml><?xml version="1.0" encoding="utf-8"?>
+<p:sld xmlns:a="http://schemas.openxmlformats.org/drawingml/2006/main" xmlns:r="http://schemas.openxmlformats.org/officeDocument/2006/relationships" xmlns:p="http://schemas.openxmlformats.org/presentationml/2006/main">
+  <p:cSld>
+    <p:spTree>
+      <p:nvGrpSpPr>
+        <p:cNvPr id="1" name=""/>
+        <p:cNvGrpSpPr/>
+        <p:nvPr/>
+      </p:nvGrpSpPr>
+      <p:grpSpPr>
+        <a:xfrm>
+          <a:off x="0" y="0"/>
+          <a:ext cx="0" cy="0"/>
+          <a:chOff x="0" y="0"/>
+          <a:chExt cx="0" cy="0"/>
+        </a:xfrm>
+      </p:grpSpPr>
+      <p:pic>
+        <p:nvPicPr>
+          <p:cNvPr id="5" name="圖片 4">
+            <a:extLst>
+              <a:ext uri="{FF2B5EF4-FFF2-40B4-BE49-F238E27FC236}">
+                <a16:creationId xmlns:a16="http://schemas.microsoft.com/office/drawing/2014/main" id="{9314F26A-5DA1-463B-AB0D-E1067F021F52}"/>
+              </a:ext>
+            </a:extLst>
+          </p:cNvPr>
+          <p:cNvPicPr>
+            <a:picLocks noChangeAspect="1"/>
+          </p:cNvPicPr>
+          <p:nvPr/>
+        </p:nvPicPr>
+        <p:blipFill>
+          <a:blip r:embed="rId2"/>
+          <a:stretch>
+            <a:fillRect/>
+          </a:stretch>
+        </p:blipFill>
+        <p:spPr>
+          <a:xfrm>
+            <a:off x="3584035" y="291328"/>
+            <a:ext cx="5023929" cy="6275344"/>
+          </a:xfrm>
+          <a:prstGeom prst="rect">
+            <a:avLst/>
+          </a:prstGeom>
+        </p:spPr>
+      </p:pic>
+    </p:spTree>
+    <p:extLst>
+      <p:ext uri="{BB962C8B-B14F-4D97-AF65-F5344CB8AC3E}">
+        <p14:creationId xmlns:p14="http://schemas.microsoft.com/office/powerpoint/2010/main" val="2131768973"/>
+      </p:ext>
+    </p:extLst>
+  </p:cSld>
+  <p:clrMapOvr>
+    <a:masterClrMapping/>
+  </p:clrMapOvr>
+</p:sld>
+</file>
+
+<file path=ppt/slides/slide20.xml><?xml version="1.0" encoding="utf-8"?>
 <p:sld xmlns:a="http://schemas.openxmlformats.org/drawingml/2006/main" xmlns:r="http://schemas.openxmlformats.org/officeDocument/2006/relationships" xmlns:p="http://schemas.openxmlformats.org/presentationml/2006/main">
   <p:cSld>
     <p:spTree>
@@ -5133,7 +6617,7 @@
 </p:sld>
 </file>
 
-<file path=ppt/slides/slide19.xml><?xml version="1.0" encoding="utf-8"?>
+<file path=ppt/slides/slide21.xml><?xml version="1.0" encoding="utf-8"?>
 <p:sld xmlns:a="http://schemas.openxmlformats.org/drawingml/2006/main" xmlns:r="http://schemas.openxmlformats.org/officeDocument/2006/relationships" xmlns:p="http://schemas.openxmlformats.org/presentationml/2006/main">
   <p:cSld>
     <p:spTree>
@@ -5223,7 +6707,7 @@
             </a:r>
             <a:r>
               <a:rPr lang="en-US" altLang="zh-TW" sz="2000" dirty="0"/>
-              <a:t>In this study, we have proposed a novel deep learning based model, called iN6-Methyl (5-step), for the identification of m6A sites in multiple species. </a:t>
+              <a:t>In this study, we have proposed a novel deep-learning based model, called iN6-Methyl (5-step), for the identification of m6A sites in multiple species. </a:t>
             </a:r>
           </a:p>
           <a:p>
@@ -5232,28 +6716,16 @@
             </a:pPr>
             <a:r>
               <a:rPr lang="en-US" altLang="zh-TW" sz="2000" dirty="0"/>
-              <a:t>    It consists of two steps namely features extraction and classification. We have adopted wrod2vec in order to automatically extract the features form raw </a:t>
-            </a:r>
-            <a:r>
-              <a:rPr lang="en-US" altLang="zh-TW" sz="2000" dirty="0" err="1"/>
-              <a:t>genmoics</a:t>
-            </a:r>
+              <a:t>    It consists of two steps namely features extraction and classification. We have adopted wrod2vec in order to automatically extract the features form raw genomics sequences then a simple and efficient deep learning model based on dilated convolution neural network has been used for classifying the m6A sites. </a:t>
+            </a:r>
+          </a:p>
+          <a:p>
+            <a:pPr marL="0" indent="0">
+              <a:buNone/>
+            </a:pPr>
             <a:r>
               <a:rPr lang="en-US" altLang="zh-TW" sz="2000" dirty="0"/>
-              <a:t> sequences then a simple and efficient deep learning model based on dilated convolution neural network has been used for classifying the m6A sites. </a:t>
-            </a:r>
-          </a:p>
-          <a:p>
-            <a:pPr marL="0" indent="0">
-              <a:buNone/>
-            </a:pPr>
-            <a:r>
-              <a:rPr lang="en-US" altLang="zh-TW" sz="2000" dirty="0"/>
-              <a:t>    The obtained results outperformed the state-of-the-art models in all evaluation metrics i.e. accuracy, sensitivity, specificity, and Matthew correlation coefficient</a:t>
-            </a:r>
-            <a:r>
-              <a:rPr lang="en-US" altLang="zh-TW" sz="2000"/>
-              <a:t>. </a:t>
+              <a:t>    The obtained results outperformed the state-of-the-art models in all evaluation metrics              i.e. , accuracy, sensitivity, specificity, and Matthew correlation coefficient. </a:t>
             </a:r>
             <a:endParaRPr lang="zh-TW" altLang="en-US" sz="2000" dirty="0"/>
           </a:p>
@@ -5263,66 +6735,6 @@
     <p:extLst>
       <p:ext uri="{BB962C8B-B14F-4D97-AF65-F5344CB8AC3E}">
         <p14:creationId xmlns:p14="http://schemas.microsoft.com/office/powerpoint/2010/main" val="4050679837"/>
-      </p:ext>
-    </p:extLst>
-  </p:cSld>
-  <p:clrMapOvr>
-    <a:masterClrMapping/>
-  </p:clrMapOvr>
-</p:sld>
-</file>
-
-<file path=ppt/slides/slide2.xml><?xml version="1.0" encoding="utf-8"?>
-<p:sld xmlns:a="http://schemas.openxmlformats.org/drawingml/2006/main" xmlns:r="http://schemas.openxmlformats.org/officeDocument/2006/relationships" xmlns:p="http://schemas.openxmlformats.org/presentationml/2006/main">
-  <p:cSld>
-    <p:spTree>
-      <p:nvGrpSpPr>
-        <p:cNvPr id="1" name=""/>
-        <p:cNvGrpSpPr/>
-        <p:nvPr/>
-      </p:nvGrpSpPr>
-      <p:grpSpPr>
-        <a:xfrm>
-          <a:off x="0" y="0"/>
-          <a:ext cx="0" cy="0"/>
-          <a:chOff x="0" y="0"/>
-          <a:chExt cx="0" cy="0"/>
-        </a:xfrm>
-      </p:grpSpPr>
-      <p:pic>
-        <p:nvPicPr>
-          <p:cNvPr id="5" name="圖片 4">
-            <a:extLst>
-              <a:ext uri="{FF2B5EF4-FFF2-40B4-BE49-F238E27FC236}">
-                <a16:creationId xmlns:a16="http://schemas.microsoft.com/office/drawing/2014/main" id="{9314F26A-5DA1-463B-AB0D-E1067F021F52}"/>
-              </a:ext>
-            </a:extLst>
-          </p:cNvPr>
-          <p:cNvPicPr>
-            <a:picLocks noChangeAspect="1"/>
-          </p:cNvPicPr>
-          <p:nvPr/>
-        </p:nvPicPr>
-        <p:blipFill>
-          <a:blip r:embed="rId2"/>
-          <a:stretch>
-            <a:fillRect/>
-          </a:stretch>
-        </p:blipFill>
-        <p:spPr>
-          <a:xfrm>
-            <a:off x="3584035" y="291328"/>
-            <a:ext cx="5023929" cy="6275344"/>
-          </a:xfrm>
-          <a:prstGeom prst="rect">
-            <a:avLst/>
-          </a:prstGeom>
-        </p:spPr>
-      </p:pic>
-    </p:spTree>
-    <p:extLst>
-      <p:ext uri="{BB962C8B-B14F-4D97-AF65-F5344CB8AC3E}">
-        <p14:creationId xmlns:p14="http://schemas.microsoft.com/office/powerpoint/2010/main" val="2131768973"/>
       </p:ext>
     </p:extLst>
   </p:cSld>

--- a/iN6-Methyl/Presentation/iN6-Methyl.pptx
+++ b/iN6-Methyl/Presentation/iN6-Methyl.pptx
@@ -18,14 +18,15 @@
     <p:sldId id="266" r:id="rId12"/>
     <p:sldId id="267" r:id="rId13"/>
     <p:sldId id="268" r:id="rId14"/>
-    <p:sldId id="276" r:id="rId15"/>
-    <p:sldId id="275" r:id="rId16"/>
-    <p:sldId id="269" r:id="rId17"/>
-    <p:sldId id="270" r:id="rId18"/>
-    <p:sldId id="271" r:id="rId19"/>
-    <p:sldId id="272" r:id="rId20"/>
-    <p:sldId id="273" r:id="rId21"/>
-    <p:sldId id="274" r:id="rId22"/>
+    <p:sldId id="277" r:id="rId15"/>
+    <p:sldId id="276" r:id="rId16"/>
+    <p:sldId id="275" r:id="rId17"/>
+    <p:sldId id="269" r:id="rId18"/>
+    <p:sldId id="270" r:id="rId19"/>
+    <p:sldId id="271" r:id="rId20"/>
+    <p:sldId id="272" r:id="rId21"/>
+    <p:sldId id="273" r:id="rId22"/>
+    <p:sldId id="274" r:id="rId23"/>
   </p:sldIdLst>
   <p:sldSz cx="12192000" cy="6858000"/>
   <p:notesSz cx="6858000" cy="9144000"/>
@@ -279,7 +280,7 @@
           <a:p>
             <a:fld id="{9E2C24A5-2C51-477E-A7CE-1798110EA9E6}" type="datetimeFigureOut">
               <a:rPr lang="zh-TW" altLang="en-US" smtClean="0"/>
-              <a:t>2022/4/12</a:t>
+              <a:t>2022/4/13</a:t>
             </a:fld>
             <a:endParaRPr lang="zh-TW" altLang="en-US"/>
           </a:p>
@@ -477,7 +478,7 @@
           <a:p>
             <a:fld id="{9E2C24A5-2C51-477E-A7CE-1798110EA9E6}" type="datetimeFigureOut">
               <a:rPr lang="zh-TW" altLang="en-US" smtClean="0"/>
-              <a:t>2022/4/12</a:t>
+              <a:t>2022/4/13</a:t>
             </a:fld>
             <a:endParaRPr lang="zh-TW" altLang="en-US"/>
           </a:p>
@@ -685,7 +686,7 @@
           <a:p>
             <a:fld id="{9E2C24A5-2C51-477E-A7CE-1798110EA9E6}" type="datetimeFigureOut">
               <a:rPr lang="zh-TW" altLang="en-US" smtClean="0"/>
-              <a:t>2022/4/12</a:t>
+              <a:t>2022/4/13</a:t>
             </a:fld>
             <a:endParaRPr lang="zh-TW" altLang="en-US"/>
           </a:p>
@@ -883,7 +884,7 @@
           <a:p>
             <a:fld id="{9E2C24A5-2C51-477E-A7CE-1798110EA9E6}" type="datetimeFigureOut">
               <a:rPr lang="zh-TW" altLang="en-US" smtClean="0"/>
-              <a:t>2022/4/12</a:t>
+              <a:t>2022/4/13</a:t>
             </a:fld>
             <a:endParaRPr lang="zh-TW" altLang="en-US"/>
           </a:p>
@@ -1158,7 +1159,7 @@
           <a:p>
             <a:fld id="{9E2C24A5-2C51-477E-A7CE-1798110EA9E6}" type="datetimeFigureOut">
               <a:rPr lang="zh-TW" altLang="en-US" smtClean="0"/>
-              <a:t>2022/4/12</a:t>
+              <a:t>2022/4/13</a:t>
             </a:fld>
             <a:endParaRPr lang="zh-TW" altLang="en-US"/>
           </a:p>
@@ -1423,7 +1424,7 @@
           <a:p>
             <a:fld id="{9E2C24A5-2C51-477E-A7CE-1798110EA9E6}" type="datetimeFigureOut">
               <a:rPr lang="zh-TW" altLang="en-US" smtClean="0"/>
-              <a:t>2022/4/12</a:t>
+              <a:t>2022/4/13</a:t>
             </a:fld>
             <a:endParaRPr lang="zh-TW" altLang="en-US"/>
           </a:p>
@@ -1835,7 +1836,7 @@
           <a:p>
             <a:fld id="{9E2C24A5-2C51-477E-A7CE-1798110EA9E6}" type="datetimeFigureOut">
               <a:rPr lang="zh-TW" altLang="en-US" smtClean="0"/>
-              <a:t>2022/4/12</a:t>
+              <a:t>2022/4/13</a:t>
             </a:fld>
             <a:endParaRPr lang="zh-TW" altLang="en-US"/>
           </a:p>
@@ -1976,7 +1977,7 @@
           <a:p>
             <a:fld id="{9E2C24A5-2C51-477E-A7CE-1798110EA9E6}" type="datetimeFigureOut">
               <a:rPr lang="zh-TW" altLang="en-US" smtClean="0"/>
-              <a:t>2022/4/12</a:t>
+              <a:t>2022/4/13</a:t>
             </a:fld>
             <a:endParaRPr lang="zh-TW" altLang="en-US"/>
           </a:p>
@@ -2089,7 +2090,7 @@
           <a:p>
             <a:fld id="{9E2C24A5-2C51-477E-A7CE-1798110EA9E6}" type="datetimeFigureOut">
               <a:rPr lang="zh-TW" altLang="en-US" smtClean="0"/>
-              <a:t>2022/4/12</a:t>
+              <a:t>2022/4/13</a:t>
             </a:fld>
             <a:endParaRPr lang="zh-TW" altLang="en-US"/>
           </a:p>
@@ -2400,7 +2401,7 @@
           <a:p>
             <a:fld id="{9E2C24A5-2C51-477E-A7CE-1798110EA9E6}" type="datetimeFigureOut">
               <a:rPr lang="zh-TW" altLang="en-US" smtClean="0"/>
-              <a:t>2022/4/12</a:t>
+              <a:t>2022/4/13</a:t>
             </a:fld>
             <a:endParaRPr lang="zh-TW" altLang="en-US"/>
           </a:p>
@@ -2688,7 +2689,7 @@
           <a:p>
             <a:fld id="{9E2C24A5-2C51-477E-A7CE-1798110EA9E6}" type="datetimeFigureOut">
               <a:rPr lang="zh-TW" altLang="en-US" smtClean="0"/>
-              <a:t>2022/4/12</a:t>
+              <a:t>2022/4/13</a:t>
             </a:fld>
             <a:endParaRPr lang="zh-TW" altLang="en-US"/>
           </a:p>
@@ -2929,7 +2930,7 @@
           <a:p>
             <a:fld id="{9E2C24A5-2C51-477E-A7CE-1798110EA9E6}" type="datetimeFigureOut">
               <a:rPr lang="zh-TW" altLang="en-US" smtClean="0"/>
-              <a:t>2022/4/12</a:t>
+              <a:t>2022/4/13</a:t>
             </a:fld>
             <a:endParaRPr lang="zh-TW" altLang="en-US"/>
           </a:p>
@@ -3937,7 +3938,7 @@
                 <a:effectLst/>
                 <a:latin typeface="NexusSerif"/>
               </a:rPr>
-              <a:t> et al. Showed that mammalian m6A have a DRACH consensus motif (D = U, G or A; R = G or A; H = U, C or A) which can denoted in an overlap 3-mer as {AAA, AGA, GGA, UGA,UAA, AAC, GAC, ACA, ACC, ACU, GAA}. These 3-mers are shown in the 2d-space in Fig. 2 from the learnt representation using word2vec. Fig. 2 is obtained by using t-distributed stochastic neighbor embedding (t-SNE) .</a:t>
+              <a:t> et al. Showed that mammalian m6A have a DRACH consensus motif (D = U, G or A; R = G or A; H = U, C or A) which can be denoted in an overlap 3-mer as {AAA, AGA, GGA, UGA,UAA, AAC, GAC, ACA, ACC, ACU, GAA}. These 3-mers are shown in the 2d-space in Fig. 2 from the learnt representation using word2vec. Fig. 2 is obtained by using t-distributed stochastic neighbor embedding (t-SNE) .</a:t>
             </a:r>
             <a:endParaRPr lang="zh-TW" altLang="en-US" sz="2000" dirty="0"/>
           </a:p>
@@ -4322,6 +4323,368 @@
 </file>
 
 <file path=ppt/slides/slide14.xml><?xml version="1.0" encoding="utf-8"?>
+<p:sld xmlns:a="http://schemas.openxmlformats.org/drawingml/2006/main" xmlns:r="http://schemas.openxmlformats.org/officeDocument/2006/relationships" xmlns:p="http://schemas.openxmlformats.org/presentationml/2006/main">
+  <p:cSld>
+    <p:spTree>
+      <p:nvGrpSpPr>
+        <p:cNvPr id="1" name=""/>
+        <p:cNvGrpSpPr/>
+        <p:nvPr/>
+      </p:nvGrpSpPr>
+      <p:grpSpPr>
+        <a:xfrm>
+          <a:off x="0" y="0"/>
+          <a:ext cx="0" cy="0"/>
+          <a:chOff x="0" y="0"/>
+          <a:chExt cx="0" cy="0"/>
+        </a:xfrm>
+      </p:grpSpPr>
+      <p:sp>
+        <p:nvSpPr>
+          <p:cNvPr id="2" name="標題 1">
+            <a:extLst>
+              <a:ext uri="{FF2B5EF4-FFF2-40B4-BE49-F238E27FC236}">
+                <a16:creationId xmlns:a16="http://schemas.microsoft.com/office/drawing/2014/main" id="{B327BF8D-6467-4EBF-B44B-80346A9EEF59}"/>
+              </a:ext>
+            </a:extLst>
+          </p:cNvPr>
+          <p:cNvSpPr>
+            <a:spLocks noGrp="1"/>
+          </p:cNvSpPr>
+          <p:nvPr>
+            <p:ph type="title"/>
+          </p:nvPr>
+        </p:nvSpPr>
+        <p:spPr>
+          <a:xfrm>
+            <a:off x="838200" y="93307"/>
+            <a:ext cx="10515600" cy="942391"/>
+          </a:xfrm>
+        </p:spPr>
+        <p:txBody>
+          <a:bodyPr>
+            <a:normAutofit/>
+          </a:bodyPr>
+          <a:lstStyle/>
+          <a:p>
+            <a:r>
+              <a:rPr lang="en-US" altLang="zh-TW" sz="3200" dirty="0"/>
+              <a:t>Deep learning model:</a:t>
+            </a:r>
+            <a:endParaRPr lang="zh-TW" altLang="en-US" sz="3200" dirty="0"/>
+          </a:p>
+        </p:txBody>
+      </p:sp>
+      <p:pic>
+        <p:nvPicPr>
+          <p:cNvPr id="8" name="圖片 7">
+            <a:extLst>
+              <a:ext uri="{FF2B5EF4-FFF2-40B4-BE49-F238E27FC236}">
+                <a16:creationId xmlns:a16="http://schemas.microsoft.com/office/drawing/2014/main" id="{B5EFB42C-7B03-4784-B2BD-4A55318B8D90}"/>
+              </a:ext>
+            </a:extLst>
+          </p:cNvPr>
+          <p:cNvPicPr>
+            <a:picLocks noChangeAspect="1"/>
+          </p:cNvPicPr>
+          <p:nvPr/>
+        </p:nvPicPr>
+        <p:blipFill>
+          <a:blip r:embed="rId2"/>
+          <a:stretch>
+            <a:fillRect/>
+          </a:stretch>
+        </p:blipFill>
+        <p:spPr>
+          <a:xfrm>
+            <a:off x="1992564" y="2984094"/>
+            <a:ext cx="8373746" cy="3780599"/>
+          </a:xfrm>
+          <a:prstGeom prst="rect">
+            <a:avLst/>
+          </a:prstGeom>
+        </p:spPr>
+      </p:pic>
+      <p:sp>
+        <p:nvSpPr>
+          <p:cNvPr id="9" name="文字方塊 8">
+            <a:extLst>
+              <a:ext uri="{FF2B5EF4-FFF2-40B4-BE49-F238E27FC236}">
+                <a16:creationId xmlns:a16="http://schemas.microsoft.com/office/drawing/2014/main" id="{B2D63795-7422-440D-B0CA-ABE66629BB5C}"/>
+              </a:ext>
+            </a:extLst>
+          </p:cNvPr>
+          <p:cNvSpPr txBox="1"/>
+          <p:nvPr/>
+        </p:nvSpPr>
+        <p:spPr>
+          <a:xfrm>
+            <a:off x="1877487" y="951722"/>
+            <a:ext cx="8752114" cy="2062103"/>
+          </a:xfrm>
+          <a:prstGeom prst="rect">
+            <a:avLst/>
+          </a:prstGeom>
+          <a:noFill/>
+        </p:spPr>
+        <p:txBody>
+          <a:bodyPr wrap="square" rtlCol="0">
+            <a:spAutoFit/>
+          </a:bodyPr>
+          <a:lstStyle/>
+          <a:p>
+            <a:r>
+              <a:rPr lang="en-US" altLang="zh-TW" sz="1600" dirty="0"/>
+              <a:t>(a)</a:t>
+            </a:r>
+            <a:r>
+              <a:rPr lang="zh-TW" altLang="en-US" sz="1600" dirty="0"/>
+              <a:t>圖對應</a:t>
+            </a:r>
+            <a:r>
+              <a:rPr lang="en-US" altLang="zh-TW" sz="1600" dirty="0"/>
+              <a:t>3x3</a:t>
+            </a:r>
+            <a:r>
+              <a:rPr lang="zh-TW" altLang="en-US" sz="1600" dirty="0"/>
+              <a:t>的</a:t>
+            </a:r>
+            <a:r>
+              <a:rPr lang="en-US" altLang="zh-TW" sz="1600" dirty="0"/>
+              <a:t>1-dilated conv2d(</a:t>
+            </a:r>
+            <a:r>
+              <a:rPr lang="en-US" altLang="zh-TW" sz="1600" dirty="0" err="1"/>
+              <a:t>Dilation_rate</a:t>
+            </a:r>
+            <a:r>
+              <a:rPr lang="en-US" altLang="zh-TW" sz="1600" dirty="0"/>
+              <a:t>=1)</a:t>
+            </a:r>
+            <a:r>
+              <a:rPr lang="zh-TW" altLang="en-US" sz="1600" dirty="0"/>
+              <a:t>，和普通的捲積操作一樣，</a:t>
+            </a:r>
+            <a:endParaRPr lang="en-US" altLang="zh-TW" sz="1600" dirty="0"/>
+          </a:p>
+          <a:p>
+            <a:endParaRPr lang="en-US" altLang="zh-TW" sz="1600" dirty="0"/>
+          </a:p>
+          <a:p>
+            <a:r>
+              <a:rPr lang="en-US" altLang="zh-TW" sz="1600" dirty="0"/>
+              <a:t>(b)</a:t>
+            </a:r>
+            <a:r>
+              <a:rPr lang="zh-TW" altLang="en-US" sz="1600" dirty="0"/>
+              <a:t>圖對應</a:t>
+            </a:r>
+            <a:r>
+              <a:rPr lang="en-US" altLang="zh-TW" sz="1600" dirty="0"/>
+              <a:t>3x3</a:t>
+            </a:r>
+            <a:r>
+              <a:rPr lang="zh-TW" altLang="en-US" sz="1600" dirty="0"/>
+              <a:t>的</a:t>
+            </a:r>
+            <a:r>
+              <a:rPr lang="en-US" altLang="zh-TW" sz="1600" dirty="0"/>
+              <a:t>2-dilated conv2d (</a:t>
+            </a:r>
+            <a:r>
+              <a:rPr lang="en-US" altLang="zh-TW" sz="1600" dirty="0" err="1"/>
+              <a:t>Dilation_rate</a:t>
+            </a:r>
+            <a:r>
+              <a:rPr lang="en-US" altLang="zh-TW" sz="1600" dirty="0"/>
+              <a:t>=2) </a:t>
+            </a:r>
+            <a:r>
+              <a:rPr lang="zh-TW" altLang="en-US" sz="1600" dirty="0"/>
+              <a:t>，實際的捲積</a:t>
+            </a:r>
+            <a:r>
+              <a:rPr lang="en-US" altLang="zh-TW" sz="1600" dirty="0"/>
+              <a:t>kernel size</a:t>
+            </a:r>
+            <a:r>
+              <a:rPr lang="zh-TW" altLang="en-US" sz="1600" dirty="0"/>
+              <a:t>還是</a:t>
+            </a:r>
+            <a:r>
+              <a:rPr lang="en-US" altLang="zh-TW" sz="1600" dirty="0"/>
+              <a:t>3x3</a:t>
+            </a:r>
+            <a:r>
+              <a:rPr lang="zh-TW" altLang="en-US" sz="1600" dirty="0"/>
+              <a:t>，但是空洞為</a:t>
+            </a:r>
+            <a:r>
+              <a:rPr lang="en-US" altLang="zh-TW" sz="1600" dirty="0"/>
+              <a:t>1</a:t>
+            </a:r>
+            <a:r>
+              <a:rPr lang="zh-TW" altLang="en-US" sz="1600" dirty="0"/>
+              <a:t>，也就是對於一個</a:t>
+            </a:r>
+            <a:r>
+              <a:rPr lang="en-US" altLang="zh-TW" sz="1600" dirty="0"/>
+              <a:t>7x7</a:t>
+            </a:r>
+            <a:r>
+              <a:rPr lang="zh-TW" altLang="en-US" sz="1600" dirty="0"/>
+              <a:t>的圖像</a:t>
+            </a:r>
+            <a:r>
+              <a:rPr lang="en-US" altLang="zh-TW" sz="1600" dirty="0"/>
+              <a:t>patch</a:t>
+            </a:r>
+            <a:r>
+              <a:rPr lang="zh-TW" altLang="en-US" sz="1600" dirty="0"/>
+              <a:t>，只有</a:t>
+            </a:r>
+            <a:r>
+              <a:rPr lang="en-US" altLang="zh-TW" sz="1600" dirty="0"/>
+              <a:t>9</a:t>
+            </a:r>
+            <a:r>
+              <a:rPr lang="zh-TW" altLang="en-US" sz="1600" dirty="0"/>
+              <a:t>個紅色的點和</a:t>
+            </a:r>
+            <a:r>
+              <a:rPr lang="en-US" altLang="zh-TW" sz="1600" dirty="0"/>
+              <a:t>3x3</a:t>
+            </a:r>
+            <a:r>
+              <a:rPr lang="zh-TW" altLang="en-US" sz="1600" dirty="0"/>
+              <a:t>的</a:t>
+            </a:r>
+            <a:r>
+              <a:rPr lang="en-US" altLang="zh-TW" sz="1600" dirty="0"/>
+              <a:t>kernel</a:t>
+            </a:r>
+            <a:r>
+              <a:rPr lang="zh-TW" altLang="en-US" sz="1600" dirty="0"/>
+              <a:t>發生卷積操作，其餘的點略過。也可以理解為</a:t>
+            </a:r>
+            <a:r>
+              <a:rPr lang="en-US" altLang="zh-TW" sz="1600" dirty="0"/>
+              <a:t>kernel</a:t>
+            </a:r>
+            <a:r>
+              <a:rPr lang="zh-TW" altLang="en-US" sz="1600" dirty="0"/>
+              <a:t>的</a:t>
+            </a:r>
+            <a:r>
+              <a:rPr lang="en-US" altLang="zh-TW" sz="1600" dirty="0"/>
+              <a:t>size</a:t>
+            </a:r>
+            <a:r>
+              <a:rPr lang="zh-TW" altLang="en-US" sz="1600" dirty="0"/>
+              <a:t>為</a:t>
+            </a:r>
+            <a:r>
+              <a:rPr lang="en-US" altLang="zh-TW" sz="1600" dirty="0"/>
+              <a:t>7x7</a:t>
+            </a:r>
+            <a:r>
+              <a:rPr lang="zh-TW" altLang="en-US" sz="1600" dirty="0"/>
+              <a:t>，但是只有圖中的</a:t>
+            </a:r>
+            <a:r>
+              <a:rPr lang="en-US" altLang="zh-TW" sz="1600" dirty="0"/>
+              <a:t>9</a:t>
+            </a:r>
+            <a:r>
+              <a:rPr lang="zh-TW" altLang="en-US" sz="1600" dirty="0"/>
+              <a:t>個點的權重不為</a:t>
+            </a:r>
+            <a:r>
+              <a:rPr lang="en-US" altLang="zh-TW" sz="1600" dirty="0"/>
+              <a:t>0</a:t>
+            </a:r>
+            <a:r>
+              <a:rPr lang="zh-TW" altLang="en-US" sz="1600" dirty="0"/>
+              <a:t>，其餘都為</a:t>
+            </a:r>
+            <a:r>
+              <a:rPr lang="en-US" altLang="zh-TW" sz="1600" dirty="0"/>
+              <a:t>0</a:t>
+            </a:r>
+            <a:r>
+              <a:rPr lang="zh-TW" altLang="en-US" sz="1600" dirty="0"/>
+              <a:t>。可以看到雖然</a:t>
+            </a:r>
+            <a:r>
+              <a:rPr lang="en-US" altLang="zh-TW" sz="1600" dirty="0"/>
+              <a:t>kernel size</a:t>
+            </a:r>
+            <a:r>
+              <a:rPr lang="zh-TW" altLang="en-US" sz="1600" dirty="0"/>
+              <a:t>只有</a:t>
+            </a:r>
+            <a:r>
+              <a:rPr lang="en-US" altLang="zh-TW" sz="1600" dirty="0"/>
+              <a:t>3x3</a:t>
+            </a:r>
+            <a:r>
+              <a:rPr lang="zh-TW" altLang="en-US" sz="1600" dirty="0"/>
+              <a:t>，但是這個卷積的感受野已經增大到了</a:t>
+            </a:r>
+            <a:r>
+              <a:rPr lang="en-US" altLang="zh-TW" sz="1600" dirty="0"/>
+              <a:t>7x7</a:t>
+            </a:r>
+          </a:p>
+          <a:p>
+            <a:endParaRPr lang="en-US" altLang="zh-TW" sz="1600" dirty="0"/>
+          </a:p>
+          <a:p>
+            <a:r>
+              <a:rPr lang="en-US" altLang="zh-TW" sz="1600" dirty="0"/>
+              <a:t>(c)</a:t>
+            </a:r>
+            <a:r>
+              <a:rPr lang="zh-TW" altLang="en-US" sz="1600" dirty="0"/>
+              <a:t>圖對應</a:t>
+            </a:r>
+            <a:r>
+              <a:rPr lang="en-US" altLang="zh-TW" sz="1600" dirty="0"/>
+              <a:t>3x3</a:t>
+            </a:r>
+            <a:r>
+              <a:rPr lang="zh-TW" altLang="en-US" sz="1600" dirty="0"/>
+              <a:t>的</a:t>
+            </a:r>
+            <a:r>
+              <a:rPr lang="en-US" altLang="zh-TW" sz="1600" dirty="0"/>
+              <a:t>4-dilated conv2d (</a:t>
+            </a:r>
+            <a:r>
+              <a:rPr lang="en-US" altLang="zh-TW" sz="1600" dirty="0" err="1"/>
+              <a:t>Dilation_rate</a:t>
+            </a:r>
+            <a:r>
+              <a:rPr lang="en-US" altLang="zh-TW" sz="1600" dirty="0"/>
+              <a:t>=4)</a:t>
+            </a:r>
+          </a:p>
+        </p:txBody>
+      </p:sp>
+    </p:spTree>
+    <p:extLst>
+      <p:ext uri="{BB962C8B-B14F-4D97-AF65-F5344CB8AC3E}">
+        <p14:creationId xmlns:p14="http://schemas.microsoft.com/office/powerpoint/2010/main" val="3658170888"/>
+      </p:ext>
+    </p:extLst>
+  </p:cSld>
+  <p:clrMapOvr>
+    <a:masterClrMapping/>
+  </p:clrMapOvr>
+</p:sld>
+</file>
+
+<file path=ppt/slides/slide15.xml><?xml version="1.0" encoding="utf-8"?>
 <p:sld xmlns:a="http://schemas.openxmlformats.org/drawingml/2006/main" xmlns:r="http://schemas.openxmlformats.org/officeDocument/2006/relationships" xmlns:p="http://schemas.openxmlformats.org/presentationml/2006/main">
   <p:cSld>
     <p:spTree>
@@ -5591,7 +5954,7 @@
 </p:sld>
 </file>
 
-<file path=ppt/slides/slide15.xml><?xml version="1.0" encoding="utf-8"?>
+<file path=ppt/slides/slide16.xml><?xml version="1.0" encoding="utf-8"?>
 <p:sld xmlns:a="http://schemas.openxmlformats.org/drawingml/2006/main" xmlns:r="http://schemas.openxmlformats.org/officeDocument/2006/relationships" xmlns:p="http://schemas.openxmlformats.org/presentationml/2006/main">
   <p:cSld>
     <p:spTree>
@@ -5717,7 +6080,7 @@
 </p:sld>
 </file>
 
-<file path=ppt/slides/slide16.xml><?xml version="1.0" encoding="utf-8"?>
+<file path=ppt/slides/slide17.xml><?xml version="1.0" encoding="utf-8"?>
 <p:sld xmlns:a="http://schemas.openxmlformats.org/drawingml/2006/main" xmlns:r="http://schemas.openxmlformats.org/officeDocument/2006/relationships" xmlns:p="http://schemas.openxmlformats.org/presentationml/2006/main">
   <p:cSld>
     <p:spTree>
@@ -5864,7 +6227,7 @@
 </p:sld>
 </file>
 
-<file path=ppt/slides/slide17.xml><?xml version="1.0" encoding="utf-8"?>
+<file path=ppt/slides/slide18.xml><?xml version="1.0" encoding="utf-8"?>
 <p:sld xmlns:a="http://schemas.openxmlformats.org/drawingml/2006/main" xmlns:r="http://schemas.openxmlformats.org/officeDocument/2006/relationships" xmlns:p="http://schemas.openxmlformats.org/presentationml/2006/main">
   <p:cSld>
     <p:spTree>
@@ -6024,7 +6387,7 @@
 </p:sld>
 </file>
 
-<file path=ppt/slides/slide18.xml><?xml version="1.0" encoding="utf-8"?>
+<file path=ppt/slides/slide19.xml><?xml version="1.0" encoding="utf-8"?>
 <p:sld xmlns:a="http://schemas.openxmlformats.org/drawingml/2006/main" xmlns:r="http://schemas.openxmlformats.org/officeDocument/2006/relationships" xmlns:p="http://schemas.openxmlformats.org/presentationml/2006/main">
   <p:cSld>
     <p:spTree>
@@ -6262,145 +6625,6 @@
     <p:extLst>
       <p:ext uri="{BB962C8B-B14F-4D97-AF65-F5344CB8AC3E}">
         <p14:creationId xmlns:p14="http://schemas.microsoft.com/office/powerpoint/2010/main" val="3371179555"/>
-      </p:ext>
-    </p:extLst>
-  </p:cSld>
-  <p:clrMapOvr>
-    <a:masterClrMapping/>
-  </p:clrMapOvr>
-</p:sld>
-</file>
-
-<file path=ppt/slides/slide19.xml><?xml version="1.0" encoding="utf-8"?>
-<p:sld xmlns:a="http://schemas.openxmlformats.org/drawingml/2006/main" xmlns:r="http://schemas.openxmlformats.org/officeDocument/2006/relationships" xmlns:p="http://schemas.openxmlformats.org/presentationml/2006/main">
-  <p:cSld>
-    <p:spTree>
-      <p:nvGrpSpPr>
-        <p:cNvPr id="1" name=""/>
-        <p:cNvGrpSpPr/>
-        <p:nvPr/>
-      </p:nvGrpSpPr>
-      <p:grpSpPr>
-        <a:xfrm>
-          <a:off x="0" y="0"/>
-          <a:ext cx="0" cy="0"/>
-          <a:chOff x="0" y="0"/>
-          <a:chExt cx="0" cy="0"/>
-        </a:xfrm>
-      </p:grpSpPr>
-      <p:sp>
-        <p:nvSpPr>
-          <p:cNvPr id="2" name="標題 1">
-            <a:extLst>
-              <a:ext uri="{FF2B5EF4-FFF2-40B4-BE49-F238E27FC236}">
-                <a16:creationId xmlns:a16="http://schemas.microsoft.com/office/drawing/2014/main" id="{B327BF8D-6467-4EBF-B44B-80346A9EEF59}"/>
-              </a:ext>
-            </a:extLst>
-          </p:cNvPr>
-          <p:cNvSpPr>
-            <a:spLocks noGrp="1"/>
-          </p:cNvSpPr>
-          <p:nvPr>
-            <p:ph type="title"/>
-          </p:nvPr>
-        </p:nvSpPr>
-        <p:spPr>
-          <a:xfrm>
-            <a:off x="838200" y="93307"/>
-            <a:ext cx="10515600" cy="942391"/>
-          </a:xfrm>
-        </p:spPr>
-        <p:txBody>
-          <a:bodyPr>
-            <a:normAutofit/>
-          </a:bodyPr>
-          <a:lstStyle/>
-          <a:p>
-            <a:r>
-              <a:rPr lang="en-US" altLang="zh-TW" sz="3200" dirty="0"/>
-              <a:t>Results and discussion:</a:t>
-            </a:r>
-            <a:endParaRPr lang="zh-TW" altLang="en-US" sz="3200" dirty="0"/>
-          </a:p>
-        </p:txBody>
-      </p:sp>
-      <p:sp>
-        <p:nvSpPr>
-          <p:cNvPr id="3" name="內容版面配置區 2">
-            <a:extLst>
-              <a:ext uri="{FF2B5EF4-FFF2-40B4-BE49-F238E27FC236}">
-                <a16:creationId xmlns:a16="http://schemas.microsoft.com/office/drawing/2014/main" id="{86A79B69-B1D9-4145-B2E1-60D76BC2A679}"/>
-              </a:ext>
-            </a:extLst>
-          </p:cNvPr>
-          <p:cNvSpPr>
-            <a:spLocks noGrp="1"/>
-          </p:cNvSpPr>
-          <p:nvPr>
-            <p:ph idx="1"/>
-          </p:nvPr>
-        </p:nvSpPr>
-        <p:spPr>
-          <a:xfrm>
-            <a:off x="838200" y="970383"/>
-            <a:ext cx="10515600" cy="5477069"/>
-          </a:xfrm>
-        </p:spPr>
-        <p:txBody>
-          <a:bodyPr>
-            <a:normAutofit/>
-          </a:bodyPr>
-          <a:lstStyle/>
-          <a:p>
-            <a:pPr marL="0" indent="0">
-              <a:buNone/>
-            </a:pPr>
-            <a:r>
-              <a:rPr lang="zh-TW" altLang="en-US" sz="2000" dirty="0"/>
-              <a:t>     </a:t>
-            </a:r>
-            <a:r>
-              <a:rPr lang="en-US" altLang="zh-TW" sz="2000" dirty="0"/>
-              <a:t>Fig. 4 shows the achieved AUC for S51, H41, and M41. It can be observed that H41 and M41 have AUC of 90.30% and 91.33%, receptively. while the AUC of S51 is 80.31%.</a:t>
-            </a:r>
-            <a:endParaRPr lang="zh-TW" altLang="en-US" sz="2000" dirty="0"/>
-          </a:p>
-        </p:txBody>
-      </p:sp>
-      <p:pic>
-        <p:nvPicPr>
-          <p:cNvPr id="6" name="圖片 5">
-            <a:extLst>
-              <a:ext uri="{FF2B5EF4-FFF2-40B4-BE49-F238E27FC236}">
-                <a16:creationId xmlns:a16="http://schemas.microsoft.com/office/drawing/2014/main" id="{1AF5C146-AF61-4340-A746-6135E8198FA2}"/>
-              </a:ext>
-            </a:extLst>
-          </p:cNvPr>
-          <p:cNvPicPr>
-            <a:picLocks noChangeAspect="1"/>
-          </p:cNvPicPr>
-          <p:nvPr/>
-        </p:nvPicPr>
-        <p:blipFill>
-          <a:blip r:embed="rId2"/>
-          <a:stretch>
-            <a:fillRect/>
-          </a:stretch>
-        </p:blipFill>
-        <p:spPr>
-          <a:xfrm>
-            <a:off x="2498440" y="1632440"/>
-            <a:ext cx="7325747" cy="4582164"/>
-          </a:xfrm>
-          <a:prstGeom prst="rect">
-            <a:avLst/>
-          </a:prstGeom>
-        </p:spPr>
-      </p:pic>
-    </p:spTree>
-    <p:extLst>
-      <p:ext uri="{BB962C8B-B14F-4D97-AF65-F5344CB8AC3E}">
-        <p14:creationId xmlns:p14="http://schemas.microsoft.com/office/powerpoint/2010/main" val="1669825485"/>
       </p:ext>
     </p:extLst>
   </p:cSld>
@@ -6560,6 +6784,145 @@
             </a:r>
             <a:r>
               <a:rPr lang="en-US" altLang="zh-TW" sz="2000" dirty="0"/>
+              <a:t>Fig. 4 shows the achieved AUC for S51, H41, and M41. It can be observed that H41 and M41 have AUC of 90.30% and 91.33%, receptively. while the AUC of S51 is 80.31%.</a:t>
+            </a:r>
+            <a:endParaRPr lang="zh-TW" altLang="en-US" sz="2000" dirty="0"/>
+          </a:p>
+        </p:txBody>
+      </p:sp>
+      <p:pic>
+        <p:nvPicPr>
+          <p:cNvPr id="6" name="圖片 5">
+            <a:extLst>
+              <a:ext uri="{FF2B5EF4-FFF2-40B4-BE49-F238E27FC236}">
+                <a16:creationId xmlns:a16="http://schemas.microsoft.com/office/drawing/2014/main" id="{1AF5C146-AF61-4340-A746-6135E8198FA2}"/>
+              </a:ext>
+            </a:extLst>
+          </p:cNvPr>
+          <p:cNvPicPr>
+            <a:picLocks noChangeAspect="1"/>
+          </p:cNvPicPr>
+          <p:nvPr/>
+        </p:nvPicPr>
+        <p:blipFill>
+          <a:blip r:embed="rId2"/>
+          <a:stretch>
+            <a:fillRect/>
+          </a:stretch>
+        </p:blipFill>
+        <p:spPr>
+          <a:xfrm>
+            <a:off x="2498440" y="1632440"/>
+            <a:ext cx="7325747" cy="4582164"/>
+          </a:xfrm>
+          <a:prstGeom prst="rect">
+            <a:avLst/>
+          </a:prstGeom>
+        </p:spPr>
+      </p:pic>
+    </p:spTree>
+    <p:extLst>
+      <p:ext uri="{BB962C8B-B14F-4D97-AF65-F5344CB8AC3E}">
+        <p14:creationId xmlns:p14="http://schemas.microsoft.com/office/powerpoint/2010/main" val="1669825485"/>
+      </p:ext>
+    </p:extLst>
+  </p:cSld>
+  <p:clrMapOvr>
+    <a:masterClrMapping/>
+  </p:clrMapOvr>
+</p:sld>
+</file>
+
+<file path=ppt/slides/slide21.xml><?xml version="1.0" encoding="utf-8"?>
+<p:sld xmlns:a="http://schemas.openxmlformats.org/drawingml/2006/main" xmlns:r="http://schemas.openxmlformats.org/officeDocument/2006/relationships" xmlns:p="http://schemas.openxmlformats.org/presentationml/2006/main">
+  <p:cSld>
+    <p:spTree>
+      <p:nvGrpSpPr>
+        <p:cNvPr id="1" name=""/>
+        <p:cNvGrpSpPr/>
+        <p:nvPr/>
+      </p:nvGrpSpPr>
+      <p:grpSpPr>
+        <a:xfrm>
+          <a:off x="0" y="0"/>
+          <a:ext cx="0" cy="0"/>
+          <a:chOff x="0" y="0"/>
+          <a:chExt cx="0" cy="0"/>
+        </a:xfrm>
+      </p:grpSpPr>
+      <p:sp>
+        <p:nvSpPr>
+          <p:cNvPr id="2" name="標題 1">
+            <a:extLst>
+              <a:ext uri="{FF2B5EF4-FFF2-40B4-BE49-F238E27FC236}">
+                <a16:creationId xmlns:a16="http://schemas.microsoft.com/office/drawing/2014/main" id="{B327BF8D-6467-4EBF-B44B-80346A9EEF59}"/>
+              </a:ext>
+            </a:extLst>
+          </p:cNvPr>
+          <p:cNvSpPr>
+            <a:spLocks noGrp="1"/>
+          </p:cNvSpPr>
+          <p:nvPr>
+            <p:ph type="title"/>
+          </p:nvPr>
+        </p:nvSpPr>
+        <p:spPr>
+          <a:xfrm>
+            <a:off x="838200" y="93307"/>
+            <a:ext cx="10515600" cy="942391"/>
+          </a:xfrm>
+        </p:spPr>
+        <p:txBody>
+          <a:bodyPr>
+            <a:normAutofit/>
+          </a:bodyPr>
+          <a:lstStyle/>
+          <a:p>
+            <a:r>
+              <a:rPr lang="en-US" altLang="zh-TW" sz="3200" dirty="0"/>
+              <a:t>Results and discussion:</a:t>
+            </a:r>
+            <a:endParaRPr lang="zh-TW" altLang="en-US" sz="3200" dirty="0"/>
+          </a:p>
+        </p:txBody>
+      </p:sp>
+      <p:sp>
+        <p:nvSpPr>
+          <p:cNvPr id="3" name="內容版面配置區 2">
+            <a:extLst>
+              <a:ext uri="{FF2B5EF4-FFF2-40B4-BE49-F238E27FC236}">
+                <a16:creationId xmlns:a16="http://schemas.microsoft.com/office/drawing/2014/main" id="{86A79B69-B1D9-4145-B2E1-60D76BC2A679}"/>
+              </a:ext>
+            </a:extLst>
+          </p:cNvPr>
+          <p:cNvSpPr>
+            <a:spLocks noGrp="1"/>
+          </p:cNvSpPr>
+          <p:nvPr>
+            <p:ph idx="1"/>
+          </p:nvPr>
+        </p:nvSpPr>
+        <p:spPr>
+          <a:xfrm>
+            <a:off x="838200" y="970383"/>
+            <a:ext cx="10515600" cy="5477069"/>
+          </a:xfrm>
+        </p:spPr>
+        <p:txBody>
+          <a:bodyPr>
+            <a:normAutofit/>
+          </a:bodyPr>
+          <a:lstStyle/>
+          <a:p>
+            <a:pPr marL="0" indent="0">
+              <a:buNone/>
+            </a:pPr>
+            <a:r>
+              <a:rPr lang="zh-TW" altLang="en-US" sz="2000" dirty="0"/>
+              <a:t>     </a:t>
+            </a:r>
+            <a:r>
+              <a:rPr lang="en-US" altLang="zh-TW" sz="2000" dirty="0"/>
               <a:t>In addition we compare the results of the proposed model with the state-of-the-art-models </a:t>
             </a:r>
             <a:r>
@@ -6617,7 +6980,7 @@
 </p:sld>
 </file>
 
-<file path=ppt/slides/slide21.xml><?xml version="1.0" encoding="utf-8"?>
+<file path=ppt/slides/slide22.xml><?xml version="1.0" encoding="utf-8"?>
 <p:sld xmlns:a="http://schemas.openxmlformats.org/drawingml/2006/main" xmlns:r="http://schemas.openxmlformats.org/officeDocument/2006/relationships" xmlns:p="http://schemas.openxmlformats.org/presentationml/2006/main">
   <p:cSld>
     <p:spTree>
@@ -7543,17 +7906,22 @@
                 <a:effectLst/>
                 <a:latin typeface="NexusSerif"/>
               </a:rPr>
-              <a:t>, branch point selection, alternative splicing sites prediction , 2′-Omethylation sites prediction , and other biological </a:t>
-            </a:r>
-            <a:r>
-              <a:rPr lang="en-US" altLang="zh-TW" sz="2000" b="0" i="0" dirty="0" err="1">
+              <a:t>, branch point selection, alternative splicing sites prediction , 2′-Omethylation sites prediction , and other biological processes. </a:t>
+            </a:r>
+          </a:p>
+          <a:p>
+            <a:pPr marL="0" indent="0">
+              <a:buNone/>
+            </a:pPr>
+            <a:r>
+              <a:rPr lang="zh-TW" altLang="en-US" sz="2000" b="0" i="0" dirty="0">
                 <a:solidFill>
                   <a:srgbClr val="2E2E2E"/>
                 </a:solidFill>
                 <a:effectLst/>
                 <a:latin typeface="NexusSerif"/>
               </a:rPr>
-              <a:t>processe</a:t>
+              <a:t>    </a:t>
             </a:r>
             <a:r>
               <a:rPr lang="en-US" altLang="zh-TW" sz="2000" b="0" i="0" dirty="0">
@@ -7563,32 +7931,7 @@
                 <a:effectLst/>
                 <a:latin typeface="NexusSerif"/>
               </a:rPr>
-              <a:t>. </a:t>
-            </a:r>
-          </a:p>
-          <a:p>
-            <a:pPr marL="0" indent="0">
-              <a:buNone/>
-            </a:pPr>
-            <a:r>
-              <a:rPr lang="zh-TW" altLang="en-US" sz="2000" b="0" i="0" dirty="0">
-                <a:solidFill>
-                  <a:srgbClr val="2E2E2E"/>
-                </a:solidFill>
-                <a:effectLst/>
-                <a:latin typeface="NexusSerif"/>
-              </a:rPr>
-              <a:t>    </a:t>
-            </a:r>
-            <a:r>
-              <a:rPr lang="en-US" altLang="zh-TW" sz="2000" b="0" i="0" dirty="0">
-                <a:solidFill>
-                  <a:srgbClr val="2E2E2E"/>
-                </a:solidFill>
-                <a:effectLst/>
-                <a:latin typeface="NexusSerif"/>
-              </a:rPr>
-              <a:t>Deep learning based predictors for m6A such as DeepM6ASeq and BERMP have extracted the features from the raw m6A sites using CNN and RNN. However, we learn the new representation for the m6A sites using word2vec algorithm and then utilize the new representation for m6A identification. </a:t>
+              <a:t>Deep-learning based predictors for m6A such as DeepM6ASeq and BERMP have extracted the features from the raw m6A sites using CNN and RNN. However, we learn the new representation for the m6A sites using word2vec algorithm and then utilize the new representation for m6A identification. </a:t>
             </a:r>
           </a:p>
           <a:p>
@@ -7749,7 +8092,7 @@
                 <a:effectLst/>
                 <a:latin typeface="NexusSerif"/>
               </a:rPr>
-              <a:t>In this work, we follow the Chou's 5-step rules.</a:t>
+              <a:t>    In this work, we follow the Chou's 5-step rules.</a:t>
             </a:r>
           </a:p>
           <a:p>

--- a/iN6-Methyl/Presentation/iN6-Methyl.pptx
+++ b/iN6-Methyl/Presentation/iN6-Methyl.pptx
@@ -155,7 +155,7 @@
           <p:cNvPr id="2" name="標題 1">
             <a:extLst>
               <a:ext uri="{FF2B5EF4-FFF2-40B4-BE49-F238E27FC236}">
-                <a16:creationId xmlns:a16="http://schemas.microsoft.com/office/drawing/2014/main" id="{1BBD733B-84AD-4256-B4DA-5FFEB46AFD91}"/>
+                <a16:creationId xmlns:a16="http://schemas.microsoft.com/office/drawing/2014/main" xmlns="" id="{1BBD733B-84AD-4256-B4DA-5FFEB46AFD91}"/>
               </a:ext>
             </a:extLst>
           </p:cNvPr>
@@ -192,7 +192,7 @@
           <p:cNvPr id="3" name="副標題 2">
             <a:extLst>
               <a:ext uri="{FF2B5EF4-FFF2-40B4-BE49-F238E27FC236}">
-                <a16:creationId xmlns:a16="http://schemas.microsoft.com/office/drawing/2014/main" id="{CD54CC42-D5B1-4E15-8B6B-64B324BB1350}"/>
+                <a16:creationId xmlns:a16="http://schemas.microsoft.com/office/drawing/2014/main" xmlns="" id="{CD54CC42-D5B1-4E15-8B6B-64B324BB1350}"/>
               </a:ext>
             </a:extLst>
           </p:cNvPr>
@@ -262,7 +262,7 @@
           <p:cNvPr id="4" name="日期版面配置區 3">
             <a:extLst>
               <a:ext uri="{FF2B5EF4-FFF2-40B4-BE49-F238E27FC236}">
-                <a16:creationId xmlns:a16="http://schemas.microsoft.com/office/drawing/2014/main" id="{F4FE181F-0252-4208-BEA2-051431727266}"/>
+                <a16:creationId xmlns:a16="http://schemas.microsoft.com/office/drawing/2014/main" xmlns="" id="{F4FE181F-0252-4208-BEA2-051431727266}"/>
               </a:ext>
             </a:extLst>
           </p:cNvPr>
@@ -291,7 +291,7 @@
           <p:cNvPr id="5" name="頁尾版面配置區 4">
             <a:extLst>
               <a:ext uri="{FF2B5EF4-FFF2-40B4-BE49-F238E27FC236}">
-                <a16:creationId xmlns:a16="http://schemas.microsoft.com/office/drawing/2014/main" id="{5B247267-3B36-499C-876F-4C2AC0537B33}"/>
+                <a16:creationId xmlns:a16="http://schemas.microsoft.com/office/drawing/2014/main" xmlns="" id="{5B247267-3B36-499C-876F-4C2AC0537B33}"/>
               </a:ext>
             </a:extLst>
           </p:cNvPr>
@@ -316,7 +316,7 @@
           <p:cNvPr id="6" name="投影片編號版面配置區 5">
             <a:extLst>
               <a:ext uri="{FF2B5EF4-FFF2-40B4-BE49-F238E27FC236}">
-                <a16:creationId xmlns:a16="http://schemas.microsoft.com/office/drawing/2014/main" id="{FC56BCFF-1835-445B-B383-37B280FA5862}"/>
+                <a16:creationId xmlns:a16="http://schemas.microsoft.com/office/drawing/2014/main" xmlns="" id="{FC56BCFF-1835-445B-B383-37B280FA5862}"/>
               </a:ext>
             </a:extLst>
           </p:cNvPr>
@@ -375,7 +375,7 @@
           <p:cNvPr id="2" name="標題 1">
             <a:extLst>
               <a:ext uri="{FF2B5EF4-FFF2-40B4-BE49-F238E27FC236}">
-                <a16:creationId xmlns:a16="http://schemas.microsoft.com/office/drawing/2014/main" id="{C6B05217-FD53-4F7D-A44C-17F196D30EC9}"/>
+                <a16:creationId xmlns:a16="http://schemas.microsoft.com/office/drawing/2014/main" xmlns="" id="{C6B05217-FD53-4F7D-A44C-17F196D30EC9}"/>
               </a:ext>
             </a:extLst>
           </p:cNvPr>
@@ -403,7 +403,7 @@
           <p:cNvPr id="3" name="直排文字版面配置區 2">
             <a:extLst>
               <a:ext uri="{FF2B5EF4-FFF2-40B4-BE49-F238E27FC236}">
-                <a16:creationId xmlns:a16="http://schemas.microsoft.com/office/drawing/2014/main" id="{3AFE6DB9-CC1E-4AC8-AC86-3DFC857113DE}"/>
+                <a16:creationId xmlns:a16="http://schemas.microsoft.com/office/drawing/2014/main" xmlns="" id="{3AFE6DB9-CC1E-4AC8-AC86-3DFC857113DE}"/>
               </a:ext>
             </a:extLst>
           </p:cNvPr>
@@ -460,7 +460,7 @@
           <p:cNvPr id="4" name="日期版面配置區 3">
             <a:extLst>
               <a:ext uri="{FF2B5EF4-FFF2-40B4-BE49-F238E27FC236}">
-                <a16:creationId xmlns:a16="http://schemas.microsoft.com/office/drawing/2014/main" id="{431B1CF0-A275-47E2-B4BD-05F349E4607D}"/>
+                <a16:creationId xmlns:a16="http://schemas.microsoft.com/office/drawing/2014/main" xmlns="" id="{431B1CF0-A275-47E2-B4BD-05F349E4607D}"/>
               </a:ext>
             </a:extLst>
           </p:cNvPr>
@@ -489,7 +489,7 @@
           <p:cNvPr id="5" name="頁尾版面配置區 4">
             <a:extLst>
               <a:ext uri="{FF2B5EF4-FFF2-40B4-BE49-F238E27FC236}">
-                <a16:creationId xmlns:a16="http://schemas.microsoft.com/office/drawing/2014/main" id="{4A2E27AD-F4C4-4888-8022-982A542BCFC9}"/>
+                <a16:creationId xmlns:a16="http://schemas.microsoft.com/office/drawing/2014/main" xmlns="" id="{4A2E27AD-F4C4-4888-8022-982A542BCFC9}"/>
               </a:ext>
             </a:extLst>
           </p:cNvPr>
@@ -514,7 +514,7 @@
           <p:cNvPr id="6" name="投影片編號版面配置區 5">
             <a:extLst>
               <a:ext uri="{FF2B5EF4-FFF2-40B4-BE49-F238E27FC236}">
-                <a16:creationId xmlns:a16="http://schemas.microsoft.com/office/drawing/2014/main" id="{7A5C96A9-546F-4B9A-A373-2BDCAC07834A}"/>
+                <a16:creationId xmlns:a16="http://schemas.microsoft.com/office/drawing/2014/main" xmlns="" id="{7A5C96A9-546F-4B9A-A373-2BDCAC07834A}"/>
               </a:ext>
             </a:extLst>
           </p:cNvPr>
@@ -573,7 +573,7 @@
           <p:cNvPr id="2" name="直排標題 1">
             <a:extLst>
               <a:ext uri="{FF2B5EF4-FFF2-40B4-BE49-F238E27FC236}">
-                <a16:creationId xmlns:a16="http://schemas.microsoft.com/office/drawing/2014/main" id="{BE27CC23-DA02-4BD9-BB46-D24B7F7D767F}"/>
+                <a16:creationId xmlns:a16="http://schemas.microsoft.com/office/drawing/2014/main" xmlns="" id="{BE27CC23-DA02-4BD9-BB46-D24B7F7D767F}"/>
               </a:ext>
             </a:extLst>
           </p:cNvPr>
@@ -606,7 +606,7 @@
           <p:cNvPr id="3" name="直排文字版面配置區 2">
             <a:extLst>
               <a:ext uri="{FF2B5EF4-FFF2-40B4-BE49-F238E27FC236}">
-                <a16:creationId xmlns:a16="http://schemas.microsoft.com/office/drawing/2014/main" id="{D243E743-8D85-492B-B68D-7084134F9BC4}"/>
+                <a16:creationId xmlns:a16="http://schemas.microsoft.com/office/drawing/2014/main" xmlns="" id="{D243E743-8D85-492B-B68D-7084134F9BC4}"/>
               </a:ext>
             </a:extLst>
           </p:cNvPr>
@@ -668,7 +668,7 @@
           <p:cNvPr id="4" name="日期版面配置區 3">
             <a:extLst>
               <a:ext uri="{FF2B5EF4-FFF2-40B4-BE49-F238E27FC236}">
-                <a16:creationId xmlns:a16="http://schemas.microsoft.com/office/drawing/2014/main" id="{D9EF20BD-8EC3-42B6-87EF-D7E292A31547}"/>
+                <a16:creationId xmlns:a16="http://schemas.microsoft.com/office/drawing/2014/main" xmlns="" id="{D9EF20BD-8EC3-42B6-87EF-D7E292A31547}"/>
               </a:ext>
             </a:extLst>
           </p:cNvPr>
@@ -697,7 +697,7 @@
           <p:cNvPr id="5" name="頁尾版面配置區 4">
             <a:extLst>
               <a:ext uri="{FF2B5EF4-FFF2-40B4-BE49-F238E27FC236}">
-                <a16:creationId xmlns:a16="http://schemas.microsoft.com/office/drawing/2014/main" id="{BE23E39D-7D00-4E6C-AC96-0A5EED589FD3}"/>
+                <a16:creationId xmlns:a16="http://schemas.microsoft.com/office/drawing/2014/main" xmlns="" id="{BE23E39D-7D00-4E6C-AC96-0A5EED589FD3}"/>
               </a:ext>
             </a:extLst>
           </p:cNvPr>
@@ -722,7 +722,7 @@
           <p:cNvPr id="6" name="投影片編號版面配置區 5">
             <a:extLst>
               <a:ext uri="{FF2B5EF4-FFF2-40B4-BE49-F238E27FC236}">
-                <a16:creationId xmlns:a16="http://schemas.microsoft.com/office/drawing/2014/main" id="{ADF0558D-BA44-4F8B-B322-EEB941F3E244}"/>
+                <a16:creationId xmlns:a16="http://schemas.microsoft.com/office/drawing/2014/main" xmlns="" id="{ADF0558D-BA44-4F8B-B322-EEB941F3E244}"/>
               </a:ext>
             </a:extLst>
           </p:cNvPr>
@@ -781,7 +781,7 @@
           <p:cNvPr id="2" name="標題 1">
             <a:extLst>
               <a:ext uri="{FF2B5EF4-FFF2-40B4-BE49-F238E27FC236}">
-                <a16:creationId xmlns:a16="http://schemas.microsoft.com/office/drawing/2014/main" id="{0E07F1FD-42D4-42E2-9E97-33FD5A76342B}"/>
+                <a16:creationId xmlns:a16="http://schemas.microsoft.com/office/drawing/2014/main" xmlns="" id="{0E07F1FD-42D4-42E2-9E97-33FD5A76342B}"/>
               </a:ext>
             </a:extLst>
           </p:cNvPr>
@@ -809,7 +809,7 @@
           <p:cNvPr id="3" name="內容版面配置區 2">
             <a:extLst>
               <a:ext uri="{FF2B5EF4-FFF2-40B4-BE49-F238E27FC236}">
-                <a16:creationId xmlns:a16="http://schemas.microsoft.com/office/drawing/2014/main" id="{06260FB9-BD40-4FD1-BA91-D779E1F1060E}"/>
+                <a16:creationId xmlns:a16="http://schemas.microsoft.com/office/drawing/2014/main" xmlns="" id="{06260FB9-BD40-4FD1-BA91-D779E1F1060E}"/>
               </a:ext>
             </a:extLst>
           </p:cNvPr>
@@ -866,7 +866,7 @@
           <p:cNvPr id="4" name="日期版面配置區 3">
             <a:extLst>
               <a:ext uri="{FF2B5EF4-FFF2-40B4-BE49-F238E27FC236}">
-                <a16:creationId xmlns:a16="http://schemas.microsoft.com/office/drawing/2014/main" id="{9263D5BD-B2C5-4465-B11C-612E67EB9F91}"/>
+                <a16:creationId xmlns:a16="http://schemas.microsoft.com/office/drawing/2014/main" xmlns="" id="{9263D5BD-B2C5-4465-B11C-612E67EB9F91}"/>
               </a:ext>
             </a:extLst>
           </p:cNvPr>
@@ -895,7 +895,7 @@
           <p:cNvPr id="5" name="頁尾版面配置區 4">
             <a:extLst>
               <a:ext uri="{FF2B5EF4-FFF2-40B4-BE49-F238E27FC236}">
-                <a16:creationId xmlns:a16="http://schemas.microsoft.com/office/drawing/2014/main" id="{EA278CBC-9180-4632-B855-2CBAF33CA09C}"/>
+                <a16:creationId xmlns:a16="http://schemas.microsoft.com/office/drawing/2014/main" xmlns="" id="{EA278CBC-9180-4632-B855-2CBAF33CA09C}"/>
               </a:ext>
             </a:extLst>
           </p:cNvPr>
@@ -920,7 +920,7 @@
           <p:cNvPr id="6" name="投影片編號版面配置區 5">
             <a:extLst>
               <a:ext uri="{FF2B5EF4-FFF2-40B4-BE49-F238E27FC236}">
-                <a16:creationId xmlns:a16="http://schemas.microsoft.com/office/drawing/2014/main" id="{F1171E9D-20D2-45EB-A563-43A82E69F1AE}"/>
+                <a16:creationId xmlns:a16="http://schemas.microsoft.com/office/drawing/2014/main" xmlns="" id="{F1171E9D-20D2-45EB-A563-43A82E69F1AE}"/>
               </a:ext>
             </a:extLst>
           </p:cNvPr>
@@ -979,7 +979,7 @@
           <p:cNvPr id="2" name="標題 1">
             <a:extLst>
               <a:ext uri="{FF2B5EF4-FFF2-40B4-BE49-F238E27FC236}">
-                <a16:creationId xmlns:a16="http://schemas.microsoft.com/office/drawing/2014/main" id="{FF70C148-B7F9-4A04-A917-1CDC664C9F8B}"/>
+                <a16:creationId xmlns:a16="http://schemas.microsoft.com/office/drawing/2014/main" xmlns="" id="{FF70C148-B7F9-4A04-A917-1CDC664C9F8B}"/>
               </a:ext>
             </a:extLst>
           </p:cNvPr>
@@ -1016,7 +1016,7 @@
           <p:cNvPr id="3" name="文字版面配置區 2">
             <a:extLst>
               <a:ext uri="{FF2B5EF4-FFF2-40B4-BE49-F238E27FC236}">
-                <a16:creationId xmlns:a16="http://schemas.microsoft.com/office/drawing/2014/main" id="{50BC9787-B3B1-4CD4-88FA-89C90E601D87}"/>
+                <a16:creationId xmlns:a16="http://schemas.microsoft.com/office/drawing/2014/main" xmlns="" id="{50BC9787-B3B1-4CD4-88FA-89C90E601D87}"/>
               </a:ext>
             </a:extLst>
           </p:cNvPr>
@@ -1141,7 +1141,7 @@
           <p:cNvPr id="4" name="日期版面配置區 3">
             <a:extLst>
               <a:ext uri="{FF2B5EF4-FFF2-40B4-BE49-F238E27FC236}">
-                <a16:creationId xmlns:a16="http://schemas.microsoft.com/office/drawing/2014/main" id="{DC300BCC-CBF9-449F-A187-15C56FA5120D}"/>
+                <a16:creationId xmlns:a16="http://schemas.microsoft.com/office/drawing/2014/main" xmlns="" id="{DC300BCC-CBF9-449F-A187-15C56FA5120D}"/>
               </a:ext>
             </a:extLst>
           </p:cNvPr>
@@ -1170,7 +1170,7 @@
           <p:cNvPr id="5" name="頁尾版面配置區 4">
             <a:extLst>
               <a:ext uri="{FF2B5EF4-FFF2-40B4-BE49-F238E27FC236}">
-                <a16:creationId xmlns:a16="http://schemas.microsoft.com/office/drawing/2014/main" id="{0BD6B777-2526-457E-A940-D51B9B2291A7}"/>
+                <a16:creationId xmlns:a16="http://schemas.microsoft.com/office/drawing/2014/main" xmlns="" id="{0BD6B777-2526-457E-A940-D51B9B2291A7}"/>
               </a:ext>
             </a:extLst>
           </p:cNvPr>
@@ -1195,7 +1195,7 @@
           <p:cNvPr id="6" name="投影片編號版面配置區 5">
             <a:extLst>
               <a:ext uri="{FF2B5EF4-FFF2-40B4-BE49-F238E27FC236}">
-                <a16:creationId xmlns:a16="http://schemas.microsoft.com/office/drawing/2014/main" id="{683CC36B-0E4C-4244-B5CA-916B6AA15DF9}"/>
+                <a16:creationId xmlns:a16="http://schemas.microsoft.com/office/drawing/2014/main" xmlns="" id="{683CC36B-0E4C-4244-B5CA-916B6AA15DF9}"/>
               </a:ext>
             </a:extLst>
           </p:cNvPr>
@@ -1254,7 +1254,7 @@
           <p:cNvPr id="2" name="標題 1">
             <a:extLst>
               <a:ext uri="{FF2B5EF4-FFF2-40B4-BE49-F238E27FC236}">
-                <a16:creationId xmlns:a16="http://schemas.microsoft.com/office/drawing/2014/main" id="{2E0B6C9E-A913-4D90-955C-1866A6B98815}"/>
+                <a16:creationId xmlns:a16="http://schemas.microsoft.com/office/drawing/2014/main" xmlns="" id="{2E0B6C9E-A913-4D90-955C-1866A6B98815}"/>
               </a:ext>
             </a:extLst>
           </p:cNvPr>
@@ -1282,7 +1282,7 @@
           <p:cNvPr id="3" name="內容版面配置區 2">
             <a:extLst>
               <a:ext uri="{FF2B5EF4-FFF2-40B4-BE49-F238E27FC236}">
-                <a16:creationId xmlns:a16="http://schemas.microsoft.com/office/drawing/2014/main" id="{E6119D6F-03E0-486E-B4DC-AC8962CC2B63}"/>
+                <a16:creationId xmlns:a16="http://schemas.microsoft.com/office/drawing/2014/main" xmlns="" id="{E6119D6F-03E0-486E-B4DC-AC8962CC2B63}"/>
               </a:ext>
             </a:extLst>
           </p:cNvPr>
@@ -1344,7 +1344,7 @@
           <p:cNvPr id="4" name="內容版面配置區 3">
             <a:extLst>
               <a:ext uri="{FF2B5EF4-FFF2-40B4-BE49-F238E27FC236}">
-                <a16:creationId xmlns:a16="http://schemas.microsoft.com/office/drawing/2014/main" id="{D5A0036B-1185-46B1-A641-ED2309466CA6}"/>
+                <a16:creationId xmlns:a16="http://schemas.microsoft.com/office/drawing/2014/main" xmlns="" id="{D5A0036B-1185-46B1-A641-ED2309466CA6}"/>
               </a:ext>
             </a:extLst>
           </p:cNvPr>
@@ -1406,7 +1406,7 @@
           <p:cNvPr id="5" name="日期版面配置區 4">
             <a:extLst>
               <a:ext uri="{FF2B5EF4-FFF2-40B4-BE49-F238E27FC236}">
-                <a16:creationId xmlns:a16="http://schemas.microsoft.com/office/drawing/2014/main" id="{C9A1602E-F4BD-4183-BB05-2B4115C90A0E}"/>
+                <a16:creationId xmlns:a16="http://schemas.microsoft.com/office/drawing/2014/main" xmlns="" id="{C9A1602E-F4BD-4183-BB05-2B4115C90A0E}"/>
               </a:ext>
             </a:extLst>
           </p:cNvPr>
@@ -1435,7 +1435,7 @@
           <p:cNvPr id="6" name="頁尾版面配置區 5">
             <a:extLst>
               <a:ext uri="{FF2B5EF4-FFF2-40B4-BE49-F238E27FC236}">
-                <a16:creationId xmlns:a16="http://schemas.microsoft.com/office/drawing/2014/main" id="{C8D12D84-08BE-4D0E-AA89-6602793B4D1D}"/>
+                <a16:creationId xmlns:a16="http://schemas.microsoft.com/office/drawing/2014/main" xmlns="" id="{C8D12D84-08BE-4D0E-AA89-6602793B4D1D}"/>
               </a:ext>
             </a:extLst>
           </p:cNvPr>
@@ -1460,7 +1460,7 @@
           <p:cNvPr id="7" name="投影片編號版面配置區 6">
             <a:extLst>
               <a:ext uri="{FF2B5EF4-FFF2-40B4-BE49-F238E27FC236}">
-                <a16:creationId xmlns:a16="http://schemas.microsoft.com/office/drawing/2014/main" id="{59B66B4D-2F0C-4E01-8A6D-B10FC3F1C20D}"/>
+                <a16:creationId xmlns:a16="http://schemas.microsoft.com/office/drawing/2014/main" xmlns="" id="{59B66B4D-2F0C-4E01-8A6D-B10FC3F1C20D}"/>
               </a:ext>
             </a:extLst>
           </p:cNvPr>
@@ -1519,7 +1519,7 @@
           <p:cNvPr id="2" name="標題 1">
             <a:extLst>
               <a:ext uri="{FF2B5EF4-FFF2-40B4-BE49-F238E27FC236}">
-                <a16:creationId xmlns:a16="http://schemas.microsoft.com/office/drawing/2014/main" id="{621FD43D-677C-4037-81CC-64E21AC57498}"/>
+                <a16:creationId xmlns:a16="http://schemas.microsoft.com/office/drawing/2014/main" xmlns="" id="{621FD43D-677C-4037-81CC-64E21AC57498}"/>
               </a:ext>
             </a:extLst>
           </p:cNvPr>
@@ -1552,7 +1552,7 @@
           <p:cNvPr id="3" name="文字版面配置區 2">
             <a:extLst>
               <a:ext uri="{FF2B5EF4-FFF2-40B4-BE49-F238E27FC236}">
-                <a16:creationId xmlns:a16="http://schemas.microsoft.com/office/drawing/2014/main" id="{AADDB3F0-6D82-4EA7-B67A-2A060C8FD674}"/>
+                <a16:creationId xmlns:a16="http://schemas.microsoft.com/office/drawing/2014/main" xmlns="" id="{AADDB3F0-6D82-4EA7-B67A-2A060C8FD674}"/>
               </a:ext>
             </a:extLst>
           </p:cNvPr>
@@ -1623,7 +1623,7 @@
           <p:cNvPr id="4" name="內容版面配置區 3">
             <a:extLst>
               <a:ext uri="{FF2B5EF4-FFF2-40B4-BE49-F238E27FC236}">
-                <a16:creationId xmlns:a16="http://schemas.microsoft.com/office/drawing/2014/main" id="{82219A9A-F290-47E2-B1D6-2E3857A7AEFD}"/>
+                <a16:creationId xmlns:a16="http://schemas.microsoft.com/office/drawing/2014/main" xmlns="" id="{82219A9A-F290-47E2-B1D6-2E3857A7AEFD}"/>
               </a:ext>
             </a:extLst>
           </p:cNvPr>
@@ -1685,7 +1685,7 @@
           <p:cNvPr id="5" name="文字版面配置區 4">
             <a:extLst>
               <a:ext uri="{FF2B5EF4-FFF2-40B4-BE49-F238E27FC236}">
-                <a16:creationId xmlns:a16="http://schemas.microsoft.com/office/drawing/2014/main" id="{0196DB75-A61B-4F9E-8409-84C90E36C9EE}"/>
+                <a16:creationId xmlns:a16="http://schemas.microsoft.com/office/drawing/2014/main" xmlns="" id="{0196DB75-A61B-4F9E-8409-84C90E36C9EE}"/>
               </a:ext>
             </a:extLst>
           </p:cNvPr>
@@ -1756,7 +1756,7 @@
           <p:cNvPr id="6" name="內容版面配置區 5">
             <a:extLst>
               <a:ext uri="{FF2B5EF4-FFF2-40B4-BE49-F238E27FC236}">
-                <a16:creationId xmlns:a16="http://schemas.microsoft.com/office/drawing/2014/main" id="{8135CF6A-4418-4D26-BBE6-B90BE1800DEC}"/>
+                <a16:creationId xmlns:a16="http://schemas.microsoft.com/office/drawing/2014/main" xmlns="" id="{8135CF6A-4418-4D26-BBE6-B90BE1800DEC}"/>
               </a:ext>
             </a:extLst>
           </p:cNvPr>
@@ -1818,7 +1818,7 @@
           <p:cNvPr id="7" name="日期版面配置區 6">
             <a:extLst>
               <a:ext uri="{FF2B5EF4-FFF2-40B4-BE49-F238E27FC236}">
-                <a16:creationId xmlns:a16="http://schemas.microsoft.com/office/drawing/2014/main" id="{9EFEBF6E-B706-4378-AB0E-CC5D3525F549}"/>
+                <a16:creationId xmlns:a16="http://schemas.microsoft.com/office/drawing/2014/main" xmlns="" id="{9EFEBF6E-B706-4378-AB0E-CC5D3525F549}"/>
               </a:ext>
             </a:extLst>
           </p:cNvPr>
@@ -1847,7 +1847,7 @@
           <p:cNvPr id="8" name="頁尾版面配置區 7">
             <a:extLst>
               <a:ext uri="{FF2B5EF4-FFF2-40B4-BE49-F238E27FC236}">
-                <a16:creationId xmlns:a16="http://schemas.microsoft.com/office/drawing/2014/main" id="{7E6D9D1F-50B7-48B3-A354-0503784DA6E0}"/>
+                <a16:creationId xmlns:a16="http://schemas.microsoft.com/office/drawing/2014/main" xmlns="" id="{7E6D9D1F-50B7-48B3-A354-0503784DA6E0}"/>
               </a:ext>
             </a:extLst>
           </p:cNvPr>
@@ -1872,7 +1872,7 @@
           <p:cNvPr id="9" name="投影片編號版面配置區 8">
             <a:extLst>
               <a:ext uri="{FF2B5EF4-FFF2-40B4-BE49-F238E27FC236}">
-                <a16:creationId xmlns:a16="http://schemas.microsoft.com/office/drawing/2014/main" id="{B450396A-20FB-486A-BB6B-6F9B2487259E}"/>
+                <a16:creationId xmlns:a16="http://schemas.microsoft.com/office/drawing/2014/main" xmlns="" id="{B450396A-20FB-486A-BB6B-6F9B2487259E}"/>
               </a:ext>
             </a:extLst>
           </p:cNvPr>
@@ -1931,7 +1931,7 @@
           <p:cNvPr id="2" name="標題 1">
             <a:extLst>
               <a:ext uri="{FF2B5EF4-FFF2-40B4-BE49-F238E27FC236}">
-                <a16:creationId xmlns:a16="http://schemas.microsoft.com/office/drawing/2014/main" id="{E907FEF1-11B2-4111-BE5A-85122317EAC7}"/>
+                <a16:creationId xmlns:a16="http://schemas.microsoft.com/office/drawing/2014/main" xmlns="" id="{E907FEF1-11B2-4111-BE5A-85122317EAC7}"/>
               </a:ext>
             </a:extLst>
           </p:cNvPr>
@@ -1959,7 +1959,7 @@
           <p:cNvPr id="3" name="日期版面配置區 2">
             <a:extLst>
               <a:ext uri="{FF2B5EF4-FFF2-40B4-BE49-F238E27FC236}">
-                <a16:creationId xmlns:a16="http://schemas.microsoft.com/office/drawing/2014/main" id="{8125CF0D-AFD9-414D-8F00-0A16D34F43CD}"/>
+                <a16:creationId xmlns:a16="http://schemas.microsoft.com/office/drawing/2014/main" xmlns="" id="{8125CF0D-AFD9-414D-8F00-0A16D34F43CD}"/>
               </a:ext>
             </a:extLst>
           </p:cNvPr>
@@ -1988,7 +1988,7 @@
           <p:cNvPr id="4" name="頁尾版面配置區 3">
             <a:extLst>
               <a:ext uri="{FF2B5EF4-FFF2-40B4-BE49-F238E27FC236}">
-                <a16:creationId xmlns:a16="http://schemas.microsoft.com/office/drawing/2014/main" id="{0FA39637-646E-4F58-8A07-0F37FD1E22E1}"/>
+                <a16:creationId xmlns:a16="http://schemas.microsoft.com/office/drawing/2014/main" xmlns="" id="{0FA39637-646E-4F58-8A07-0F37FD1E22E1}"/>
               </a:ext>
             </a:extLst>
           </p:cNvPr>
@@ -2013,7 +2013,7 @@
           <p:cNvPr id="5" name="投影片編號版面配置區 4">
             <a:extLst>
               <a:ext uri="{FF2B5EF4-FFF2-40B4-BE49-F238E27FC236}">
-                <a16:creationId xmlns:a16="http://schemas.microsoft.com/office/drawing/2014/main" id="{A1ECFA2E-217D-44D1-80C9-D6124F30F10A}"/>
+                <a16:creationId xmlns:a16="http://schemas.microsoft.com/office/drawing/2014/main" xmlns="" id="{A1ECFA2E-217D-44D1-80C9-D6124F30F10A}"/>
               </a:ext>
             </a:extLst>
           </p:cNvPr>
@@ -2072,7 +2072,7 @@
           <p:cNvPr id="2" name="日期版面配置區 1">
             <a:extLst>
               <a:ext uri="{FF2B5EF4-FFF2-40B4-BE49-F238E27FC236}">
-                <a16:creationId xmlns:a16="http://schemas.microsoft.com/office/drawing/2014/main" id="{D10C3BED-6854-4C82-B474-4C7FD70FC476}"/>
+                <a16:creationId xmlns:a16="http://schemas.microsoft.com/office/drawing/2014/main" xmlns="" id="{D10C3BED-6854-4C82-B474-4C7FD70FC476}"/>
               </a:ext>
             </a:extLst>
           </p:cNvPr>
@@ -2101,7 +2101,7 @@
           <p:cNvPr id="3" name="頁尾版面配置區 2">
             <a:extLst>
               <a:ext uri="{FF2B5EF4-FFF2-40B4-BE49-F238E27FC236}">
-                <a16:creationId xmlns:a16="http://schemas.microsoft.com/office/drawing/2014/main" id="{BD2DBEB3-D82F-4DD2-8DB7-41C4D53EFC43}"/>
+                <a16:creationId xmlns:a16="http://schemas.microsoft.com/office/drawing/2014/main" xmlns="" id="{BD2DBEB3-D82F-4DD2-8DB7-41C4D53EFC43}"/>
               </a:ext>
             </a:extLst>
           </p:cNvPr>
@@ -2126,7 +2126,7 @@
           <p:cNvPr id="4" name="投影片編號版面配置區 3">
             <a:extLst>
               <a:ext uri="{FF2B5EF4-FFF2-40B4-BE49-F238E27FC236}">
-                <a16:creationId xmlns:a16="http://schemas.microsoft.com/office/drawing/2014/main" id="{13A06724-4588-4323-8C0E-150FD3519CFA}"/>
+                <a16:creationId xmlns:a16="http://schemas.microsoft.com/office/drawing/2014/main" xmlns="" id="{13A06724-4588-4323-8C0E-150FD3519CFA}"/>
               </a:ext>
             </a:extLst>
           </p:cNvPr>
@@ -2185,7 +2185,7 @@
           <p:cNvPr id="2" name="標題 1">
             <a:extLst>
               <a:ext uri="{FF2B5EF4-FFF2-40B4-BE49-F238E27FC236}">
-                <a16:creationId xmlns:a16="http://schemas.microsoft.com/office/drawing/2014/main" id="{CD8B2108-74C6-4B24-AADA-2B66F752531F}"/>
+                <a16:creationId xmlns:a16="http://schemas.microsoft.com/office/drawing/2014/main" xmlns="" id="{CD8B2108-74C6-4B24-AADA-2B66F752531F}"/>
               </a:ext>
             </a:extLst>
           </p:cNvPr>
@@ -2222,7 +2222,7 @@
           <p:cNvPr id="3" name="內容版面配置區 2">
             <a:extLst>
               <a:ext uri="{FF2B5EF4-FFF2-40B4-BE49-F238E27FC236}">
-                <a16:creationId xmlns:a16="http://schemas.microsoft.com/office/drawing/2014/main" id="{C25E1E54-25EE-4553-BFB9-CBD11A87F929}"/>
+                <a16:creationId xmlns:a16="http://schemas.microsoft.com/office/drawing/2014/main" xmlns="" id="{C25E1E54-25EE-4553-BFB9-CBD11A87F929}"/>
               </a:ext>
             </a:extLst>
           </p:cNvPr>
@@ -2312,7 +2312,7 @@
           <p:cNvPr id="4" name="文字版面配置區 3">
             <a:extLst>
               <a:ext uri="{FF2B5EF4-FFF2-40B4-BE49-F238E27FC236}">
-                <a16:creationId xmlns:a16="http://schemas.microsoft.com/office/drawing/2014/main" id="{3DE8F829-C3C6-463A-8B4E-0782BC2887AD}"/>
+                <a16:creationId xmlns:a16="http://schemas.microsoft.com/office/drawing/2014/main" xmlns="" id="{3DE8F829-C3C6-463A-8B4E-0782BC2887AD}"/>
               </a:ext>
             </a:extLst>
           </p:cNvPr>
@@ -2383,7 +2383,7 @@
           <p:cNvPr id="5" name="日期版面配置區 4">
             <a:extLst>
               <a:ext uri="{FF2B5EF4-FFF2-40B4-BE49-F238E27FC236}">
-                <a16:creationId xmlns:a16="http://schemas.microsoft.com/office/drawing/2014/main" id="{0FCC19B4-0FA8-48C8-BFDD-B62ADBCCB5B9}"/>
+                <a16:creationId xmlns:a16="http://schemas.microsoft.com/office/drawing/2014/main" xmlns="" id="{0FCC19B4-0FA8-48C8-BFDD-B62ADBCCB5B9}"/>
               </a:ext>
             </a:extLst>
           </p:cNvPr>
@@ -2412,7 +2412,7 @@
           <p:cNvPr id="6" name="頁尾版面配置區 5">
             <a:extLst>
               <a:ext uri="{FF2B5EF4-FFF2-40B4-BE49-F238E27FC236}">
-                <a16:creationId xmlns:a16="http://schemas.microsoft.com/office/drawing/2014/main" id="{8C007E1D-7C19-4A64-9E16-3F239490D42B}"/>
+                <a16:creationId xmlns:a16="http://schemas.microsoft.com/office/drawing/2014/main" xmlns="" id="{8C007E1D-7C19-4A64-9E16-3F239490D42B}"/>
               </a:ext>
             </a:extLst>
           </p:cNvPr>
@@ -2437,7 +2437,7 @@
           <p:cNvPr id="7" name="投影片編號版面配置區 6">
             <a:extLst>
               <a:ext uri="{FF2B5EF4-FFF2-40B4-BE49-F238E27FC236}">
-                <a16:creationId xmlns:a16="http://schemas.microsoft.com/office/drawing/2014/main" id="{E2F1D6BC-AF85-4291-9035-BB876F428994}"/>
+                <a16:creationId xmlns:a16="http://schemas.microsoft.com/office/drawing/2014/main" xmlns="" id="{E2F1D6BC-AF85-4291-9035-BB876F428994}"/>
               </a:ext>
             </a:extLst>
           </p:cNvPr>
@@ -2496,7 +2496,7 @@
           <p:cNvPr id="2" name="標題 1">
             <a:extLst>
               <a:ext uri="{FF2B5EF4-FFF2-40B4-BE49-F238E27FC236}">
-                <a16:creationId xmlns:a16="http://schemas.microsoft.com/office/drawing/2014/main" id="{96778437-6741-49F4-BAA3-94B28C01B39A}"/>
+                <a16:creationId xmlns:a16="http://schemas.microsoft.com/office/drawing/2014/main" xmlns="" id="{96778437-6741-49F4-BAA3-94B28C01B39A}"/>
               </a:ext>
             </a:extLst>
           </p:cNvPr>
@@ -2533,7 +2533,7 @@
           <p:cNvPr id="3" name="圖片版面配置區 2">
             <a:extLst>
               <a:ext uri="{FF2B5EF4-FFF2-40B4-BE49-F238E27FC236}">
-                <a16:creationId xmlns:a16="http://schemas.microsoft.com/office/drawing/2014/main" id="{3CBA59EE-5D54-4C13-8F16-219646C97675}"/>
+                <a16:creationId xmlns:a16="http://schemas.microsoft.com/office/drawing/2014/main" xmlns="" id="{3CBA59EE-5D54-4C13-8F16-219646C97675}"/>
               </a:ext>
             </a:extLst>
           </p:cNvPr>
@@ -2600,7 +2600,7 @@
           <p:cNvPr id="4" name="文字版面配置區 3">
             <a:extLst>
               <a:ext uri="{FF2B5EF4-FFF2-40B4-BE49-F238E27FC236}">
-                <a16:creationId xmlns:a16="http://schemas.microsoft.com/office/drawing/2014/main" id="{35ABB790-8CF6-4E30-8976-072A166B2F5E}"/>
+                <a16:creationId xmlns:a16="http://schemas.microsoft.com/office/drawing/2014/main" xmlns="" id="{35ABB790-8CF6-4E30-8976-072A166B2F5E}"/>
               </a:ext>
             </a:extLst>
           </p:cNvPr>
@@ -2671,7 +2671,7 @@
           <p:cNvPr id="5" name="日期版面配置區 4">
             <a:extLst>
               <a:ext uri="{FF2B5EF4-FFF2-40B4-BE49-F238E27FC236}">
-                <a16:creationId xmlns:a16="http://schemas.microsoft.com/office/drawing/2014/main" id="{B2715EBD-7F3D-405B-B134-91ACCC2258A5}"/>
+                <a16:creationId xmlns:a16="http://schemas.microsoft.com/office/drawing/2014/main" xmlns="" id="{B2715EBD-7F3D-405B-B134-91ACCC2258A5}"/>
               </a:ext>
             </a:extLst>
           </p:cNvPr>
@@ -2700,7 +2700,7 @@
           <p:cNvPr id="6" name="頁尾版面配置區 5">
             <a:extLst>
               <a:ext uri="{FF2B5EF4-FFF2-40B4-BE49-F238E27FC236}">
-                <a16:creationId xmlns:a16="http://schemas.microsoft.com/office/drawing/2014/main" id="{DC27C2A3-BEAF-450F-87EE-C54DCAC0ED95}"/>
+                <a16:creationId xmlns:a16="http://schemas.microsoft.com/office/drawing/2014/main" xmlns="" id="{DC27C2A3-BEAF-450F-87EE-C54DCAC0ED95}"/>
               </a:ext>
             </a:extLst>
           </p:cNvPr>
@@ -2725,7 +2725,7 @@
           <p:cNvPr id="7" name="投影片編號版面配置區 6">
             <a:extLst>
               <a:ext uri="{FF2B5EF4-FFF2-40B4-BE49-F238E27FC236}">
-                <a16:creationId xmlns:a16="http://schemas.microsoft.com/office/drawing/2014/main" id="{FA04F1A6-8F52-4B6F-872D-5739D9C201CC}"/>
+                <a16:creationId xmlns:a16="http://schemas.microsoft.com/office/drawing/2014/main" xmlns="" id="{FA04F1A6-8F52-4B6F-872D-5739D9C201CC}"/>
               </a:ext>
             </a:extLst>
           </p:cNvPr>
@@ -2789,7 +2789,7 @@
           <p:cNvPr id="2" name="標題版面配置區 1">
             <a:extLst>
               <a:ext uri="{FF2B5EF4-FFF2-40B4-BE49-F238E27FC236}">
-                <a16:creationId xmlns:a16="http://schemas.microsoft.com/office/drawing/2014/main" id="{0DBCECF5-5291-4130-8548-310A09CC4351}"/>
+                <a16:creationId xmlns:a16="http://schemas.microsoft.com/office/drawing/2014/main" xmlns="" id="{0DBCECF5-5291-4130-8548-310A09CC4351}"/>
               </a:ext>
             </a:extLst>
           </p:cNvPr>
@@ -2827,7 +2827,7 @@
           <p:cNvPr id="3" name="文字版面配置區 2">
             <a:extLst>
               <a:ext uri="{FF2B5EF4-FFF2-40B4-BE49-F238E27FC236}">
-                <a16:creationId xmlns:a16="http://schemas.microsoft.com/office/drawing/2014/main" id="{7FD60E73-2F3D-4646-9033-AA59BD03BDD6}"/>
+                <a16:creationId xmlns:a16="http://schemas.microsoft.com/office/drawing/2014/main" xmlns="" id="{7FD60E73-2F3D-4646-9033-AA59BD03BDD6}"/>
               </a:ext>
             </a:extLst>
           </p:cNvPr>
@@ -2894,7 +2894,7 @@
           <p:cNvPr id="4" name="日期版面配置區 3">
             <a:extLst>
               <a:ext uri="{FF2B5EF4-FFF2-40B4-BE49-F238E27FC236}">
-                <a16:creationId xmlns:a16="http://schemas.microsoft.com/office/drawing/2014/main" id="{89D89080-BBF3-4C0E-B065-A19AF14300DD}"/>
+                <a16:creationId xmlns:a16="http://schemas.microsoft.com/office/drawing/2014/main" xmlns="" id="{89D89080-BBF3-4C0E-B065-A19AF14300DD}"/>
               </a:ext>
             </a:extLst>
           </p:cNvPr>
@@ -2941,7 +2941,7 @@
           <p:cNvPr id="5" name="頁尾版面配置區 4">
             <a:extLst>
               <a:ext uri="{FF2B5EF4-FFF2-40B4-BE49-F238E27FC236}">
-                <a16:creationId xmlns:a16="http://schemas.microsoft.com/office/drawing/2014/main" id="{D645D7A9-F067-4B57-989E-1795F1A65AE5}"/>
+                <a16:creationId xmlns:a16="http://schemas.microsoft.com/office/drawing/2014/main" xmlns="" id="{D645D7A9-F067-4B57-989E-1795F1A65AE5}"/>
               </a:ext>
             </a:extLst>
           </p:cNvPr>
@@ -2984,7 +2984,7 @@
           <p:cNvPr id="6" name="投影片編號版面配置區 5">
             <a:extLst>
               <a:ext uri="{FF2B5EF4-FFF2-40B4-BE49-F238E27FC236}">
-                <a16:creationId xmlns:a16="http://schemas.microsoft.com/office/drawing/2014/main" id="{E5F83677-5210-4E53-8C13-E67EBBDD0027}"/>
+                <a16:creationId xmlns:a16="http://schemas.microsoft.com/office/drawing/2014/main" xmlns="" id="{E5F83677-5210-4E53-8C13-E67EBBDD0027}"/>
               </a:ext>
             </a:extLst>
           </p:cNvPr>
@@ -3352,7 +3352,7 @@
           <p:cNvPr id="2" name="標題 1">
             <a:extLst>
               <a:ext uri="{FF2B5EF4-FFF2-40B4-BE49-F238E27FC236}">
-                <a16:creationId xmlns:a16="http://schemas.microsoft.com/office/drawing/2014/main" id="{B6D7058D-7406-4DF4-B6D4-F7269C70846E}"/>
+                <a16:creationId xmlns:a16="http://schemas.microsoft.com/office/drawing/2014/main" xmlns="" id="{B6D7058D-7406-4DF4-B6D4-F7269C70846E}"/>
               </a:ext>
             </a:extLst>
           </p:cNvPr>
@@ -3388,6 +3388,13 @@
   <p:clrMapOvr>
     <a:masterClrMapping/>
   </p:clrMapOvr>
+  <p:timing>
+    <p:tnLst>
+      <p:par>
+        <p:cTn id="1" dur="indefinite" restart="never" nodeType="tmRoot"/>
+      </p:par>
+    </p:tnLst>
+  </p:timing>
 </p:sld>
 </file>
 
@@ -3413,7 +3420,7 @@
           <p:cNvPr id="2" name="標題 1">
             <a:extLst>
               <a:ext uri="{FF2B5EF4-FFF2-40B4-BE49-F238E27FC236}">
-                <a16:creationId xmlns:a16="http://schemas.microsoft.com/office/drawing/2014/main" id="{B327BF8D-6467-4EBF-B44B-80346A9EEF59}"/>
+                <a16:creationId xmlns:a16="http://schemas.microsoft.com/office/drawing/2014/main" xmlns="" id="{B327BF8D-6467-4EBF-B44B-80346A9EEF59}"/>
               </a:ext>
             </a:extLst>
           </p:cNvPr>
@@ -3426,7 +3433,7 @@
         </p:nvSpPr>
         <p:spPr>
           <a:xfrm>
-            <a:off x="838200" y="93307"/>
+            <a:off x="611777" y="27992"/>
             <a:ext cx="10515600" cy="942391"/>
           </a:xfrm>
         </p:spPr>
@@ -3449,7 +3456,7 @@
           <p:cNvPr id="3" name="內容版面配置區 2">
             <a:extLst>
               <a:ext uri="{FF2B5EF4-FFF2-40B4-BE49-F238E27FC236}">
-                <a16:creationId xmlns:a16="http://schemas.microsoft.com/office/drawing/2014/main" id="{86A79B69-B1D9-4145-B2E1-60D76BC2A679}"/>
+                <a16:creationId xmlns:a16="http://schemas.microsoft.com/office/drawing/2014/main" xmlns="" id="{86A79B69-B1D9-4145-B2E1-60D76BC2A679}"/>
               </a:ext>
             </a:extLst>
           </p:cNvPr>
@@ -3486,13 +3493,7 @@
               <a:t>    </a:t>
             </a:r>
             <a:r>
-              <a:rPr lang="en-US" altLang="zh-TW" sz="1800" b="0" i="0" dirty="0">
-                <a:solidFill>
-                  <a:srgbClr val="2E2E2E"/>
-                </a:solidFill>
-                <a:effectLst/>
-                <a:latin typeface="NexusSerif"/>
-              </a:rPr>
+              <a:rPr lang="en-US" altLang="zh-TW" sz="2000" dirty="0"/>
               <a:t>The existing approaches for m6A sites identification require domain-knowledge to hand-craft the input features of the classification models. In this work, we aim to build a computational model that can learn features representation automatically based on the genomic data. This technique helps in obtaining more optimal features by reducing the noise in the data, consequently, improving the performance of the final computational model.</a:t>
             </a:r>
           </a:p>
@@ -3501,33 +3502,19 @@
               <a:buNone/>
             </a:pPr>
             <a:r>
-              <a:rPr lang="zh-TW" altLang="en-US" sz="1800" dirty="0">
-                <a:solidFill>
-                  <a:srgbClr val="2E2E2E"/>
-                </a:solidFill>
-                <a:latin typeface="NexusSerif"/>
-              </a:rPr>
+              <a:rPr lang="zh-TW" altLang="en-US" sz="2000" dirty="0"/>
               <a:t>    </a:t>
             </a:r>
             <a:r>
-              <a:rPr lang="en-US" altLang="zh-TW" sz="1800" dirty="0">
-                <a:solidFill>
-                  <a:srgbClr val="2E2E2E"/>
-                </a:solidFill>
-                <a:latin typeface="NexusSerif"/>
-              </a:rPr>
+              <a:rPr lang="en-US" altLang="zh-TW" sz="2000" dirty="0"/>
               <a:t>Genetic data is considered as a language, that is represented in DNA and </a:t>
             </a:r>
             <a:r>
-              <a:rPr lang="en-US" altLang="zh-TW" sz="1800" dirty="0">
-                <a:solidFill>
-                  <a:srgbClr val="2E2E2E"/>
-                </a:solidFill>
-                <a:latin typeface="NexusSerif"/>
+              <a:rPr lang="en-US" altLang="zh-TW" sz="2000" dirty="0">
                 <a:hlinkClick r:id="rId2" tooltip="Learn more about RNA sequences from ScienceDirect's AI-generated Topic Pages">
                   <a:extLst>
                     <a:ext uri="{A12FA001-AC4F-418D-AE19-62706E023703}">
-                      <ahyp:hlinkClr xmlns:ahyp="http://schemas.microsoft.com/office/drawing/2018/hyperlinkcolor" val="tx"/>
+                      <ahyp:hlinkClr xmlns:ahyp="http://schemas.microsoft.com/office/drawing/2018/hyperlinkcolor" xmlns="" val="tx"/>
                     </a:ext>
                   </a:extLst>
                 </a:hlinkClick>
@@ -3535,24 +3522,15 @@
               <a:t>RNA sequences</a:t>
             </a:r>
             <a:r>
-              <a:rPr lang="en-US" altLang="zh-TW" sz="1800" dirty="0">
-                <a:solidFill>
-                  <a:srgbClr val="2E2E2E"/>
-                </a:solidFill>
-                <a:latin typeface="NexusSerif"/>
-              </a:rPr>
+              <a:rPr lang="en-US" altLang="zh-TW" sz="2000" dirty="0"/>
               <a:t>, by which the information passes within and between the cells. It is based on a continues chain of </a:t>
             </a:r>
             <a:r>
-              <a:rPr lang="en-US" altLang="zh-TW" sz="1800" dirty="0">
-                <a:solidFill>
-                  <a:srgbClr val="2E2E2E"/>
-                </a:solidFill>
-                <a:latin typeface="NexusSerif"/>
+              <a:rPr lang="en-US" altLang="zh-TW" sz="2000" dirty="0">
                 <a:hlinkClick r:id="rId3" tooltip="Learn more about nucleotides from ScienceDirect's AI-generated Topic Pages">
                   <a:extLst>
                     <a:ext uri="{A12FA001-AC4F-418D-AE19-62706E023703}">
-                      <ahyp:hlinkClr xmlns:ahyp="http://schemas.microsoft.com/office/drawing/2018/hyperlinkcolor" val="tx"/>
+                      <ahyp:hlinkClr xmlns:ahyp="http://schemas.microsoft.com/office/drawing/2018/hyperlinkcolor" xmlns="" val="tx"/>
                     </a:ext>
                   </a:extLst>
                 </a:hlinkClick>
@@ -3560,94 +3538,29 @@
               <a:t>nucleotides</a:t>
             </a:r>
             <a:r>
-              <a:rPr lang="en-US" altLang="zh-TW" sz="1800" dirty="0">
-                <a:solidFill>
-                  <a:srgbClr val="2E2E2E"/>
-                </a:solidFill>
-                <a:latin typeface="NexusSerif"/>
-              </a:rPr>
-              <a:t> (A, C, G, and T). In addition, NLP techniques have been used successfully in various biological problems such as alternative </a:t>
-            </a:r>
-            <a:r>
-              <a:rPr lang="en-US" altLang="zh-TW" sz="1800" b="0" i="0" dirty="0">
-                <a:solidFill>
-                  <a:srgbClr val="2E2E2E"/>
-                </a:solidFill>
-                <a:effectLst/>
-                <a:latin typeface="NexusSerif"/>
-              </a:rPr>
-              <a:t>splicing site prediction.</a:t>
-            </a:r>
-            <a:endParaRPr lang="en-US" altLang="zh-TW" sz="1800" dirty="0">
-              <a:solidFill>
-                <a:srgbClr val="2E2E2E"/>
-              </a:solidFill>
-              <a:latin typeface="NexusSerif"/>
-            </a:endParaRPr>
+              <a:rPr lang="en-US" altLang="zh-TW" sz="2000" dirty="0"/>
+              <a:t> (A, C, G, and T). In addition, NLP techniques have been used successfully in various biological problems such as alternative splicing site prediction.</a:t>
+            </a:r>
           </a:p>
           <a:p>
             <a:pPr marL="0" indent="0">
               <a:buNone/>
             </a:pPr>
             <a:r>
-              <a:rPr lang="zh-TW" altLang="en-US" sz="1800" b="0" i="0" dirty="0">
-                <a:solidFill>
-                  <a:srgbClr val="2E2E2E"/>
-                </a:solidFill>
-                <a:effectLst/>
-                <a:latin typeface="NexusSerif"/>
-              </a:rPr>
+              <a:rPr lang="zh-TW" altLang="en-US" sz="2000" dirty="0"/>
               <a:t>    </a:t>
             </a:r>
             <a:r>
-              <a:rPr lang="en-US" altLang="zh-TW" sz="1800" b="0" i="0" dirty="0">
-                <a:solidFill>
-                  <a:srgbClr val="2E2E2E"/>
-                </a:solidFill>
-                <a:effectLst/>
-                <a:latin typeface="NexusSerif"/>
-              </a:rPr>
+              <a:rPr lang="en-US" altLang="zh-TW" sz="2000" dirty="0"/>
               <a:t>Thus, we utilize NLP model “word2vec” to get interpretable representations for m6A sites . The first step in word2vec is corpus construction. In this step we split the continuous genomic sequences into words represented by overlapped k-</a:t>
             </a:r>
             <a:r>
-              <a:rPr lang="en-US" altLang="zh-TW" sz="1800" b="0" i="0" dirty="0" err="1">
-                <a:solidFill>
-                  <a:srgbClr val="2E2E2E"/>
-                </a:solidFill>
-                <a:effectLst/>
-                <a:latin typeface="NexusSerif"/>
-              </a:rPr>
+              <a:rPr lang="en-US" altLang="zh-TW" sz="2000" dirty="0" err="1"/>
               <a:t>mer</a:t>
             </a:r>
             <a:r>
-              <a:rPr lang="en-US" altLang="zh-TW" sz="1800" b="0" i="0" dirty="0">
-                <a:solidFill>
-                  <a:srgbClr val="2E2E2E"/>
-                </a:solidFill>
-                <a:effectLst/>
-                <a:latin typeface="NexusSerif"/>
-              </a:rPr>
-              <a:t> to break its continuity. In our model we empirically set k=3. This selection performs better than using other values of </a:t>
-            </a:r>
-            <a:r>
-              <a:rPr lang="en-US" altLang="zh-TW" sz="1800" b="0" i="1" dirty="0">
-                <a:solidFill>
-                  <a:srgbClr val="2E2E2E"/>
-                </a:solidFill>
-                <a:effectLst/>
-                <a:latin typeface="NexusSerif"/>
-              </a:rPr>
-              <a:t>k</a:t>
-            </a:r>
-            <a:r>
-              <a:rPr lang="en-US" altLang="zh-TW" sz="1800" b="0" i="0" dirty="0">
-                <a:solidFill>
-                  <a:srgbClr val="2E2E2E"/>
-                </a:solidFill>
-                <a:effectLst/>
-                <a:latin typeface="NexusSerif"/>
-              </a:rPr>
-              <a:t> such as 4-mer,5-mer, 6-mer, etc. This selection confirms the previous findings in which setting k=3 was the best choice. In addition, 3-mer has been widely used in DNA/RNA sequence formulation. Thus, The constructed corpus has four different nucleotides (A, C, G, and T) and consequently forms 64 unique words. For instance, the biological sequence {ACAGAATG} results in the following words {ACA, CAG, AGA, GAA, AAT, and ATG}. The generated corpus for each sequence is used for training the word2vec model.</a:t>
+              <a:rPr lang="en-US" altLang="zh-TW" sz="2000" dirty="0"/>
+              <a:t> to break its continuity. In our model we empirically set k=3. This selection performs better than using other values of k such as 4-mer,5-mer, 6-mer, etc. This selection confirms the previous findings in which setting k=3 was the best choice. In addition, 3-mer has been widely used in DNA/RNA sequence formulation. Thus, The constructed corpus has four different nucleotides (A, C, G, and T) and consequently forms 64 unique words. For instance, the biological sequence {ACAGAATG} results in the following words {ACA, CAG, AGA, GAA, AAT, and ATG}. The generated corpus for each sequence is used for training the word2vec model.</a:t>
             </a:r>
           </a:p>
           <a:p>
@@ -3668,6 +3581,13 @@
   <p:clrMapOvr>
     <a:masterClrMapping/>
   </p:clrMapOvr>
+  <p:timing>
+    <p:tnLst>
+      <p:par>
+        <p:cTn id="1" dur="indefinite" restart="never" nodeType="tmRoot"/>
+      </p:par>
+    </p:tnLst>
+  </p:timing>
 </p:sld>
 </file>
 
@@ -3693,7 +3613,7 @@
           <p:cNvPr id="2" name="標題 1">
             <a:extLst>
               <a:ext uri="{FF2B5EF4-FFF2-40B4-BE49-F238E27FC236}">
-                <a16:creationId xmlns:a16="http://schemas.microsoft.com/office/drawing/2014/main" id="{B327BF8D-6467-4EBF-B44B-80346A9EEF59}"/>
+                <a16:creationId xmlns:a16="http://schemas.microsoft.com/office/drawing/2014/main" xmlns="" id="{B327BF8D-6467-4EBF-B44B-80346A9EEF59}"/>
               </a:ext>
             </a:extLst>
           </p:cNvPr>
@@ -3729,7 +3649,7 @@
           <p:cNvPr id="3" name="內容版面配置區 2">
             <a:extLst>
               <a:ext uri="{FF2B5EF4-FFF2-40B4-BE49-F238E27FC236}">
-                <a16:creationId xmlns:a16="http://schemas.microsoft.com/office/drawing/2014/main" id="{86A79B69-B1D9-4145-B2E1-60D76BC2A679}"/>
+                <a16:creationId xmlns:a16="http://schemas.microsoft.com/office/drawing/2014/main" xmlns="" id="{86A79B69-B1D9-4145-B2E1-60D76BC2A679}"/>
               </a:ext>
             </a:extLst>
           </p:cNvPr>
@@ -3766,34 +3686,17 @@
               <a:t>    </a:t>
             </a:r>
             <a:r>
-              <a:rPr lang="en-US" altLang="zh-TW" sz="1800" b="0" i="0" dirty="0">
-                <a:solidFill>
-                  <a:srgbClr val="2E2E2E"/>
-                </a:solidFill>
-                <a:effectLst/>
-                <a:latin typeface="NexusSerif"/>
-              </a:rPr>
+              <a:rPr lang="en-US" altLang="zh-TW" sz="2000" dirty="0"/>
               <a:t>Generally, we use human mRNA from GenBank which is available at: </a:t>
             </a:r>
             <a:r>
-              <a:rPr lang="en-US" altLang="zh-TW" sz="1800" b="0" i="0" u="none" strike="noStrike" dirty="0">
-                <a:solidFill>
-                  <a:srgbClr val="0C7DBB"/>
-                </a:solidFill>
-                <a:effectLst/>
-                <a:latin typeface="NexusSerif"/>
+              <a:rPr lang="en-US" altLang="zh-TW" sz="2000" dirty="0">
                 <a:hlinkClick r:id="rId2"/>
               </a:rPr>
               <a:t>hgdownload.soe.ucsc.edu</a:t>
             </a:r>
             <a:r>
-              <a:rPr lang="en-US" altLang="zh-TW" sz="1800" b="0" i="0" dirty="0">
-                <a:solidFill>
-                  <a:srgbClr val="2E2E2E"/>
-                </a:solidFill>
-                <a:effectLst/>
-                <a:latin typeface="NexusSerif"/>
-              </a:rPr>
+              <a:rPr lang="en-US" altLang="zh-TW" sz="2000" dirty="0"/>
               <a:t>.</a:t>
             </a:r>
           </a:p>
@@ -3802,23 +3705,11 @@
               <a:buNone/>
             </a:pPr>
             <a:r>
-              <a:rPr lang="zh-TW" altLang="en-US" sz="1800" b="0" i="0" dirty="0">
-                <a:solidFill>
-                  <a:srgbClr val="2E2E2E"/>
-                </a:solidFill>
-                <a:effectLst/>
-                <a:latin typeface="NexusSerif"/>
-              </a:rPr>
+              <a:rPr lang="zh-TW" altLang="en-US" sz="2000" dirty="0"/>
               <a:t>    </a:t>
             </a:r>
             <a:r>
-              <a:rPr lang="en-US" altLang="zh-TW" sz="1800" b="0" i="0" dirty="0">
-                <a:solidFill>
-                  <a:srgbClr val="2E2E2E"/>
-                </a:solidFill>
-                <a:effectLst/>
-                <a:latin typeface="NexusSerif"/>
-              </a:rPr>
+              <a:rPr lang="en-US" altLang="zh-TW" sz="2000" dirty="0"/>
               <a:t>The genome assembly is divided into 21 chromosomes (Chr1, Chr2, …, X, and Y) and each chromosome is then divided into sentences with length of 100 nt. Finally, each sentence is cut into overlapping 3-mer to create the words. </a:t>
             </a:r>
           </a:p>
@@ -3827,83 +3718,35 @@
               <a:buNone/>
             </a:pPr>
             <a:r>
-              <a:rPr lang="zh-TW" altLang="en-US" sz="1800" b="0" i="0" dirty="0">
-                <a:solidFill>
-                  <a:srgbClr val="2E2E2E"/>
-                </a:solidFill>
-                <a:effectLst/>
-                <a:latin typeface="NexusSerif"/>
-              </a:rPr>
+              <a:rPr lang="zh-TW" altLang="en-US" sz="2000" dirty="0"/>
               <a:t>    </a:t>
             </a:r>
             <a:r>
-              <a:rPr lang="en-US" altLang="zh-TW" sz="1800" b="0" i="0" dirty="0">
-                <a:solidFill>
-                  <a:srgbClr val="2E2E2E"/>
-                </a:solidFill>
-                <a:effectLst/>
-                <a:latin typeface="NexusSerif"/>
-              </a:rPr>
+              <a:rPr lang="en-US" altLang="zh-TW" sz="2000" dirty="0"/>
               <a:t>Continuous bag-of-words (CBOW) method is used for training word2vec model. CBOW method predicts the current word w(t) based on the surrounding context words in a predefined window. The detailed parameters that are used for training word2vec model are given in Table 1. These parameters are widely used in genomic data . As a result of using word2vec, each word (3-mer) is represented by a 100-dimensional vector and each sequence with length L is represented by an array of shape (</a:t>
             </a:r>
             <a:r>
-              <a:rPr lang="zh-TW" altLang="en-US" sz="1800" b="0" i="0" dirty="0">
-                <a:solidFill>
-                  <a:srgbClr val="2E2E2E"/>
-                </a:solidFill>
-                <a:effectLst/>
-                <a:latin typeface="NexusSerif"/>
-              </a:rPr>
+              <a:rPr lang="zh-TW" altLang="en-US" sz="2000" dirty="0"/>
               <a:t> </a:t>
             </a:r>
             <a:r>
-              <a:rPr lang="en-US" altLang="zh-TW" sz="1800" b="0" i="0" dirty="0">
-                <a:solidFill>
-                  <a:srgbClr val="2E2E2E"/>
-                </a:solidFill>
-                <a:effectLst/>
-                <a:latin typeface="NexusSerif"/>
-              </a:rPr>
+              <a:rPr lang="en-US" altLang="zh-TW" sz="2000" dirty="0"/>
               <a:t>L-2</a:t>
             </a:r>
             <a:r>
-              <a:rPr lang="zh-TW" altLang="en-US" sz="1800" b="0" i="0" dirty="0">
-                <a:solidFill>
-                  <a:srgbClr val="2E2E2E"/>
-                </a:solidFill>
-                <a:effectLst/>
-                <a:latin typeface="NexusSerif"/>
-              </a:rPr>
+              <a:rPr lang="zh-TW" altLang="en-US" sz="2000" dirty="0"/>
               <a:t> </a:t>
             </a:r>
             <a:r>
-              <a:rPr lang="en-US" altLang="zh-TW" sz="1800" b="0" i="0" dirty="0">
-                <a:solidFill>
-                  <a:srgbClr val="2E2E2E"/>
-                </a:solidFill>
-                <a:effectLst/>
-                <a:latin typeface="NexusSerif"/>
-              </a:rPr>
+              <a:rPr lang="en-US" altLang="zh-TW" sz="2000" dirty="0"/>
               <a:t>)</a:t>
             </a:r>
             <a:r>
-              <a:rPr lang="zh-TW" altLang="en-US" sz="1800" b="0" i="0" dirty="0">
-                <a:solidFill>
-                  <a:srgbClr val="2E2E2E"/>
-                </a:solidFill>
-                <a:effectLst/>
-                <a:latin typeface="NexusSerif"/>
-              </a:rPr>
+              <a:rPr lang="zh-TW" altLang="en-US" sz="2000" dirty="0"/>
               <a:t> * </a:t>
             </a:r>
             <a:r>
-              <a:rPr lang="en-US" altLang="zh-TW" sz="1800" b="0" i="0" dirty="0">
-                <a:solidFill>
-                  <a:srgbClr val="2E2E2E"/>
-                </a:solidFill>
-                <a:effectLst/>
-                <a:latin typeface="NexusSerif"/>
-              </a:rPr>
+              <a:rPr lang="en-US" altLang="zh-TW" sz="2000" dirty="0"/>
               <a:t>100. </a:t>
             </a:r>
           </a:p>
@@ -3912,32 +3755,15 @@
               <a:buNone/>
             </a:pPr>
             <a:r>
-              <a:rPr lang="en-US" altLang="zh-TW" sz="1800" dirty="0">
-                <a:solidFill>
-                  <a:srgbClr val="2E2E2E"/>
-                </a:solidFill>
-                <a:latin typeface="NexusSerif"/>
-              </a:rPr>
+              <a:rPr lang="en-US" altLang="zh-TW" sz="2000" dirty="0"/>
               <a:t>    </a:t>
             </a:r>
             <a:r>
-              <a:rPr lang="en-US" altLang="zh-TW" sz="1800" b="0" i="0" dirty="0" err="1">
-                <a:solidFill>
-                  <a:srgbClr val="2E2E2E"/>
-                </a:solidFill>
-                <a:effectLst/>
-                <a:latin typeface="NexusSerif"/>
-              </a:rPr>
+              <a:rPr lang="en-US" altLang="zh-TW" sz="2000" dirty="0" err="1"/>
               <a:t>Dominissini</a:t>
             </a:r>
             <a:r>
-              <a:rPr lang="en-US" altLang="zh-TW" sz="1800" b="0" i="0" dirty="0">
-                <a:solidFill>
-                  <a:srgbClr val="2E2E2E"/>
-                </a:solidFill>
-                <a:effectLst/>
-                <a:latin typeface="NexusSerif"/>
-              </a:rPr>
+              <a:rPr lang="en-US" altLang="zh-TW" sz="2000" dirty="0"/>
               <a:t> et al. Showed that mammalian m6A have a DRACH consensus motif (D = U, G or A; R = G or A; H = U, C or A) which can be denoted in an overlap 3-mer as {AAA, AGA, GGA, UGA,UAA, AAC, GAC, ACA, ACC, ACU, GAA}. These 3-mers are shown in the 2d-space in Fig. 2 from the learnt representation using word2vec. Fig. 2 is obtained by using t-distributed stochastic neighbor embedding (t-SNE) .</a:t>
             </a:r>
             <a:endParaRPr lang="zh-TW" altLang="en-US" sz="2000" dirty="0"/>
@@ -3954,6 +3780,13 @@
   <p:clrMapOvr>
     <a:masterClrMapping/>
   </p:clrMapOvr>
+  <p:timing>
+    <p:tnLst>
+      <p:par>
+        <p:cTn id="1" dur="indefinite" restart="never" nodeType="tmRoot"/>
+      </p:par>
+    </p:tnLst>
+  </p:timing>
 </p:sld>
 </file>
 
@@ -3979,7 +3812,7 @@
           <p:cNvPr id="2" name="標題 1">
             <a:extLst>
               <a:ext uri="{FF2B5EF4-FFF2-40B4-BE49-F238E27FC236}">
-                <a16:creationId xmlns:a16="http://schemas.microsoft.com/office/drawing/2014/main" id="{B327BF8D-6467-4EBF-B44B-80346A9EEF59}"/>
+                <a16:creationId xmlns:a16="http://schemas.microsoft.com/office/drawing/2014/main" xmlns="" id="{B327BF8D-6467-4EBF-B44B-80346A9EEF59}"/>
               </a:ext>
             </a:extLst>
           </p:cNvPr>
@@ -4015,7 +3848,7 @@
           <p:cNvPr id="5" name="內容版面配置區 4">
             <a:extLst>
               <a:ext uri="{FF2B5EF4-FFF2-40B4-BE49-F238E27FC236}">
-                <a16:creationId xmlns:a16="http://schemas.microsoft.com/office/drawing/2014/main" id="{EBB2CD34-09A0-4FF7-8678-16540CC54ACB}"/>
+                <a16:creationId xmlns:a16="http://schemas.microsoft.com/office/drawing/2014/main" xmlns="" id="{EBB2CD34-09A0-4FF7-8678-16540CC54ACB}"/>
               </a:ext>
             </a:extLst>
           </p:cNvPr>
@@ -4044,7 +3877,7 @@
           <p:cNvPr id="7" name="圖片 6">
             <a:extLst>
               <a:ext uri="{FF2B5EF4-FFF2-40B4-BE49-F238E27FC236}">
-                <a16:creationId xmlns:a16="http://schemas.microsoft.com/office/drawing/2014/main" id="{9E8D60E4-A865-48FC-868E-99CDD560E1A4}"/>
+                <a16:creationId xmlns:a16="http://schemas.microsoft.com/office/drawing/2014/main" xmlns="" id="{9E8D60E4-A865-48FC-868E-99CDD560E1A4}"/>
               </a:ext>
             </a:extLst>
           </p:cNvPr>
@@ -4079,6 +3912,13 @@
   <p:clrMapOvr>
     <a:masterClrMapping/>
   </p:clrMapOvr>
+  <p:timing>
+    <p:tnLst>
+      <p:par>
+        <p:cTn id="1" dur="indefinite" restart="never" nodeType="tmRoot"/>
+      </p:par>
+    </p:tnLst>
+  </p:timing>
 </p:sld>
 </file>
 
@@ -4104,7 +3944,7 @@
           <p:cNvPr id="2" name="標題 1">
             <a:extLst>
               <a:ext uri="{FF2B5EF4-FFF2-40B4-BE49-F238E27FC236}">
-                <a16:creationId xmlns:a16="http://schemas.microsoft.com/office/drawing/2014/main" id="{B327BF8D-6467-4EBF-B44B-80346A9EEF59}"/>
+                <a16:creationId xmlns:a16="http://schemas.microsoft.com/office/drawing/2014/main" xmlns="" id="{B327BF8D-6467-4EBF-B44B-80346A9EEF59}"/>
               </a:ext>
             </a:extLst>
           </p:cNvPr>
@@ -4140,7 +3980,7 @@
           <p:cNvPr id="3" name="內容版面配置區 2">
             <a:extLst>
               <a:ext uri="{FF2B5EF4-FFF2-40B4-BE49-F238E27FC236}">
-                <a16:creationId xmlns:a16="http://schemas.microsoft.com/office/drawing/2014/main" id="{86A79B69-B1D9-4145-B2E1-60D76BC2A679}"/>
+                <a16:creationId xmlns:a16="http://schemas.microsoft.com/office/drawing/2014/main" xmlns="" id="{86A79B69-B1D9-4145-B2E1-60D76BC2A679}"/>
               </a:ext>
             </a:extLst>
           </p:cNvPr>
@@ -4159,7 +3999,7 @@
         </p:spPr>
         <p:txBody>
           <a:bodyPr>
-            <a:normAutofit lnSpcReduction="10000"/>
+            <a:normAutofit fontScale="92500" lnSpcReduction="20000"/>
           </a:bodyPr>
           <a:lstStyle/>
           <a:p>
@@ -4177,13 +4017,7 @@
               <a:t>    </a:t>
             </a:r>
             <a:r>
-              <a:rPr lang="en-US" altLang="zh-TW" sz="1800" b="0" i="0" dirty="0">
-                <a:solidFill>
-                  <a:srgbClr val="2E2E2E"/>
-                </a:solidFill>
-                <a:effectLst/>
-                <a:latin typeface="NexusSerif"/>
-              </a:rPr>
+              <a:rPr lang="en-US" altLang="zh-TW" sz="2000" dirty="0"/>
               <a:t>The extracted feature representation for each sequence from the first step is used for training the proposed deep learning model which is a simple and efficient convolution neural network as shown in Fig. 1(b). The grid search algorithm is utilized for searching the best hyper-parameters. The input shape of the proposed model is  ( L-2 ) * 100 where L is the length of the input sequence. </a:t>
             </a:r>
           </a:p>
@@ -4192,23 +4026,11 @@
               <a:buNone/>
             </a:pPr>
             <a:r>
-              <a:rPr lang="zh-TW" altLang="en-US" sz="1800" b="0" i="0" dirty="0">
-                <a:solidFill>
-                  <a:srgbClr val="2E2E2E"/>
-                </a:solidFill>
-                <a:effectLst/>
-                <a:latin typeface="NexusSerif"/>
-              </a:rPr>
+              <a:rPr lang="zh-TW" altLang="en-US" sz="2000" dirty="0"/>
               <a:t>    </a:t>
             </a:r>
             <a:r>
-              <a:rPr lang="en-US" altLang="zh-TW" sz="1800" b="0" i="0" dirty="0">
-                <a:solidFill>
-                  <a:srgbClr val="2E2E2E"/>
-                </a:solidFill>
-                <a:effectLst/>
-                <a:latin typeface="NexusSerif"/>
-              </a:rPr>
+              <a:rPr lang="en-US" altLang="zh-TW" sz="2000" dirty="0"/>
               <a:t>It consists of two dilated convolution layers where the number of the filters is 32 and the size of the filter is 5 for both of them. The dilation rate is set to  d=1 and d=2 for the first and the second convolution layers, respectively. </a:t>
             </a:r>
           </a:p>
@@ -4217,62 +4039,23 @@
               <a:buNone/>
             </a:pPr>
             <a:r>
-              <a:rPr lang="en-US" altLang="zh-TW" sz="1800" dirty="0">
-                <a:solidFill>
-                  <a:srgbClr val="2E2E2E"/>
-                </a:solidFill>
-                <a:latin typeface="NexusSerif"/>
-              </a:rPr>
-              <a:t>    </a:t>
-            </a:r>
-            <a:r>
-              <a:rPr lang="en-US" altLang="zh-TW" sz="1800" b="0" i="0" dirty="0">
-                <a:solidFill>
-                  <a:srgbClr val="2E2E2E"/>
-                </a:solidFill>
-                <a:effectLst/>
-                <a:latin typeface="NexusSerif"/>
-              </a:rPr>
-              <a:t>Dilated convolution produces exponentially larger receptive field with less number of layers with comparison to conventional convolution layers. Each layer is followed by rectified linear unit (</a:t>
-            </a:r>
-            <a:r>
-              <a:rPr lang="en-US" altLang="zh-TW" sz="1800" b="0" i="0" dirty="0" err="1">
-                <a:solidFill>
-                  <a:srgbClr val="2E2E2E"/>
-                </a:solidFill>
-                <a:effectLst/>
-                <a:latin typeface="NexusSerif"/>
-              </a:rPr>
+              <a:rPr lang="en-US" altLang="zh-TW" sz="2000" dirty="0"/>
+              <a:t>    Dilated convolution produces exponentially larger receptive field with less number of layers with comparison to conventional convolution layers. Each layer is followed by rectified linear unit (</a:t>
+            </a:r>
+            <a:r>
+              <a:rPr lang="en-US" altLang="zh-TW" sz="2000" dirty="0" err="1"/>
               <a:t>ReLU</a:t>
             </a:r>
             <a:r>
-              <a:rPr lang="en-US" altLang="zh-TW" sz="1800" b="0" i="0" dirty="0">
-                <a:solidFill>
-                  <a:srgbClr val="2E2E2E"/>
-                </a:solidFill>
-                <a:effectLst/>
-                <a:latin typeface="NexusSerif"/>
-              </a:rPr>
+              <a:rPr lang="en-US" altLang="zh-TW" sz="2000" dirty="0"/>
               <a:t>) activation function. Alpha dropout is used in order to retain the variance and the mean of the inputs to their original values after applying dropout . The dropout probability is set to 0.2. The generated features of the dilated convolution layers are averaged using average pooling operator with window size equals to 4 and then passed to two fully connected layers. The first layer has 128 nodes and followed by </a:t>
             </a:r>
             <a:r>
-              <a:rPr lang="en-US" altLang="zh-TW" sz="1800" b="0" i="0" dirty="0" err="1">
-                <a:solidFill>
-                  <a:srgbClr val="2E2E2E"/>
-                </a:solidFill>
-                <a:effectLst/>
-                <a:latin typeface="NexusSerif"/>
-              </a:rPr>
+              <a:rPr lang="en-US" altLang="zh-TW" sz="2000" dirty="0" err="1"/>
               <a:t>ReLU</a:t>
             </a:r>
             <a:r>
-              <a:rPr lang="en-US" altLang="zh-TW" sz="1800" b="0" i="0" dirty="0">
-                <a:solidFill>
-                  <a:srgbClr val="2E2E2E"/>
-                </a:solidFill>
-                <a:effectLst/>
-                <a:latin typeface="NexusSerif"/>
-              </a:rPr>
+              <a:rPr lang="en-US" altLang="zh-TW" sz="2000" dirty="0"/>
               <a:t> activation function and alpha dropout with probability of 0.2. On the other hand, the second fully connected layer has only one node with sigmoid activation function for prediction.</a:t>
             </a:r>
             <a:endParaRPr lang="zh-TW" altLang="en-US" sz="2000" dirty="0"/>
@@ -4284,7 +4067,7 @@
           <p:cNvPr id="5" name="圖片 4">
             <a:extLst>
               <a:ext uri="{FF2B5EF4-FFF2-40B4-BE49-F238E27FC236}">
-                <a16:creationId xmlns:a16="http://schemas.microsoft.com/office/drawing/2014/main" id="{6E5F47E5-692C-4098-ADDA-0C01086811F4}"/>
+                <a16:creationId xmlns:a16="http://schemas.microsoft.com/office/drawing/2014/main" xmlns="" id="{6E5F47E5-692C-4098-ADDA-0C01086811F4}"/>
               </a:ext>
             </a:extLst>
           </p:cNvPr>
@@ -4319,6 +4102,13 @@
   <p:clrMapOvr>
     <a:masterClrMapping/>
   </p:clrMapOvr>
+  <p:timing>
+    <p:tnLst>
+      <p:par>
+        <p:cTn id="1" dur="indefinite" restart="never" nodeType="tmRoot"/>
+      </p:par>
+    </p:tnLst>
+  </p:timing>
 </p:sld>
 </file>
 
@@ -4344,7 +4134,7 @@
           <p:cNvPr id="2" name="標題 1">
             <a:extLst>
               <a:ext uri="{FF2B5EF4-FFF2-40B4-BE49-F238E27FC236}">
-                <a16:creationId xmlns:a16="http://schemas.microsoft.com/office/drawing/2014/main" id="{B327BF8D-6467-4EBF-B44B-80346A9EEF59}"/>
+                <a16:creationId xmlns:a16="http://schemas.microsoft.com/office/drawing/2014/main" xmlns="" id="{B327BF8D-6467-4EBF-B44B-80346A9EEF59}"/>
               </a:ext>
             </a:extLst>
           </p:cNvPr>
@@ -4380,7 +4170,7 @@
           <p:cNvPr id="8" name="圖片 7">
             <a:extLst>
               <a:ext uri="{FF2B5EF4-FFF2-40B4-BE49-F238E27FC236}">
-                <a16:creationId xmlns:a16="http://schemas.microsoft.com/office/drawing/2014/main" id="{B5EFB42C-7B03-4784-B2BD-4A55318B8D90}"/>
+                <a16:creationId xmlns:a16="http://schemas.microsoft.com/office/drawing/2014/main" xmlns="" id="{B5EFB42C-7B03-4784-B2BD-4A55318B8D90}"/>
               </a:ext>
             </a:extLst>
           </p:cNvPr>
@@ -4410,7 +4200,7 @@
           <p:cNvPr id="9" name="文字方塊 8">
             <a:extLst>
               <a:ext uri="{FF2B5EF4-FFF2-40B4-BE49-F238E27FC236}">
-                <a16:creationId xmlns:a16="http://schemas.microsoft.com/office/drawing/2014/main" id="{B2D63795-7422-440D-B0CA-ABE66629BB5C}"/>
+                <a16:creationId xmlns:a16="http://schemas.microsoft.com/office/drawing/2014/main" xmlns="" id="{B2D63795-7422-440D-B0CA-ABE66629BB5C}"/>
               </a:ext>
             </a:extLst>
           </p:cNvPr>
@@ -4681,6 +4471,13 @@
   <p:clrMapOvr>
     <a:masterClrMapping/>
   </p:clrMapOvr>
+  <p:timing>
+    <p:tnLst>
+      <p:par>
+        <p:cTn id="1" dur="indefinite" restart="never" nodeType="tmRoot"/>
+      </p:par>
+    </p:tnLst>
+  </p:timing>
 </p:sld>
 </file>
 
@@ -4706,7 +4503,7 @@
           <p:cNvPr id="2" name="標題 1">
             <a:extLst>
               <a:ext uri="{FF2B5EF4-FFF2-40B4-BE49-F238E27FC236}">
-                <a16:creationId xmlns:a16="http://schemas.microsoft.com/office/drawing/2014/main" id="{B327BF8D-6467-4EBF-B44B-80346A9EEF59}"/>
+                <a16:creationId xmlns:a16="http://schemas.microsoft.com/office/drawing/2014/main" xmlns="" id="{B327BF8D-6467-4EBF-B44B-80346A9EEF59}"/>
               </a:ext>
             </a:extLst>
           </p:cNvPr>
@@ -4742,7 +4539,7 @@
           <p:cNvPr id="8" name="表格 8">
             <a:extLst>
               <a:ext uri="{FF2B5EF4-FFF2-40B4-BE49-F238E27FC236}">
-                <a16:creationId xmlns:a16="http://schemas.microsoft.com/office/drawing/2014/main" id="{20959A5A-9982-4C8A-9C0D-5B3F5C4C2CE6}"/>
+                <a16:creationId xmlns:a16="http://schemas.microsoft.com/office/drawing/2014/main" xmlns="" id="{20959A5A-9982-4C8A-9C0D-5B3F5C4C2CE6}"/>
               </a:ext>
             </a:extLst>
           </p:cNvPr>
@@ -4771,35 +4568,35 @@
                 <a:gridCol w="1520717">
                   <a:extLst>
                     <a:ext uri="{9D8B030D-6E8A-4147-A177-3AD203B41FA5}">
-                      <a16:colId xmlns:a16="http://schemas.microsoft.com/office/drawing/2014/main" val="2168154750"/>
+                      <a16:colId xmlns:a16="http://schemas.microsoft.com/office/drawing/2014/main" xmlns="" val="2168154750"/>
                     </a:ext>
                   </a:extLst>
                 </a:gridCol>
                 <a:gridCol w="1513475">
                   <a:extLst>
                     <a:ext uri="{9D8B030D-6E8A-4147-A177-3AD203B41FA5}">
-                      <a16:colId xmlns:a16="http://schemas.microsoft.com/office/drawing/2014/main" val="985010354"/>
+                      <a16:colId xmlns:a16="http://schemas.microsoft.com/office/drawing/2014/main" xmlns="" val="985010354"/>
                     </a:ext>
                   </a:extLst>
                 </a:gridCol>
                 <a:gridCol w="1862514">
                   <a:extLst>
                     <a:ext uri="{9D8B030D-6E8A-4147-A177-3AD203B41FA5}">
-                      <a16:colId xmlns:a16="http://schemas.microsoft.com/office/drawing/2014/main" val="3139839787"/>
+                      <a16:colId xmlns:a16="http://schemas.microsoft.com/office/drawing/2014/main" xmlns="" val="3139839787"/>
                     </a:ext>
                   </a:extLst>
                 </a:gridCol>
                 <a:gridCol w="1632235">
                   <a:extLst>
                     <a:ext uri="{9D8B030D-6E8A-4147-A177-3AD203B41FA5}">
-                      <a16:colId xmlns:a16="http://schemas.microsoft.com/office/drawing/2014/main" val="1535782996"/>
+                      <a16:colId xmlns:a16="http://schemas.microsoft.com/office/drawing/2014/main" xmlns="" val="1535782996"/>
                     </a:ext>
                   </a:extLst>
                 </a:gridCol>
                 <a:gridCol w="1632235">
                   <a:extLst>
                     <a:ext uri="{9D8B030D-6E8A-4147-A177-3AD203B41FA5}">
-                      <a16:colId xmlns:a16="http://schemas.microsoft.com/office/drawing/2014/main" val="767919209"/>
+                      <a16:colId xmlns:a16="http://schemas.microsoft.com/office/drawing/2014/main" xmlns="" val="767919209"/>
                     </a:ext>
                   </a:extLst>
                 </a:gridCol>
@@ -4865,7 +4662,7 @@
                 </a:tc>
                 <a:extLst>
                   <a:ext uri="{0D108BD9-81ED-4DB2-BD59-A6C34878D82A}">
-                    <a16:rowId xmlns:a16="http://schemas.microsoft.com/office/drawing/2014/main" val="1536723712"/>
+                    <a16:rowId xmlns:a16="http://schemas.microsoft.com/office/drawing/2014/main" xmlns="" val="1536723712"/>
                   </a:ext>
                 </a:extLst>
               </a:tr>
@@ -4958,7 +4755,7 @@
                 </a:tc>
                 <a:extLst>
                   <a:ext uri="{0D108BD9-81ED-4DB2-BD59-A6C34878D82A}">
-                    <a16:rowId xmlns:a16="http://schemas.microsoft.com/office/drawing/2014/main" val="1918596840"/>
+                    <a16:rowId xmlns:a16="http://schemas.microsoft.com/office/drawing/2014/main" xmlns="" val="1918596840"/>
                   </a:ext>
                 </a:extLst>
               </a:tr>
@@ -5092,7 +4889,7 @@
                 </a:tc>
                 <a:extLst>
                   <a:ext uri="{0D108BD9-81ED-4DB2-BD59-A6C34878D82A}">
-                    <a16:rowId xmlns:a16="http://schemas.microsoft.com/office/drawing/2014/main" val="1441957202"/>
+                    <a16:rowId xmlns:a16="http://schemas.microsoft.com/office/drawing/2014/main" xmlns="" val="1441957202"/>
                   </a:ext>
                 </a:extLst>
               </a:tr>
@@ -5185,7 +4982,7 @@
                 </a:tc>
                 <a:extLst>
                   <a:ext uri="{0D108BD9-81ED-4DB2-BD59-A6C34878D82A}">
-                    <a16:rowId xmlns:a16="http://schemas.microsoft.com/office/drawing/2014/main" val="2968845886"/>
+                    <a16:rowId xmlns:a16="http://schemas.microsoft.com/office/drawing/2014/main" xmlns="" val="2968845886"/>
                   </a:ext>
                 </a:extLst>
               </a:tr>
@@ -5319,7 +5116,7 @@
                 </a:tc>
                 <a:extLst>
                   <a:ext uri="{0D108BD9-81ED-4DB2-BD59-A6C34878D82A}">
-                    <a16:rowId xmlns:a16="http://schemas.microsoft.com/office/drawing/2014/main" val="1178762902"/>
+                    <a16:rowId xmlns:a16="http://schemas.microsoft.com/office/drawing/2014/main" xmlns="" val="1178762902"/>
                   </a:ext>
                 </a:extLst>
               </a:tr>
@@ -5412,7 +5209,7 @@
                 </a:tc>
                 <a:extLst>
                   <a:ext uri="{0D108BD9-81ED-4DB2-BD59-A6C34878D82A}">
-                    <a16:rowId xmlns:a16="http://schemas.microsoft.com/office/drawing/2014/main" val="1885680885"/>
+                    <a16:rowId xmlns:a16="http://schemas.microsoft.com/office/drawing/2014/main" xmlns="" val="1885680885"/>
                   </a:ext>
                 </a:extLst>
               </a:tr>
@@ -5497,7 +5294,7 @@
                 </a:tc>
                 <a:extLst>
                   <a:ext uri="{0D108BD9-81ED-4DB2-BD59-A6C34878D82A}">
-                    <a16:rowId xmlns:a16="http://schemas.microsoft.com/office/drawing/2014/main" val="143062961"/>
+                    <a16:rowId xmlns:a16="http://schemas.microsoft.com/office/drawing/2014/main" xmlns="" val="143062961"/>
                   </a:ext>
                 </a:extLst>
               </a:tr>
@@ -5635,7 +5432,7 @@
                 </a:tc>
                 <a:extLst>
                   <a:ext uri="{0D108BD9-81ED-4DB2-BD59-A6C34878D82A}">
-                    <a16:rowId xmlns:a16="http://schemas.microsoft.com/office/drawing/2014/main" val="804230170"/>
+                    <a16:rowId xmlns:a16="http://schemas.microsoft.com/office/drawing/2014/main" xmlns="" val="804230170"/>
                   </a:ext>
                 </a:extLst>
               </a:tr>
@@ -5769,7 +5566,7 @@
                 </a:tc>
                 <a:extLst>
                   <a:ext uri="{0D108BD9-81ED-4DB2-BD59-A6C34878D82A}">
-                    <a16:rowId xmlns:a16="http://schemas.microsoft.com/office/drawing/2014/main" val="2527007714"/>
+                    <a16:rowId xmlns:a16="http://schemas.microsoft.com/office/drawing/2014/main" xmlns="" val="2527007714"/>
                   </a:ext>
                 </a:extLst>
               </a:tr>
@@ -5903,7 +5700,7 @@
                 </a:tc>
                 <a:extLst>
                   <a:ext uri="{0D108BD9-81ED-4DB2-BD59-A6C34878D82A}">
-                    <a16:rowId xmlns:a16="http://schemas.microsoft.com/office/drawing/2014/main" val="1583738132"/>
+                    <a16:rowId xmlns:a16="http://schemas.microsoft.com/office/drawing/2014/main" xmlns="" val="1583738132"/>
                   </a:ext>
                 </a:extLst>
               </a:tr>
@@ -5916,7 +5713,7 @@
           <p:cNvPr id="9" name="圖片 8">
             <a:extLst>
               <a:ext uri="{FF2B5EF4-FFF2-40B4-BE49-F238E27FC236}">
-                <a16:creationId xmlns:a16="http://schemas.microsoft.com/office/drawing/2014/main" id="{8C28960B-DE12-4500-98CA-1002D4358139}"/>
+                <a16:creationId xmlns:a16="http://schemas.microsoft.com/office/drawing/2014/main" xmlns="" id="{8C28960B-DE12-4500-98CA-1002D4358139}"/>
               </a:ext>
             </a:extLst>
           </p:cNvPr>
@@ -5951,6 +5748,13 @@
   <p:clrMapOvr>
     <a:masterClrMapping/>
   </p:clrMapOvr>
+  <p:timing>
+    <p:tnLst>
+      <p:par>
+        <p:cTn id="1" dur="indefinite" restart="never" nodeType="tmRoot"/>
+      </p:par>
+    </p:tnLst>
+  </p:timing>
 </p:sld>
 </file>
 
@@ -5976,7 +5780,7 @@
           <p:cNvPr id="2" name="標題 1">
             <a:extLst>
               <a:ext uri="{FF2B5EF4-FFF2-40B4-BE49-F238E27FC236}">
-                <a16:creationId xmlns:a16="http://schemas.microsoft.com/office/drawing/2014/main" id="{B327BF8D-6467-4EBF-B44B-80346A9EEF59}"/>
+                <a16:creationId xmlns:a16="http://schemas.microsoft.com/office/drawing/2014/main" xmlns="" id="{B327BF8D-6467-4EBF-B44B-80346A9EEF59}"/>
               </a:ext>
             </a:extLst>
           </p:cNvPr>
@@ -6012,7 +5816,7 @@
           <p:cNvPr id="7" name="圖片 6">
             <a:extLst>
               <a:ext uri="{FF2B5EF4-FFF2-40B4-BE49-F238E27FC236}">
-                <a16:creationId xmlns:a16="http://schemas.microsoft.com/office/drawing/2014/main" id="{E07D5544-7682-405F-9982-2F2667C7612A}"/>
+                <a16:creationId xmlns:a16="http://schemas.microsoft.com/office/drawing/2014/main" xmlns="" id="{E07D5544-7682-405F-9982-2F2667C7612A}"/>
               </a:ext>
             </a:extLst>
           </p:cNvPr>
@@ -6042,7 +5846,7 @@
           <p:cNvPr id="9" name="圖片 8">
             <a:extLst>
               <a:ext uri="{FF2B5EF4-FFF2-40B4-BE49-F238E27FC236}">
-                <a16:creationId xmlns:a16="http://schemas.microsoft.com/office/drawing/2014/main" id="{5842A72F-57C7-44C6-9427-522186158C60}"/>
+                <a16:creationId xmlns:a16="http://schemas.microsoft.com/office/drawing/2014/main" xmlns="" id="{5842A72F-57C7-44C6-9427-522186158C60}"/>
               </a:ext>
             </a:extLst>
           </p:cNvPr>
@@ -6077,6 +5881,13 @@
   <p:clrMapOvr>
     <a:masterClrMapping/>
   </p:clrMapOvr>
+  <p:timing>
+    <p:tnLst>
+      <p:par>
+        <p:cTn id="1" dur="indefinite" restart="never" nodeType="tmRoot"/>
+      </p:par>
+    </p:tnLst>
+  </p:timing>
 </p:sld>
 </file>
 
@@ -6102,7 +5913,7 @@
           <p:cNvPr id="2" name="標題 1">
             <a:extLst>
               <a:ext uri="{FF2B5EF4-FFF2-40B4-BE49-F238E27FC236}">
-                <a16:creationId xmlns:a16="http://schemas.microsoft.com/office/drawing/2014/main" id="{B327BF8D-6467-4EBF-B44B-80346A9EEF59}"/>
+                <a16:creationId xmlns:a16="http://schemas.microsoft.com/office/drawing/2014/main" xmlns="" id="{B327BF8D-6467-4EBF-B44B-80346A9EEF59}"/>
               </a:ext>
             </a:extLst>
           </p:cNvPr>
@@ -6138,7 +5949,7 @@
           <p:cNvPr id="3" name="內容版面配置區 2">
             <a:extLst>
               <a:ext uri="{FF2B5EF4-FFF2-40B4-BE49-F238E27FC236}">
-                <a16:creationId xmlns:a16="http://schemas.microsoft.com/office/drawing/2014/main" id="{86A79B69-B1D9-4145-B2E1-60D76BC2A679}"/>
+                <a16:creationId xmlns:a16="http://schemas.microsoft.com/office/drawing/2014/main" xmlns="" id="{86A79B69-B1D9-4145-B2E1-60D76BC2A679}"/>
               </a:ext>
             </a:extLst>
           </p:cNvPr>
@@ -6189,7 +6000,7 @@
           <p:cNvPr id="5" name="圖片 4">
             <a:extLst>
               <a:ext uri="{FF2B5EF4-FFF2-40B4-BE49-F238E27FC236}">
-                <a16:creationId xmlns:a16="http://schemas.microsoft.com/office/drawing/2014/main" id="{00832DA9-22B9-4918-BE70-5D836A7E0F58}"/>
+                <a16:creationId xmlns:a16="http://schemas.microsoft.com/office/drawing/2014/main" xmlns="" id="{00832DA9-22B9-4918-BE70-5D836A7E0F58}"/>
               </a:ext>
             </a:extLst>
           </p:cNvPr>
@@ -6224,6 +6035,13 @@
   <p:clrMapOvr>
     <a:masterClrMapping/>
   </p:clrMapOvr>
+  <p:timing>
+    <p:tnLst>
+      <p:par>
+        <p:cTn id="1" dur="indefinite" restart="never" nodeType="tmRoot"/>
+      </p:par>
+    </p:tnLst>
+  </p:timing>
 </p:sld>
 </file>
 
@@ -6249,7 +6067,7 @@
           <p:cNvPr id="2" name="標題 1">
             <a:extLst>
               <a:ext uri="{FF2B5EF4-FFF2-40B4-BE49-F238E27FC236}">
-                <a16:creationId xmlns:a16="http://schemas.microsoft.com/office/drawing/2014/main" id="{B327BF8D-6467-4EBF-B44B-80346A9EEF59}"/>
+                <a16:creationId xmlns:a16="http://schemas.microsoft.com/office/drawing/2014/main" xmlns="" id="{B327BF8D-6467-4EBF-B44B-80346A9EEF59}"/>
               </a:ext>
             </a:extLst>
           </p:cNvPr>
@@ -6285,7 +6103,7 @@
           <p:cNvPr id="3" name="內容版面配置區 2">
             <a:extLst>
               <a:ext uri="{FF2B5EF4-FFF2-40B4-BE49-F238E27FC236}">
-                <a16:creationId xmlns:a16="http://schemas.microsoft.com/office/drawing/2014/main" id="{86A79B69-B1D9-4145-B2E1-60D76BC2A679}"/>
+                <a16:creationId xmlns:a16="http://schemas.microsoft.com/office/drawing/2014/main" xmlns="" id="{86A79B69-B1D9-4145-B2E1-60D76BC2A679}"/>
               </a:ext>
             </a:extLst>
           </p:cNvPr>
@@ -6349,7 +6167,7 @@
           <p:cNvPr id="6" name="圖片 5">
             <a:extLst>
               <a:ext uri="{FF2B5EF4-FFF2-40B4-BE49-F238E27FC236}">
-                <a16:creationId xmlns:a16="http://schemas.microsoft.com/office/drawing/2014/main" id="{297E50D0-266B-4FAE-8E84-B83414C87D2F}"/>
+                <a16:creationId xmlns:a16="http://schemas.microsoft.com/office/drawing/2014/main" xmlns="" id="{297E50D0-266B-4FAE-8E84-B83414C87D2F}"/>
               </a:ext>
             </a:extLst>
           </p:cNvPr>
@@ -6384,6 +6202,13 @@
   <p:clrMapOvr>
     <a:masterClrMapping/>
   </p:clrMapOvr>
+  <p:timing>
+    <p:tnLst>
+      <p:par>
+        <p:cTn id="1" dur="indefinite" restart="never" nodeType="tmRoot"/>
+      </p:par>
+    </p:tnLst>
+  </p:timing>
 </p:sld>
 </file>
 
@@ -6409,7 +6234,7 @@
           <p:cNvPr id="2" name="標題 1">
             <a:extLst>
               <a:ext uri="{FF2B5EF4-FFF2-40B4-BE49-F238E27FC236}">
-                <a16:creationId xmlns:a16="http://schemas.microsoft.com/office/drawing/2014/main" id="{B327BF8D-6467-4EBF-B44B-80346A9EEF59}"/>
+                <a16:creationId xmlns:a16="http://schemas.microsoft.com/office/drawing/2014/main" xmlns="" id="{B327BF8D-6467-4EBF-B44B-80346A9EEF59}"/>
               </a:ext>
             </a:extLst>
           </p:cNvPr>
@@ -6445,7 +6270,7 @@
           <p:cNvPr id="3" name="內容版面配置區 2">
             <a:extLst>
               <a:ext uri="{FF2B5EF4-FFF2-40B4-BE49-F238E27FC236}">
-                <a16:creationId xmlns:a16="http://schemas.microsoft.com/office/drawing/2014/main" id="{86A79B69-B1D9-4145-B2E1-60D76BC2A679}"/>
+                <a16:creationId xmlns:a16="http://schemas.microsoft.com/office/drawing/2014/main" xmlns="" id="{86A79B69-B1D9-4145-B2E1-60D76BC2A679}"/>
               </a:ext>
             </a:extLst>
           </p:cNvPr>
@@ -6488,7 +6313,7 @@
           <p:cNvPr id="5" name="圖片 4">
             <a:extLst>
               <a:ext uri="{FF2B5EF4-FFF2-40B4-BE49-F238E27FC236}">
-                <a16:creationId xmlns:a16="http://schemas.microsoft.com/office/drawing/2014/main" id="{3A1F3666-D0CF-4CF2-AF02-FE7E22E8A3EE}"/>
+                <a16:creationId xmlns:a16="http://schemas.microsoft.com/office/drawing/2014/main" xmlns="" id="{3A1F3666-D0CF-4CF2-AF02-FE7E22E8A3EE}"/>
               </a:ext>
             </a:extLst>
           </p:cNvPr>
@@ -6518,7 +6343,7 @@
           <p:cNvPr id="6" name="文字方塊 5">
             <a:extLst>
               <a:ext uri="{FF2B5EF4-FFF2-40B4-BE49-F238E27FC236}">
-                <a16:creationId xmlns:a16="http://schemas.microsoft.com/office/drawing/2014/main" id="{744C794C-B57C-480A-9481-7DDEAD785E94}"/>
+                <a16:creationId xmlns:a16="http://schemas.microsoft.com/office/drawing/2014/main" xmlns="" id="{744C794C-B57C-480A-9481-7DDEAD785E94}"/>
               </a:ext>
             </a:extLst>
           </p:cNvPr>
@@ -6554,7 +6379,7 @@
           <p:cNvPr id="7" name="文字方塊 6">
             <a:extLst>
               <a:ext uri="{FF2B5EF4-FFF2-40B4-BE49-F238E27FC236}">
-                <a16:creationId xmlns:a16="http://schemas.microsoft.com/office/drawing/2014/main" id="{E1AAF4CE-0E2A-435F-B96E-701001A4B16C}"/>
+                <a16:creationId xmlns:a16="http://schemas.microsoft.com/office/drawing/2014/main" xmlns="" id="{E1AAF4CE-0E2A-435F-B96E-701001A4B16C}"/>
               </a:ext>
             </a:extLst>
           </p:cNvPr>
@@ -6590,7 +6415,7 @@
           <p:cNvPr id="8" name="文字方塊 7">
             <a:extLst>
               <a:ext uri="{FF2B5EF4-FFF2-40B4-BE49-F238E27FC236}">
-                <a16:creationId xmlns:a16="http://schemas.microsoft.com/office/drawing/2014/main" id="{0E527870-AB8D-491F-AA9F-3BC756126D91}"/>
+                <a16:creationId xmlns:a16="http://schemas.microsoft.com/office/drawing/2014/main" xmlns="" id="{0E527870-AB8D-491F-AA9F-3BC756126D91}"/>
               </a:ext>
             </a:extLst>
           </p:cNvPr>
@@ -6631,6 +6456,13 @@
   <p:clrMapOvr>
     <a:masterClrMapping/>
   </p:clrMapOvr>
+  <p:timing>
+    <p:tnLst>
+      <p:par>
+        <p:cTn id="1" dur="indefinite" restart="never" nodeType="tmRoot"/>
+      </p:par>
+    </p:tnLst>
+  </p:timing>
 </p:sld>
 </file>
 
@@ -6656,7 +6488,7 @@
           <p:cNvPr id="5" name="圖片 4">
             <a:extLst>
               <a:ext uri="{FF2B5EF4-FFF2-40B4-BE49-F238E27FC236}">
-                <a16:creationId xmlns:a16="http://schemas.microsoft.com/office/drawing/2014/main" id="{9314F26A-5DA1-463B-AB0D-E1067F021F52}"/>
+                <a16:creationId xmlns:a16="http://schemas.microsoft.com/office/drawing/2014/main" xmlns="" id="{9314F26A-5DA1-463B-AB0D-E1067F021F52}"/>
               </a:ext>
             </a:extLst>
           </p:cNvPr>
@@ -6691,6 +6523,13 @@
   <p:clrMapOvr>
     <a:masterClrMapping/>
   </p:clrMapOvr>
+  <p:timing>
+    <p:tnLst>
+      <p:par>
+        <p:cTn id="1" dur="indefinite" restart="never" nodeType="tmRoot"/>
+      </p:par>
+    </p:tnLst>
+  </p:timing>
 </p:sld>
 </file>
 
@@ -6716,7 +6555,7 @@
           <p:cNvPr id="2" name="標題 1">
             <a:extLst>
               <a:ext uri="{FF2B5EF4-FFF2-40B4-BE49-F238E27FC236}">
-                <a16:creationId xmlns:a16="http://schemas.microsoft.com/office/drawing/2014/main" id="{B327BF8D-6467-4EBF-B44B-80346A9EEF59}"/>
+                <a16:creationId xmlns:a16="http://schemas.microsoft.com/office/drawing/2014/main" xmlns="" id="{B327BF8D-6467-4EBF-B44B-80346A9EEF59}"/>
               </a:ext>
             </a:extLst>
           </p:cNvPr>
@@ -6752,7 +6591,7 @@
           <p:cNvPr id="3" name="內容版面配置區 2">
             <a:extLst>
               <a:ext uri="{FF2B5EF4-FFF2-40B4-BE49-F238E27FC236}">
-                <a16:creationId xmlns:a16="http://schemas.microsoft.com/office/drawing/2014/main" id="{86A79B69-B1D9-4145-B2E1-60D76BC2A679}"/>
+                <a16:creationId xmlns:a16="http://schemas.microsoft.com/office/drawing/2014/main" xmlns="" id="{86A79B69-B1D9-4145-B2E1-60D76BC2A679}"/>
               </a:ext>
             </a:extLst>
           </p:cNvPr>
@@ -6795,7 +6634,7 @@
           <p:cNvPr id="6" name="圖片 5">
             <a:extLst>
               <a:ext uri="{FF2B5EF4-FFF2-40B4-BE49-F238E27FC236}">
-                <a16:creationId xmlns:a16="http://schemas.microsoft.com/office/drawing/2014/main" id="{1AF5C146-AF61-4340-A746-6135E8198FA2}"/>
+                <a16:creationId xmlns:a16="http://schemas.microsoft.com/office/drawing/2014/main" xmlns="" id="{1AF5C146-AF61-4340-A746-6135E8198FA2}"/>
               </a:ext>
             </a:extLst>
           </p:cNvPr>
@@ -6830,6 +6669,13 @@
   <p:clrMapOvr>
     <a:masterClrMapping/>
   </p:clrMapOvr>
+  <p:timing>
+    <p:tnLst>
+      <p:par>
+        <p:cTn id="1" dur="indefinite" restart="never" nodeType="tmRoot"/>
+      </p:par>
+    </p:tnLst>
+  </p:timing>
 </p:sld>
 </file>
 
@@ -6855,7 +6701,7 @@
           <p:cNvPr id="2" name="標題 1">
             <a:extLst>
               <a:ext uri="{FF2B5EF4-FFF2-40B4-BE49-F238E27FC236}">
-                <a16:creationId xmlns:a16="http://schemas.microsoft.com/office/drawing/2014/main" id="{B327BF8D-6467-4EBF-B44B-80346A9EEF59}"/>
+                <a16:creationId xmlns:a16="http://schemas.microsoft.com/office/drawing/2014/main" xmlns="" id="{B327BF8D-6467-4EBF-B44B-80346A9EEF59}"/>
               </a:ext>
             </a:extLst>
           </p:cNvPr>
@@ -6891,7 +6737,7 @@
           <p:cNvPr id="3" name="內容版面配置區 2">
             <a:extLst>
               <a:ext uri="{FF2B5EF4-FFF2-40B4-BE49-F238E27FC236}">
-                <a16:creationId xmlns:a16="http://schemas.microsoft.com/office/drawing/2014/main" id="{86A79B69-B1D9-4145-B2E1-60D76BC2A679}"/>
+                <a16:creationId xmlns:a16="http://schemas.microsoft.com/office/drawing/2014/main" xmlns="" id="{86A79B69-B1D9-4145-B2E1-60D76BC2A679}"/>
               </a:ext>
             </a:extLst>
           </p:cNvPr>
@@ -6942,7 +6788,7 @@
           <p:cNvPr id="5" name="圖片 4">
             <a:extLst>
               <a:ext uri="{FF2B5EF4-FFF2-40B4-BE49-F238E27FC236}">
-                <a16:creationId xmlns:a16="http://schemas.microsoft.com/office/drawing/2014/main" id="{0A04C044-6F35-4F40-8207-DE31F3EF7875}"/>
+                <a16:creationId xmlns:a16="http://schemas.microsoft.com/office/drawing/2014/main" xmlns="" id="{0A04C044-6F35-4F40-8207-DE31F3EF7875}"/>
               </a:ext>
             </a:extLst>
           </p:cNvPr>
@@ -6977,6 +6823,13 @@
   <p:clrMapOvr>
     <a:masterClrMapping/>
   </p:clrMapOvr>
+  <p:timing>
+    <p:tnLst>
+      <p:par>
+        <p:cTn id="1" dur="indefinite" restart="never" nodeType="tmRoot"/>
+      </p:par>
+    </p:tnLst>
+  </p:timing>
 </p:sld>
 </file>
 
@@ -7002,7 +6855,7 @@
           <p:cNvPr id="2" name="標題 1">
             <a:extLst>
               <a:ext uri="{FF2B5EF4-FFF2-40B4-BE49-F238E27FC236}">
-                <a16:creationId xmlns:a16="http://schemas.microsoft.com/office/drawing/2014/main" id="{B327BF8D-6467-4EBF-B44B-80346A9EEF59}"/>
+                <a16:creationId xmlns:a16="http://schemas.microsoft.com/office/drawing/2014/main" xmlns="" id="{B327BF8D-6467-4EBF-B44B-80346A9EEF59}"/>
               </a:ext>
             </a:extLst>
           </p:cNvPr>
@@ -7038,7 +6891,7 @@
           <p:cNvPr id="3" name="內容版面配置區 2">
             <a:extLst>
               <a:ext uri="{FF2B5EF4-FFF2-40B4-BE49-F238E27FC236}">
-                <a16:creationId xmlns:a16="http://schemas.microsoft.com/office/drawing/2014/main" id="{86A79B69-B1D9-4145-B2E1-60D76BC2A679}"/>
+                <a16:creationId xmlns:a16="http://schemas.microsoft.com/office/drawing/2014/main" xmlns="" id="{86A79B69-B1D9-4145-B2E1-60D76BC2A679}"/>
               </a:ext>
             </a:extLst>
           </p:cNvPr>
@@ -7104,6 +6957,13 @@
   <p:clrMapOvr>
     <a:masterClrMapping/>
   </p:clrMapOvr>
+  <p:timing>
+    <p:tnLst>
+      <p:par>
+        <p:cTn id="1" dur="indefinite" restart="never" nodeType="tmRoot"/>
+      </p:par>
+    </p:tnLst>
+  </p:timing>
 </p:sld>
 </file>
 
@@ -7129,7 +6989,7 @@
           <p:cNvPr id="2" name="標題 1">
             <a:extLst>
               <a:ext uri="{FF2B5EF4-FFF2-40B4-BE49-F238E27FC236}">
-                <a16:creationId xmlns:a16="http://schemas.microsoft.com/office/drawing/2014/main" id="{B327BF8D-6467-4EBF-B44B-80346A9EEF59}"/>
+                <a16:creationId xmlns:a16="http://schemas.microsoft.com/office/drawing/2014/main" xmlns="" id="{B327BF8D-6467-4EBF-B44B-80346A9EEF59}"/>
               </a:ext>
             </a:extLst>
           </p:cNvPr>
@@ -7165,7 +7025,7 @@
           <p:cNvPr id="3" name="內容版面配置區 2">
             <a:extLst>
               <a:ext uri="{FF2B5EF4-FFF2-40B4-BE49-F238E27FC236}">
-                <a16:creationId xmlns:a16="http://schemas.microsoft.com/office/drawing/2014/main" id="{86A79B69-B1D9-4145-B2E1-60D76BC2A679}"/>
+                <a16:creationId xmlns:a16="http://schemas.microsoft.com/office/drawing/2014/main" xmlns="" id="{86A79B69-B1D9-4145-B2E1-60D76BC2A679}"/>
               </a:ext>
             </a:extLst>
           </p:cNvPr>
@@ -7247,7 +7107,31 @@
             </a:r>
             <a:r>
               <a:rPr lang="en-US" altLang="zh-TW" sz="2000" dirty="0"/>
-              <a:t>long internal exons, in 3’ UTR, and near the stop codon. In addition, the nonrandom existence of m6A sites across the genome is conserved from yeast to human. Therefore, it is an essential and important for species. On the other hand, m6A-seq and </a:t>
+              <a:t>long internal exons, in 3’ UTR, and near the stop codon. In </a:t>
+            </a:r>
+            <a:r>
+              <a:rPr lang="en-US" altLang="zh-TW" sz="2000" dirty="0" smtClean="0"/>
+              <a:t>addition,</a:t>
+            </a:r>
+            <a:r>
+              <a:rPr lang="en-US" altLang="zh-TW" sz="2000" dirty="0" smtClean="0">
+                <a:solidFill>
+                  <a:srgbClr val="FF0000"/>
+                </a:solidFill>
+              </a:rPr>
+              <a:t> </a:t>
+            </a:r>
+            <a:r>
+              <a:rPr lang="en-US" altLang="zh-TW" sz="2000" dirty="0">
+                <a:solidFill>
+                  <a:srgbClr val="FF0000"/>
+                </a:solidFill>
+              </a:rPr>
+              <a:t>the nonrandom existence of m6A sites across the genome is conserved from yeast to human</a:t>
+            </a:r>
+            <a:r>
+              <a:rPr lang="en-US" altLang="zh-TW" sz="2000" dirty="0"/>
+              <a:t>. Therefore, it is an essential and important for species. On the other hand, m6A-seq and </a:t>
             </a:r>
             <a:r>
               <a:rPr lang="en-US" altLang="zh-TW" sz="2000" dirty="0" err="1"/>
@@ -7271,6 +7155,13 @@
   <p:clrMapOvr>
     <a:masterClrMapping/>
   </p:clrMapOvr>
+  <p:timing>
+    <p:tnLst>
+      <p:par>
+        <p:cTn id="1" dur="indefinite" restart="never" nodeType="tmRoot"/>
+      </p:par>
+    </p:tnLst>
+  </p:timing>
 </p:sld>
 </file>
 
@@ -7296,7 +7187,7 @@
           <p:cNvPr id="2" name="標題 1">
             <a:extLst>
               <a:ext uri="{FF2B5EF4-FFF2-40B4-BE49-F238E27FC236}">
-                <a16:creationId xmlns:a16="http://schemas.microsoft.com/office/drawing/2014/main" id="{B327BF8D-6467-4EBF-B44B-80346A9EEF59}"/>
+                <a16:creationId xmlns:a16="http://schemas.microsoft.com/office/drawing/2014/main" xmlns="" id="{B327BF8D-6467-4EBF-B44B-80346A9EEF59}"/>
               </a:ext>
             </a:extLst>
           </p:cNvPr>
@@ -7332,7 +7223,7 @@
           <p:cNvPr id="3" name="內容版面配置區 2">
             <a:extLst>
               <a:ext uri="{FF2B5EF4-FFF2-40B4-BE49-F238E27FC236}">
-                <a16:creationId xmlns:a16="http://schemas.microsoft.com/office/drawing/2014/main" id="{86A79B69-B1D9-4145-B2E1-60D76BC2A679}"/>
+                <a16:creationId xmlns:a16="http://schemas.microsoft.com/office/drawing/2014/main" xmlns="" id="{86A79B69-B1D9-4145-B2E1-60D76BC2A679}"/>
               </a:ext>
             </a:extLst>
           </p:cNvPr>
@@ -7475,6 +7366,13 @@
   <p:clrMapOvr>
     <a:masterClrMapping/>
   </p:clrMapOvr>
+  <p:timing>
+    <p:tnLst>
+      <p:par>
+        <p:cTn id="1" dur="indefinite" restart="never" nodeType="tmRoot"/>
+      </p:par>
+    </p:tnLst>
+  </p:timing>
 </p:sld>
 </file>
 
@@ -7500,7 +7398,7 @@
           <p:cNvPr id="2" name="標題 1">
             <a:extLst>
               <a:ext uri="{FF2B5EF4-FFF2-40B4-BE49-F238E27FC236}">
-                <a16:creationId xmlns:a16="http://schemas.microsoft.com/office/drawing/2014/main" id="{B327BF8D-6467-4EBF-B44B-80346A9EEF59}"/>
+                <a16:creationId xmlns:a16="http://schemas.microsoft.com/office/drawing/2014/main" xmlns="" id="{B327BF8D-6467-4EBF-B44B-80346A9EEF59}"/>
               </a:ext>
             </a:extLst>
           </p:cNvPr>
@@ -7536,7 +7434,7 @@
           <p:cNvPr id="3" name="內容版面配置區 2">
             <a:extLst>
               <a:ext uri="{FF2B5EF4-FFF2-40B4-BE49-F238E27FC236}">
-                <a16:creationId xmlns:a16="http://schemas.microsoft.com/office/drawing/2014/main" id="{86A79B69-B1D9-4145-B2E1-60D76BC2A679}"/>
+                <a16:creationId xmlns:a16="http://schemas.microsoft.com/office/drawing/2014/main" xmlns="" id="{86A79B69-B1D9-4145-B2E1-60D76BC2A679}"/>
               </a:ext>
             </a:extLst>
           </p:cNvPr>
@@ -7573,33 +7471,15 @@
               <a:t>    </a:t>
             </a:r>
             <a:r>
-              <a:rPr lang="en-US" altLang="zh-TW" sz="2000" b="0" i="0" dirty="0">
-                <a:solidFill>
-                  <a:srgbClr val="2E2E2E"/>
-                </a:solidFill>
-                <a:effectLst/>
-                <a:latin typeface="NexusSerif"/>
-              </a:rPr>
+              <a:rPr lang="en-US" altLang="zh-TW" sz="2000" dirty="0"/>
               <a:t>In general, all of the proposed predictors require domain knowledge to manually design the features. These features should be designed in a way that the sequence-pattern information is preserved. For instance, pseudo amino acid composition or </a:t>
             </a:r>
             <a:r>
-              <a:rPr lang="en-US" altLang="zh-TW" sz="2000" b="0" i="0" dirty="0" err="1">
-                <a:solidFill>
-                  <a:srgbClr val="2E2E2E"/>
-                </a:solidFill>
-                <a:effectLst/>
-                <a:latin typeface="NexusSerif"/>
-              </a:rPr>
+              <a:rPr lang="en-US" altLang="zh-TW" sz="2000" dirty="0" err="1"/>
               <a:t>PseAAC</a:t>
             </a:r>
             <a:r>
-              <a:rPr lang="en-US" altLang="zh-TW" sz="2000" b="0" i="0" dirty="0">
-                <a:solidFill>
-                  <a:srgbClr val="2E2E2E"/>
-                </a:solidFill>
-                <a:effectLst/>
-                <a:latin typeface="NexusSerif"/>
-              </a:rPr>
+              <a:rPr lang="en-US" altLang="zh-TW" sz="2000" dirty="0"/>
               <a:t> is a good example for feature extraction technique. </a:t>
             </a:r>
           </a:p>
@@ -7608,143 +7488,59 @@
               <a:buNone/>
             </a:pPr>
             <a:r>
-              <a:rPr lang="zh-TW" altLang="en-US" sz="2000" b="0" i="0" dirty="0">
-                <a:solidFill>
-                  <a:srgbClr val="2E2E2E"/>
-                </a:solidFill>
-                <a:effectLst/>
-                <a:latin typeface="NexusSerif"/>
-              </a:rPr>
+              <a:rPr lang="zh-TW" altLang="en-US" sz="2000" dirty="0"/>
               <a:t>    </a:t>
             </a:r>
             <a:r>
-              <a:rPr lang="en-US" altLang="zh-TW" sz="2000" b="0" i="0" dirty="0">
-                <a:solidFill>
-                  <a:srgbClr val="2E2E2E"/>
-                </a:solidFill>
-                <a:effectLst/>
-                <a:latin typeface="NexusSerif"/>
-              </a:rPr>
+              <a:rPr lang="en-US" altLang="zh-TW" sz="2000" dirty="0"/>
               <a:t>The popularity of this concept has led to developing open source </a:t>
             </a:r>
             <a:r>
-              <a:rPr lang="en-US" altLang="zh-TW" sz="2000" b="0" i="0" dirty="0" err="1">
-                <a:solidFill>
-                  <a:srgbClr val="2E2E2E"/>
-                </a:solidFill>
-                <a:effectLst/>
-                <a:latin typeface="NexusSerif"/>
-              </a:rPr>
+              <a:rPr lang="en-US" altLang="zh-TW" sz="2000" dirty="0" err="1"/>
               <a:t>softwares</a:t>
             </a:r>
             <a:r>
-              <a:rPr lang="en-US" altLang="zh-TW" sz="2000" b="0" i="0" dirty="0">
-                <a:solidFill>
-                  <a:srgbClr val="2E2E2E"/>
-                </a:solidFill>
-                <a:effectLst/>
-                <a:latin typeface="NexusSerif"/>
-              </a:rPr>
+              <a:rPr lang="en-US" altLang="zh-TW" sz="2000" dirty="0"/>
               <a:t> such as ‘</a:t>
             </a:r>
             <a:r>
-              <a:rPr lang="en-US" altLang="zh-TW" sz="2000" b="0" i="0" dirty="0" err="1">
-                <a:solidFill>
-                  <a:srgbClr val="2E2E2E"/>
-                </a:solidFill>
-                <a:effectLst/>
-                <a:latin typeface="NexusSerif"/>
-              </a:rPr>
+              <a:rPr lang="en-US" altLang="zh-TW" sz="2000" dirty="0" err="1"/>
               <a:t>PseAAC</a:t>
             </a:r>
             <a:r>
-              <a:rPr lang="en-US" altLang="zh-TW" sz="2000" b="0" i="0" dirty="0">
-                <a:solidFill>
-                  <a:srgbClr val="2E2E2E"/>
-                </a:solidFill>
-                <a:effectLst/>
-                <a:latin typeface="NexusSerif"/>
-              </a:rPr>
+              <a:rPr lang="en-US" altLang="zh-TW" sz="2000" dirty="0"/>
               <a:t>-Builder’, ‘</a:t>
             </a:r>
             <a:r>
-              <a:rPr lang="en-US" altLang="zh-TW" sz="2000" b="0" i="0" dirty="0" err="1">
-                <a:solidFill>
-                  <a:srgbClr val="2E2E2E"/>
-                </a:solidFill>
-                <a:effectLst/>
-                <a:latin typeface="NexusSerif"/>
-              </a:rPr>
+              <a:rPr lang="en-US" altLang="zh-TW" sz="2000" dirty="0" err="1"/>
               <a:t>propy</a:t>
             </a:r>
             <a:r>
-              <a:rPr lang="en-US" altLang="zh-TW" sz="2000" b="0" i="0" dirty="0">
-                <a:solidFill>
-                  <a:srgbClr val="2E2E2E"/>
-                </a:solidFill>
-                <a:effectLst/>
-                <a:latin typeface="NexusSerif"/>
-              </a:rPr>
+              <a:rPr lang="en-US" altLang="zh-TW" sz="2000" dirty="0"/>
               <a:t>’, and ‘</a:t>
             </a:r>
             <a:r>
-              <a:rPr lang="en-US" altLang="zh-TW" sz="2000" b="0" i="0" dirty="0" err="1">
-                <a:solidFill>
-                  <a:srgbClr val="2E2E2E"/>
-                </a:solidFill>
-                <a:effectLst/>
-                <a:latin typeface="NexusSerif"/>
-              </a:rPr>
+              <a:rPr lang="en-US" altLang="zh-TW" sz="2000" dirty="0" err="1"/>
               <a:t>PseAAC</a:t>
             </a:r>
             <a:r>
-              <a:rPr lang="en-US" altLang="zh-TW" sz="2000" b="0" i="0" dirty="0">
-                <a:solidFill>
-                  <a:srgbClr val="2E2E2E"/>
-                </a:solidFill>
-                <a:effectLst/>
-                <a:latin typeface="NexusSerif"/>
-              </a:rPr>
+              <a:rPr lang="en-US" altLang="zh-TW" sz="2000" dirty="0"/>
               <a:t>-General’ . Later, </a:t>
             </a:r>
             <a:r>
-              <a:rPr lang="en-US" altLang="zh-TW" sz="2000" b="0" i="0" dirty="0" err="1">
-                <a:solidFill>
-                  <a:srgbClr val="2E2E2E"/>
-                </a:solidFill>
-                <a:effectLst/>
-                <a:latin typeface="NexusSerif"/>
-              </a:rPr>
+              <a:rPr lang="en-US" altLang="zh-TW" sz="2000" dirty="0" err="1"/>
               <a:t>PseAAC</a:t>
             </a:r>
             <a:r>
-              <a:rPr lang="en-US" altLang="zh-TW" sz="2000" b="0" i="0" dirty="0">
-                <a:solidFill>
-                  <a:srgbClr val="2E2E2E"/>
-                </a:solidFill>
-                <a:effectLst/>
-                <a:latin typeface="NexusSerif"/>
-              </a:rPr>
+              <a:rPr lang="en-US" altLang="zh-TW" sz="2000" dirty="0"/>
               <a:t> was extended to </a:t>
             </a:r>
             <a:r>
-              <a:rPr lang="en-US" altLang="zh-TW" sz="2000" b="0" i="0" dirty="0" err="1">
-                <a:solidFill>
-                  <a:srgbClr val="2E2E2E"/>
-                </a:solidFill>
-                <a:effectLst/>
-                <a:latin typeface="NexusSerif"/>
-              </a:rPr>
+              <a:rPr lang="en-US" altLang="zh-TW" sz="2000" dirty="0" err="1"/>
               <a:t>PseKNC</a:t>
             </a:r>
             <a:r>
-              <a:rPr lang="en-US" altLang="zh-TW" sz="2000" b="0" i="0" dirty="0">
-                <a:solidFill>
-                  <a:srgbClr val="2E2E2E"/>
-                </a:solidFill>
-                <a:effectLst/>
-                <a:latin typeface="NexusSerif"/>
-              </a:rPr>
+              <a:rPr lang="en-US" altLang="zh-TW" sz="2000" dirty="0"/>
               <a:t> (Pseudo K-tuple Nucleotide Composition) to obtain numerical features from DNA/RNA sequences.</a:t>
             </a:r>
             <a:endParaRPr lang="zh-TW" altLang="en-US" sz="2000" dirty="0"/>
@@ -7761,12 +7557,24 @@
   <p:clrMapOvr>
     <a:masterClrMapping/>
   </p:clrMapOvr>
+  <p:timing>
+    <p:tnLst>
+      <p:par>
+        <p:cTn id="1" dur="indefinite" restart="never" nodeType="tmRoot"/>
+      </p:par>
+    </p:tnLst>
+  </p:timing>
 </p:sld>
 </file>
 
 <file path=ppt/slides/slide6.xml><?xml version="1.0" encoding="utf-8"?>
 <p:sld xmlns:a="http://schemas.openxmlformats.org/drawingml/2006/main" xmlns:r="http://schemas.openxmlformats.org/officeDocument/2006/relationships" xmlns:p="http://schemas.openxmlformats.org/presentationml/2006/main">
   <p:cSld>
+    <p:bg>
+      <p:bgRef idx="1001">
+        <a:schemeClr val="bg1"/>
+      </p:bgRef>
+    </p:bg>
     <p:spTree>
       <p:nvGrpSpPr>
         <p:cNvPr id="1" name=""/>
@@ -7786,7 +7594,7 @@
           <p:cNvPr id="2" name="標題 1">
             <a:extLst>
               <a:ext uri="{FF2B5EF4-FFF2-40B4-BE49-F238E27FC236}">
-                <a16:creationId xmlns:a16="http://schemas.microsoft.com/office/drawing/2014/main" id="{B327BF8D-6467-4EBF-B44B-80346A9EEF59}"/>
+                <a16:creationId xmlns:a16="http://schemas.microsoft.com/office/drawing/2014/main" xmlns="" id="{B327BF8D-6467-4EBF-B44B-80346A9EEF59}"/>
               </a:ext>
             </a:extLst>
           </p:cNvPr>
@@ -7822,7 +7630,7 @@
           <p:cNvPr id="3" name="內容版面配置區 2">
             <a:extLst>
               <a:ext uri="{FF2B5EF4-FFF2-40B4-BE49-F238E27FC236}">
-                <a16:creationId xmlns:a16="http://schemas.microsoft.com/office/drawing/2014/main" id="{86A79B69-B1D9-4145-B2E1-60D76BC2A679}"/>
+                <a16:creationId xmlns:a16="http://schemas.microsoft.com/office/drawing/2014/main" xmlns="" id="{86A79B69-B1D9-4145-B2E1-60D76BC2A679}"/>
               </a:ext>
             </a:extLst>
           </p:cNvPr>
@@ -7859,53 +7667,23 @@
               <a:t>    </a:t>
             </a:r>
             <a:r>
-              <a:rPr lang="en-US" altLang="zh-TW" sz="2000" b="0" i="0" dirty="0">
-                <a:solidFill>
-                  <a:srgbClr val="2E2E2E"/>
-                </a:solidFill>
-                <a:effectLst/>
-                <a:latin typeface="NexusSerif"/>
-              </a:rPr>
+              <a:rPr lang="en-US" altLang="zh-TW" sz="2000" dirty="0"/>
               <a:t>On the other hand, deep-learning based predictors enable designing powerful tools from raw RNA/DNA sequences without handcrafting the features such as </a:t>
             </a:r>
             <a:r>
-              <a:rPr lang="en-US" altLang="zh-TW" sz="2000" b="0" i="0" dirty="0" err="1">
-                <a:solidFill>
-                  <a:srgbClr val="2E2E2E"/>
-                </a:solidFill>
-                <a:effectLst/>
-                <a:latin typeface="NexusSerif"/>
-              </a:rPr>
+              <a:rPr lang="en-US" altLang="zh-TW" sz="2000" dirty="0" err="1"/>
               <a:t>DeepCpG</a:t>
             </a:r>
             <a:r>
-              <a:rPr lang="en-US" altLang="zh-TW" sz="2000" b="0" i="0" dirty="0">
-                <a:solidFill>
-                  <a:srgbClr val="2E2E2E"/>
-                </a:solidFill>
-                <a:effectLst/>
-                <a:latin typeface="NexusSerif"/>
-              </a:rPr>
+              <a:rPr lang="en-US" altLang="zh-TW" sz="2000" dirty="0"/>
               <a:t>, </a:t>
             </a:r>
             <a:r>
-              <a:rPr lang="en-US" altLang="zh-TW" sz="2000" b="0" i="0" dirty="0" err="1">
-                <a:solidFill>
-                  <a:srgbClr val="2E2E2E"/>
-                </a:solidFill>
-                <a:effectLst/>
-                <a:latin typeface="NexusSerif"/>
-              </a:rPr>
+              <a:rPr lang="en-US" altLang="zh-TW" sz="2000" dirty="0" err="1"/>
               <a:t>iDeepS</a:t>
             </a:r>
             <a:r>
-              <a:rPr lang="en-US" altLang="zh-TW" sz="2000" b="0" i="0" dirty="0">
-                <a:solidFill>
-                  <a:srgbClr val="2E2E2E"/>
-                </a:solidFill>
-                <a:effectLst/>
-                <a:latin typeface="NexusSerif"/>
-              </a:rPr>
+              <a:rPr lang="en-US" altLang="zh-TW" sz="2000" dirty="0"/>
               <a:t>, branch point selection, alternative splicing sites prediction , 2′-Omethylation sites prediction , and other biological processes. </a:t>
             </a:r>
           </a:p>
@@ -7914,23 +7692,11 @@
               <a:buNone/>
             </a:pPr>
             <a:r>
-              <a:rPr lang="zh-TW" altLang="en-US" sz="2000" b="0" i="0" dirty="0">
-                <a:solidFill>
-                  <a:srgbClr val="2E2E2E"/>
-                </a:solidFill>
-                <a:effectLst/>
-                <a:latin typeface="NexusSerif"/>
-              </a:rPr>
+              <a:rPr lang="zh-TW" altLang="en-US" sz="2000" dirty="0"/>
               <a:t>    </a:t>
             </a:r>
             <a:r>
-              <a:rPr lang="en-US" altLang="zh-TW" sz="2000" b="0" i="0" dirty="0">
-                <a:solidFill>
-                  <a:srgbClr val="2E2E2E"/>
-                </a:solidFill>
-                <a:effectLst/>
-                <a:latin typeface="NexusSerif"/>
-              </a:rPr>
+              <a:rPr lang="en-US" altLang="zh-TW" sz="2000" dirty="0"/>
               <a:t>Deep-learning based predictors for m6A such as DeepM6ASeq and BERMP have extracted the features from the raw m6A sites using CNN and RNN. However, we learn the new representation for the m6A sites using word2vec algorithm and then utilize the new representation for m6A identification. </a:t>
             </a:r>
           </a:p>
@@ -7939,23 +7705,11 @@
               <a:buNone/>
             </a:pPr>
             <a:r>
-              <a:rPr lang="zh-TW" altLang="en-US" sz="2000" b="0" i="0" dirty="0">
-                <a:solidFill>
-                  <a:srgbClr val="2E2E2E"/>
-                </a:solidFill>
-                <a:effectLst/>
-                <a:latin typeface="NexusSerif"/>
-              </a:rPr>
+              <a:rPr lang="zh-TW" altLang="en-US" sz="2000" dirty="0"/>
               <a:t>    </a:t>
             </a:r>
             <a:r>
-              <a:rPr lang="en-US" altLang="zh-TW" sz="2000" b="0" i="0" dirty="0">
-                <a:solidFill>
-                  <a:srgbClr val="2E2E2E"/>
-                </a:solidFill>
-                <a:effectLst/>
-                <a:latin typeface="NexusSerif"/>
-              </a:rPr>
+              <a:rPr lang="en-US" altLang="zh-TW" sz="2000" dirty="0"/>
               <a:t>The learnt features from word2vec are more comprehensive as they are based on the whole mRNA rather than small set of RNA/DNA samples. In this paper, we propose a novel multiple-species sequence-based predictor, namely “iN6-Methyl (5-step)”, for identifying m6A sites in RNA sequences. </a:t>
             </a:r>
           </a:p>
@@ -7964,23 +7718,11 @@
               <a:buNone/>
             </a:pPr>
             <a:r>
-              <a:rPr lang="zh-TW" altLang="en-US" sz="2000" b="0" i="0" dirty="0">
-                <a:solidFill>
-                  <a:srgbClr val="2E2E2E"/>
-                </a:solidFill>
-                <a:effectLst/>
-                <a:latin typeface="NexusSerif"/>
-              </a:rPr>
+              <a:rPr lang="zh-TW" altLang="en-US" sz="2000" dirty="0"/>
               <a:t>    </a:t>
             </a:r>
             <a:r>
-              <a:rPr lang="en-US" altLang="zh-TW" sz="2000" b="0" i="0" dirty="0">
-                <a:solidFill>
-                  <a:srgbClr val="2E2E2E"/>
-                </a:solidFill>
-                <a:effectLst/>
-                <a:latin typeface="NexusSerif"/>
-              </a:rPr>
+              <a:rPr lang="en-US" altLang="zh-TW" sz="2000" dirty="0"/>
               <a:t>It consists of two steps. The first step is the feature representation stage in which each sequence is divided into words (3-mer) then a natural language processing models called word2vec is applied in order to map each word to its corresponding feature representation. The second step is a deep learning computational model that predicts the m6A sites based on the generated features of the first step word2vec. The achieved results outperform the state-of-the-art methods in all evaluation metrics.</a:t>
             </a:r>
             <a:endParaRPr lang="zh-TW" altLang="en-US" sz="2000" dirty="0"/>
@@ -7995,8 +7737,15 @@
     </p:extLst>
   </p:cSld>
   <p:clrMapOvr>
-    <a:masterClrMapping/>
+    <a:overrideClrMapping bg1="lt1" tx1="dk1" bg2="lt2" tx2="dk2" accent1="accent1" accent2="accent2" accent3="accent3" accent4="accent4" accent5="accent5" accent6="accent6" hlink="hlink" folHlink="folHlink"/>
   </p:clrMapOvr>
+  <p:timing>
+    <p:tnLst>
+      <p:par>
+        <p:cTn id="1" dur="indefinite" restart="never" nodeType="tmRoot"/>
+      </p:par>
+    </p:tnLst>
+  </p:timing>
 </p:sld>
 </file>
 
@@ -8022,7 +7771,7 @@
           <p:cNvPr id="2" name="標題 1">
             <a:extLst>
               <a:ext uri="{FF2B5EF4-FFF2-40B4-BE49-F238E27FC236}">
-                <a16:creationId xmlns:a16="http://schemas.microsoft.com/office/drawing/2014/main" id="{B327BF8D-6467-4EBF-B44B-80346A9EEF59}"/>
+                <a16:creationId xmlns:a16="http://schemas.microsoft.com/office/drawing/2014/main" xmlns="" id="{B327BF8D-6467-4EBF-B44B-80346A9EEF59}"/>
               </a:ext>
             </a:extLst>
           </p:cNvPr>
@@ -8058,7 +7807,7 @@
           <p:cNvPr id="3" name="內容版面配置區 2">
             <a:extLst>
               <a:ext uri="{FF2B5EF4-FFF2-40B4-BE49-F238E27FC236}">
-                <a16:creationId xmlns:a16="http://schemas.microsoft.com/office/drawing/2014/main" id="{86A79B69-B1D9-4145-B2E1-60D76BC2A679}"/>
+                <a16:creationId xmlns:a16="http://schemas.microsoft.com/office/drawing/2014/main" xmlns="" id="{86A79B69-B1D9-4145-B2E1-60D76BC2A679}"/>
               </a:ext>
             </a:extLst>
           </p:cNvPr>
@@ -8092,7 +7841,11 @@
                 <a:effectLst/>
                 <a:latin typeface="NexusSerif"/>
               </a:rPr>
-              <a:t>    In this work, we follow the Chou's 5-step rules.</a:t>
+              <a:t>    </a:t>
+            </a:r>
+            <a:r>
+              <a:rPr lang="en-US" altLang="zh-TW" sz="2000" dirty="0"/>
+              <a:t>In this work, we follow the Chou's 5-step rules.</a:t>
             </a:r>
           </a:p>
           <a:p>
@@ -8100,23 +7853,11 @@
               <a:buNone/>
             </a:pPr>
             <a:r>
-              <a:rPr lang="zh-TW" altLang="en-US" sz="2000" b="0" i="0" dirty="0">
-                <a:solidFill>
-                  <a:srgbClr val="2E2E2E"/>
-                </a:solidFill>
-                <a:effectLst/>
-                <a:latin typeface="NexusSerif"/>
-              </a:rPr>
+              <a:rPr lang="zh-TW" altLang="en-US" sz="2000" dirty="0"/>
               <a:t>    </a:t>
             </a:r>
             <a:r>
-              <a:rPr lang="en-US" altLang="zh-TW" sz="2000" b="0" i="0" dirty="0">
-                <a:solidFill>
-                  <a:srgbClr val="2E2E2E"/>
-                </a:solidFill>
-                <a:effectLst/>
-                <a:latin typeface="NexusSerif"/>
-              </a:rPr>
+              <a:rPr lang="en-US" altLang="zh-TW" sz="2000" dirty="0"/>
               <a:t>According to the Chou’s 5-step rule, to develop a really useful sequence-based predictor for a biological system as done in a series of recent publications, one should make the following five procedures very clear:</a:t>
             </a:r>
           </a:p>
@@ -8125,33 +7866,15 @@
               <a:buNone/>
             </a:pPr>
             <a:r>
-              <a:rPr lang="en-US" altLang="zh-TW" sz="2000" b="0" i="0" dirty="0">
-                <a:solidFill>
-                  <a:srgbClr val="2E2E2E"/>
-                </a:solidFill>
-                <a:effectLst/>
-                <a:latin typeface="NexusSerif"/>
-              </a:rPr>
+              <a:rPr lang="en-US" altLang="zh-TW" sz="2000" dirty="0"/>
               <a:t>(</a:t>
             </a:r>
             <a:r>
-              <a:rPr lang="en-US" altLang="zh-TW" sz="2000" b="0" i="0" dirty="0" err="1">
-                <a:solidFill>
-                  <a:srgbClr val="2E2E2E"/>
-                </a:solidFill>
-                <a:effectLst/>
-                <a:latin typeface="NexusSerif"/>
-              </a:rPr>
+              <a:rPr lang="en-US" altLang="zh-TW" sz="2000" dirty="0" err="1"/>
               <a:t>i</a:t>
             </a:r>
             <a:r>
-              <a:rPr lang="en-US" altLang="zh-TW" sz="2000" b="0" i="0" dirty="0">
-                <a:solidFill>
-                  <a:srgbClr val="2E2E2E"/>
-                </a:solidFill>
-                <a:effectLst/>
-                <a:latin typeface="NexusSerif"/>
-              </a:rPr>
+              <a:rPr lang="en-US" altLang="zh-TW" sz="2000" dirty="0"/>
               <a:t>)bench mark dataset, </a:t>
             </a:r>
           </a:p>
@@ -8160,13 +7883,7 @@
               <a:buNone/>
             </a:pPr>
             <a:r>
-              <a:rPr lang="en-US" altLang="zh-TW" sz="2000" b="0" i="0" dirty="0">
-                <a:solidFill>
-                  <a:srgbClr val="2E2E2E"/>
-                </a:solidFill>
-                <a:effectLst/>
-                <a:latin typeface="NexusSerif"/>
-              </a:rPr>
+              <a:rPr lang="en-US" altLang="zh-TW" sz="2000" dirty="0"/>
               <a:t>(ii) sequence sample formulation, </a:t>
             </a:r>
           </a:p>
@@ -8175,13 +7892,7 @@
               <a:buNone/>
             </a:pPr>
             <a:r>
-              <a:rPr lang="en-US" altLang="zh-TW" sz="2000" b="0" i="0" dirty="0">
-                <a:solidFill>
-                  <a:srgbClr val="2E2E2E"/>
-                </a:solidFill>
-                <a:effectLst/>
-                <a:latin typeface="NexusSerif"/>
-              </a:rPr>
+              <a:rPr lang="en-US" altLang="zh-TW" sz="2000" dirty="0"/>
               <a:t>(iii) operation engine or algorithm, </a:t>
             </a:r>
           </a:p>
@@ -8190,13 +7901,7 @@
               <a:buNone/>
             </a:pPr>
             <a:r>
-              <a:rPr lang="en-US" altLang="zh-TW" sz="2000" b="0" i="0" dirty="0">
-                <a:solidFill>
-                  <a:srgbClr val="2E2E2E"/>
-                </a:solidFill>
-                <a:effectLst/>
-                <a:latin typeface="NexusSerif"/>
-              </a:rPr>
+              <a:rPr lang="en-US" altLang="zh-TW" sz="2000" dirty="0"/>
               <a:t>(iv) cross-validation, and </a:t>
             </a:r>
           </a:p>
@@ -8205,13 +7910,7 @@
               <a:buNone/>
             </a:pPr>
             <a:r>
-              <a:rPr lang="en-US" altLang="zh-TW" sz="2000" b="0" i="0" dirty="0">
-                <a:solidFill>
-                  <a:srgbClr val="2E2E2E"/>
-                </a:solidFill>
-                <a:effectLst/>
-                <a:latin typeface="NexusSerif"/>
-              </a:rPr>
+              <a:rPr lang="en-US" altLang="zh-TW" sz="2000" dirty="0"/>
               <a:t>(v) web server. </a:t>
             </a:r>
           </a:p>
@@ -8220,13 +7919,7 @@
               <a:buNone/>
             </a:pPr>
             <a:r>
-              <a:rPr lang="en-US" altLang="zh-TW" sz="2000" b="0" i="0" dirty="0">
-                <a:solidFill>
-                  <a:srgbClr val="2E2E2E"/>
-                </a:solidFill>
-                <a:effectLst/>
-                <a:latin typeface="NexusSerif"/>
-              </a:rPr>
+              <a:rPr lang="en-US" altLang="zh-TW" sz="2000" dirty="0"/>
               <a:t>Below, we are to address these procedures one by one.</a:t>
             </a:r>
             <a:endParaRPr lang="zh-TW" altLang="en-US" sz="2000" dirty="0"/>
@@ -8243,6 +7936,13 @@
   <p:clrMapOvr>
     <a:masterClrMapping/>
   </p:clrMapOvr>
+  <p:timing>
+    <p:tnLst>
+      <p:par>
+        <p:cTn id="1" dur="indefinite" restart="never" nodeType="tmRoot"/>
+      </p:par>
+    </p:tnLst>
+  </p:timing>
 </p:sld>
 </file>
 
@@ -8268,7 +7968,7 @@
           <p:cNvPr id="2" name="標題 1">
             <a:extLst>
               <a:ext uri="{FF2B5EF4-FFF2-40B4-BE49-F238E27FC236}">
-                <a16:creationId xmlns:a16="http://schemas.microsoft.com/office/drawing/2014/main" id="{B327BF8D-6467-4EBF-B44B-80346A9EEF59}"/>
+                <a16:creationId xmlns:a16="http://schemas.microsoft.com/office/drawing/2014/main" xmlns="" id="{B327BF8D-6467-4EBF-B44B-80346A9EEF59}"/>
               </a:ext>
             </a:extLst>
           </p:cNvPr>
@@ -8304,7 +8004,7 @@
           <p:cNvPr id="3" name="內容版面配置區 2">
             <a:extLst>
               <a:ext uri="{FF2B5EF4-FFF2-40B4-BE49-F238E27FC236}">
-                <a16:creationId xmlns:a16="http://schemas.microsoft.com/office/drawing/2014/main" id="{86A79B69-B1D9-4145-B2E1-60D76BC2A679}"/>
+                <a16:creationId xmlns:a16="http://schemas.microsoft.com/office/drawing/2014/main" xmlns="" id="{86A79B69-B1D9-4145-B2E1-60D76BC2A679}"/>
               </a:ext>
             </a:extLst>
           </p:cNvPr>
@@ -8331,63 +8031,27 @@
               <a:buNone/>
             </a:pPr>
             <a:r>
-              <a:rPr lang="zh-TW" altLang="en-US" sz="2000" b="0" i="0" dirty="0">
-                <a:solidFill>
-                  <a:srgbClr val="2E2E2E"/>
-                </a:solidFill>
-                <a:effectLst/>
-                <a:latin typeface="NexusSerif"/>
-              </a:rPr>
+              <a:rPr lang="zh-TW" altLang="en-US" sz="2000" dirty="0"/>
               <a:t>    </a:t>
             </a:r>
             <a:r>
-              <a:rPr lang="en-US" altLang="zh-TW" sz="2000" b="0" i="0" dirty="0">
-                <a:solidFill>
-                  <a:srgbClr val="2E2E2E"/>
-                </a:solidFill>
-                <a:effectLst/>
-                <a:latin typeface="NexusSerif"/>
-              </a:rPr>
+              <a:rPr lang="en-US" altLang="zh-TW" sz="2000" dirty="0"/>
               <a:t>In order to predict m6A sites in multiple species, we use three benchmark datasets for three different species namely Saccharomyces cerevisiae (S51) , Homo sapiens (H41), and Mus musculus (M41) . The datasets S51, H41, and M41 contain 2614, 2260, and 1450 samples, respectively, and the length of each sample in S51 dataset is 51 </a:t>
             </a:r>
             <a:r>
-              <a:rPr lang="en-US" altLang="zh-TW" sz="2000" b="0" i="0" dirty="0" err="1">
-                <a:solidFill>
-                  <a:srgbClr val="2E2E2E"/>
-                </a:solidFill>
-                <a:effectLst/>
-                <a:latin typeface="NexusSerif"/>
-              </a:rPr>
+              <a:rPr lang="en-US" altLang="zh-TW" sz="2000" dirty="0" err="1"/>
               <a:t>nt</a:t>
             </a:r>
             <a:r>
-              <a:rPr lang="en-US" altLang="zh-TW" sz="2000" b="0" i="0" dirty="0">
-                <a:solidFill>
-                  <a:srgbClr val="2E2E2E"/>
-                </a:solidFill>
-                <a:effectLst/>
-                <a:latin typeface="NexusSerif"/>
-              </a:rPr>
+              <a:rPr lang="en-US" altLang="zh-TW" sz="2000" dirty="0"/>
               <a:t> and it is 41 </a:t>
             </a:r>
             <a:r>
-              <a:rPr lang="en-US" altLang="zh-TW" sz="2000" b="0" i="0" dirty="0" err="1">
-                <a:solidFill>
-                  <a:srgbClr val="2E2E2E"/>
-                </a:solidFill>
-                <a:effectLst/>
-                <a:latin typeface="NexusSerif"/>
-              </a:rPr>
+              <a:rPr lang="en-US" altLang="zh-TW" sz="2000" dirty="0" err="1"/>
               <a:t>nt</a:t>
             </a:r>
             <a:r>
-              <a:rPr lang="en-US" altLang="zh-TW" sz="2000" b="0" i="0" dirty="0">
-                <a:solidFill>
-                  <a:srgbClr val="2E2E2E"/>
-                </a:solidFill>
-                <a:effectLst/>
-                <a:latin typeface="NexusSerif"/>
-              </a:rPr>
+              <a:rPr lang="en-US" altLang="zh-TW" sz="2000" dirty="0"/>
               <a:t> for H41 and M41 datasets. Each sample of these datasets is centered on the m6A site for the positive sequences, whilst the negative sequences prepared by adenines at the center without having biologically m6A peak.</a:t>
             </a:r>
           </a:p>
@@ -8396,23 +8060,11 @@
               <a:buNone/>
             </a:pPr>
             <a:r>
-              <a:rPr lang="zh-TW" altLang="en-US" sz="2000" b="0" i="0" dirty="0">
-                <a:solidFill>
-                  <a:srgbClr val="2E2E2E"/>
-                </a:solidFill>
-                <a:effectLst/>
-                <a:latin typeface="NexusSerif"/>
-              </a:rPr>
+              <a:rPr lang="zh-TW" altLang="en-US" sz="2000" dirty="0"/>
               <a:t>    </a:t>
             </a:r>
             <a:r>
-              <a:rPr lang="en-US" altLang="zh-TW" sz="2000" b="0" i="0" dirty="0">
-                <a:solidFill>
-                  <a:srgbClr val="2E2E2E"/>
-                </a:solidFill>
-                <a:effectLst/>
-                <a:latin typeface="NexusSerif"/>
-              </a:rPr>
+              <a:rPr lang="en-US" altLang="zh-TW" sz="2000" dirty="0"/>
               <a:t>As a quality control, we utilize 10-fold cross-validation in the training process. In this case, we randomly split the dataset into 10 folds. Nine folds are used for training and early stopping and the remaining fold is used for testing.</a:t>
             </a:r>
             <a:endParaRPr lang="zh-TW" altLang="en-US" sz="2000" dirty="0"/>
@@ -8424,7 +8076,7 @@
           <p:cNvPr id="5" name="圖片 4">
             <a:extLst>
               <a:ext uri="{FF2B5EF4-FFF2-40B4-BE49-F238E27FC236}">
-                <a16:creationId xmlns:a16="http://schemas.microsoft.com/office/drawing/2014/main" id="{1D9A515E-B32D-4C81-A644-8561149BB6EE}"/>
+                <a16:creationId xmlns:a16="http://schemas.microsoft.com/office/drawing/2014/main" xmlns="" id="{1D9A515E-B32D-4C81-A644-8561149BB6EE}"/>
               </a:ext>
             </a:extLst>
           </p:cNvPr>
@@ -8459,6 +8111,13 @@
   <p:clrMapOvr>
     <a:masterClrMapping/>
   </p:clrMapOvr>
+  <p:timing>
+    <p:tnLst>
+      <p:par>
+        <p:cTn id="1" dur="indefinite" restart="never" nodeType="tmRoot"/>
+      </p:par>
+    </p:tnLst>
+  </p:timing>
 </p:sld>
 </file>
 
@@ -8484,7 +8143,7 @@
           <p:cNvPr id="2" name="標題 1">
             <a:extLst>
               <a:ext uri="{FF2B5EF4-FFF2-40B4-BE49-F238E27FC236}">
-                <a16:creationId xmlns:a16="http://schemas.microsoft.com/office/drawing/2014/main" id="{B327BF8D-6467-4EBF-B44B-80346A9EEF59}"/>
+                <a16:creationId xmlns:a16="http://schemas.microsoft.com/office/drawing/2014/main" xmlns="" id="{B327BF8D-6467-4EBF-B44B-80346A9EEF59}"/>
               </a:ext>
             </a:extLst>
           </p:cNvPr>
@@ -8520,7 +8179,7 @@
           <p:cNvPr id="3" name="內容版面配置區 2">
             <a:extLst>
               <a:ext uri="{FF2B5EF4-FFF2-40B4-BE49-F238E27FC236}">
-                <a16:creationId xmlns:a16="http://schemas.microsoft.com/office/drawing/2014/main" id="{86A79B69-B1D9-4145-B2E1-60D76BC2A679}"/>
+                <a16:creationId xmlns:a16="http://schemas.microsoft.com/office/drawing/2014/main" xmlns="" id="{86A79B69-B1D9-4145-B2E1-60D76BC2A679}"/>
               </a:ext>
             </a:extLst>
           </p:cNvPr>
@@ -8539,7 +8198,7 @@
         </p:spPr>
         <p:txBody>
           <a:bodyPr>
-            <a:normAutofit/>
+            <a:normAutofit lnSpcReduction="10000"/>
           </a:bodyPr>
           <a:lstStyle/>
           <a:p>
@@ -8557,13 +8216,7 @@
               <a:t>    </a:t>
             </a:r>
             <a:r>
-              <a:rPr lang="en-US" altLang="zh-TW" sz="1600" b="0" i="0" dirty="0">
-                <a:solidFill>
-                  <a:srgbClr val="2E2E2E"/>
-                </a:solidFill>
-                <a:effectLst/>
-                <a:latin typeface="NexusSerif"/>
-              </a:rPr>
+              <a:rPr lang="en-US" altLang="zh-TW" sz="2000" dirty="0"/>
               <a:t>We present a novel method in order to finding and predicting m6A sites in different species called iN6-Methyl (5-step) model. </a:t>
             </a:r>
           </a:p>
@@ -8572,23 +8225,11 @@
               <a:buNone/>
             </a:pPr>
             <a:r>
-              <a:rPr lang="zh-TW" altLang="en-US" sz="1600" b="0" i="0" dirty="0">
-                <a:solidFill>
-                  <a:srgbClr val="2E2E2E"/>
-                </a:solidFill>
-                <a:effectLst/>
-                <a:latin typeface="NexusSerif"/>
-              </a:rPr>
+              <a:rPr lang="zh-TW" altLang="en-US" sz="2000" dirty="0"/>
               <a:t>    </a:t>
             </a:r>
             <a:r>
-              <a:rPr lang="en-US" altLang="zh-TW" sz="1600" b="0" i="0" dirty="0">
-                <a:solidFill>
-                  <a:srgbClr val="2E2E2E"/>
-                </a:solidFill>
-                <a:effectLst/>
-                <a:latin typeface="NexusSerif"/>
-              </a:rPr>
+              <a:rPr lang="en-US" altLang="zh-TW" sz="2000" dirty="0"/>
               <a:t>Our proposed method consists of two major steps. The first step is the feature representation stage in which each sequence is divided into words (3-mer) then a natural language processing models called word2vec is applied in order to map each word to its corresponding feature representation. </a:t>
             </a:r>
           </a:p>
@@ -8597,26 +8238,14 @@
               <a:buNone/>
             </a:pPr>
             <a:r>
-              <a:rPr lang="zh-TW" altLang="en-US" sz="1600" b="0" i="0" dirty="0">
-                <a:solidFill>
-                  <a:srgbClr val="2E2E2E"/>
-                </a:solidFill>
-                <a:effectLst/>
-                <a:latin typeface="NexusSerif"/>
-              </a:rPr>
+              <a:rPr lang="zh-TW" altLang="en-US" sz="2000" dirty="0"/>
               <a:t>    </a:t>
             </a:r>
             <a:r>
-              <a:rPr lang="en-US" altLang="zh-TW" sz="1600" b="0" i="0" dirty="0">
-                <a:solidFill>
-                  <a:srgbClr val="2E2E2E"/>
-                </a:solidFill>
-                <a:effectLst/>
-                <a:latin typeface="NexusSerif"/>
-              </a:rPr>
+              <a:rPr lang="en-US" altLang="zh-TW" sz="2000" dirty="0"/>
               <a:t>The second step is a deep learning computational model that predicts the m6A sites based on the generated features of the first step. This process is illustrated in Fig. 1 and is described in detail in the following sections.</a:t>
             </a:r>
-            <a:endParaRPr lang="zh-TW" altLang="en-US" sz="1600" dirty="0"/>
+            <a:endParaRPr lang="zh-TW" altLang="en-US" sz="2000" dirty="0"/>
           </a:p>
         </p:txBody>
       </p:sp>
@@ -8625,7 +8254,7 @@
           <p:cNvPr id="5" name="圖片 4">
             <a:extLst>
               <a:ext uri="{FF2B5EF4-FFF2-40B4-BE49-F238E27FC236}">
-                <a16:creationId xmlns:a16="http://schemas.microsoft.com/office/drawing/2014/main" id="{6DE5393E-DDDE-4F9F-98E2-5894B7A89CE4}"/>
+                <a16:creationId xmlns:a16="http://schemas.microsoft.com/office/drawing/2014/main" xmlns="" id="{6DE5393E-DDDE-4F9F-98E2-5894B7A89CE4}"/>
               </a:ext>
             </a:extLst>
           </p:cNvPr>
@@ -8642,8 +8271,8 @@
         </p:blipFill>
         <p:spPr>
           <a:xfrm>
-            <a:off x="2681773" y="2836504"/>
-            <a:ext cx="6962192" cy="3619586"/>
+            <a:off x="2830285" y="2962800"/>
+            <a:ext cx="6535004" cy="3397494"/>
           </a:xfrm>
           <a:prstGeom prst="rect">
             <a:avLst/>
@@ -8660,6 +8289,13 @@
   <p:clrMapOvr>
     <a:masterClrMapping/>
   </p:clrMapOvr>
+  <p:timing>
+    <p:tnLst>
+      <p:par>
+        <p:cTn id="1" dur="indefinite" restart="never" nodeType="tmRoot"/>
+      </p:par>
+    </p:tnLst>
+  </p:timing>
 </p:sld>
 </file>
 
@@ -8956,4 +8592,47 @@
     </a:ext>
   </a:extLst>
 </a:theme>
+</file>
+
+<file path=ppt/theme/themeOverride1.xml><?xml version="1.0" encoding="utf-8"?>
+<a:themeOverride xmlns:a="http://schemas.openxmlformats.org/drawingml/2006/main">
+  <a:clrScheme name="Office">
+    <a:dk1>
+      <a:sysClr val="windowText" lastClr="000000"/>
+    </a:dk1>
+    <a:lt1>
+      <a:sysClr val="window" lastClr="FFFFFF"/>
+    </a:lt1>
+    <a:dk2>
+      <a:srgbClr val="44546A"/>
+    </a:dk2>
+    <a:lt2>
+      <a:srgbClr val="E7E6E6"/>
+    </a:lt2>
+    <a:accent1>
+      <a:srgbClr val="4472C4"/>
+    </a:accent1>
+    <a:accent2>
+      <a:srgbClr val="ED7D31"/>
+    </a:accent2>
+    <a:accent3>
+      <a:srgbClr val="A5A5A5"/>
+    </a:accent3>
+    <a:accent4>
+      <a:srgbClr val="FFC000"/>
+    </a:accent4>
+    <a:accent5>
+      <a:srgbClr val="5B9BD5"/>
+    </a:accent5>
+    <a:accent6>
+      <a:srgbClr val="70AD47"/>
+    </a:accent6>
+    <a:hlink>
+      <a:srgbClr val="0563C1"/>
+    </a:hlink>
+    <a:folHlink>
+      <a:srgbClr val="954F72"/>
+    </a:folHlink>
+  </a:clrScheme>
+</a:themeOverride>
 </file>